--- a/slide/korelasi dan regresi.pptx
+++ b/slide/korelasi dan regresi.pptx
@@ -5,10 +5,10 @@
     <p:sldMasterId id="2147483648" r:id="rId4"/>
   </p:sldMasterIdLst>
   <p:notesMasterIdLst>
-    <p:notesMasterId r:id="rId53"/>
+    <p:notesMasterId r:id="rId52"/>
   </p:notesMasterIdLst>
   <p:handoutMasterIdLst>
-    <p:handoutMasterId r:id="rId54"/>
+    <p:handoutMasterId r:id="rId53"/>
   </p:handoutMasterIdLst>
   <p:sldIdLst>
     <p:sldId id="256" r:id="rId5"/>
@@ -35,30 +35,29 @@
     <p:sldId id="433" r:id="rId26"/>
     <p:sldId id="434" r:id="rId27"/>
     <p:sldId id="436" r:id="rId28"/>
-    <p:sldId id="437" r:id="rId29"/>
-    <p:sldId id="438" r:id="rId30"/>
-    <p:sldId id="439" r:id="rId31"/>
-    <p:sldId id="440" r:id="rId32"/>
-    <p:sldId id="441" r:id="rId33"/>
-    <p:sldId id="442" r:id="rId34"/>
-    <p:sldId id="444" r:id="rId35"/>
-    <p:sldId id="507" r:id="rId36"/>
-    <p:sldId id="446" r:id="rId37"/>
-    <p:sldId id="447" r:id="rId38"/>
-    <p:sldId id="448" r:id="rId39"/>
-    <p:sldId id="451" r:id="rId40"/>
-    <p:sldId id="452" r:id="rId41"/>
-    <p:sldId id="453" r:id="rId42"/>
-    <p:sldId id="454" r:id="rId43"/>
-    <p:sldId id="455" r:id="rId44"/>
-    <p:sldId id="456" r:id="rId45"/>
-    <p:sldId id="457" r:id="rId46"/>
-    <p:sldId id="458" r:id="rId47"/>
-    <p:sldId id="459" r:id="rId48"/>
-    <p:sldId id="460" r:id="rId49"/>
-    <p:sldId id="461" r:id="rId50"/>
-    <p:sldId id="462" r:id="rId51"/>
-    <p:sldId id="502" r:id="rId52"/>
+    <p:sldId id="438" r:id="rId29"/>
+    <p:sldId id="439" r:id="rId30"/>
+    <p:sldId id="440" r:id="rId31"/>
+    <p:sldId id="441" r:id="rId32"/>
+    <p:sldId id="442" r:id="rId33"/>
+    <p:sldId id="444" r:id="rId34"/>
+    <p:sldId id="507" r:id="rId35"/>
+    <p:sldId id="446" r:id="rId36"/>
+    <p:sldId id="447" r:id="rId37"/>
+    <p:sldId id="448" r:id="rId38"/>
+    <p:sldId id="451" r:id="rId39"/>
+    <p:sldId id="452" r:id="rId40"/>
+    <p:sldId id="453" r:id="rId41"/>
+    <p:sldId id="454" r:id="rId42"/>
+    <p:sldId id="455" r:id="rId43"/>
+    <p:sldId id="456" r:id="rId44"/>
+    <p:sldId id="457" r:id="rId45"/>
+    <p:sldId id="458" r:id="rId46"/>
+    <p:sldId id="459" r:id="rId47"/>
+    <p:sldId id="460" r:id="rId48"/>
+    <p:sldId id="461" r:id="rId49"/>
+    <p:sldId id="462" r:id="rId50"/>
+    <p:sldId id="502" r:id="rId51"/>
   </p:sldIdLst>
   <p:sldSz cx="12192000" cy="6858000"/>
   <p:notesSz cx="6858000" cy="9144000"/>
@@ -409,11 +408,11 @@
           <c:showPercent val="0"/>
           <c:showBubbleSize val="0"/>
         </c:dLbls>
-        <c:axId val="-1257195600"/>
-        <c:axId val="-1257196688"/>
+        <c:axId val="-1500774080"/>
+        <c:axId val="-1500773536"/>
       </c:scatterChart>
       <c:valAx>
-        <c:axId val="-1257195600"/>
+        <c:axId val="-1500774080"/>
         <c:scaling>
           <c:orientation val="minMax"/>
         </c:scaling>
@@ -423,12 +422,12 @@
         <c:majorTickMark val="out"/>
         <c:minorTickMark val="none"/>
         <c:tickLblPos val="none"/>
-        <c:crossAx val="-1257196688"/>
+        <c:crossAx val="-1500773536"/>
         <c:crosses val="autoZero"/>
         <c:crossBetween val="midCat"/>
       </c:valAx>
       <c:valAx>
-        <c:axId val="-1257196688"/>
+        <c:axId val="-1500773536"/>
         <c:scaling>
           <c:orientation val="minMax"/>
         </c:scaling>
@@ -448,7 +447,7 @@
         <c:majorTickMark val="out"/>
         <c:minorTickMark val="none"/>
         <c:tickLblPos val="none"/>
-        <c:crossAx val="-1257195600"/>
+        <c:crossAx val="-1500774080"/>
         <c:crosses val="autoZero"/>
         <c:crossBetween val="midCat"/>
       </c:valAx>
@@ -732,11 +731,11 @@
           <c:showPercent val="0"/>
           <c:showBubbleSize val="0"/>
         </c:dLbls>
-        <c:axId val="-1257191792"/>
-        <c:axId val="-1257190160"/>
+        <c:axId val="-1500785504"/>
+        <c:axId val="-1500784960"/>
       </c:scatterChart>
       <c:valAx>
-        <c:axId val="-1257191792"/>
+        <c:axId val="-1500785504"/>
         <c:scaling>
           <c:orientation val="minMax"/>
         </c:scaling>
@@ -746,12 +745,12 @@
         <c:majorTickMark val="out"/>
         <c:minorTickMark val="none"/>
         <c:tickLblPos val="none"/>
-        <c:crossAx val="-1257190160"/>
+        <c:crossAx val="-1500784960"/>
         <c:crosses val="autoZero"/>
         <c:crossBetween val="midCat"/>
       </c:valAx>
       <c:valAx>
-        <c:axId val="-1257190160"/>
+        <c:axId val="-1500784960"/>
         <c:scaling>
           <c:orientation val="minMax"/>
         </c:scaling>
@@ -771,7 +770,7 @@
         <c:majorTickMark val="out"/>
         <c:minorTickMark val="none"/>
         <c:tickLblPos val="none"/>
-        <c:crossAx val="-1257191792"/>
+        <c:crossAx val="-1500785504"/>
         <c:crosses val="autoZero"/>
         <c:crossBetween val="midCat"/>
       </c:valAx>
@@ -1055,11 +1054,11 @@
           <c:showPercent val="0"/>
           <c:showBubbleSize val="0"/>
         </c:dLbls>
-        <c:axId val="-1257186352"/>
-        <c:axId val="-1257186896"/>
+        <c:axId val="-1500782784"/>
+        <c:axId val="-1500777888"/>
       </c:scatterChart>
       <c:valAx>
-        <c:axId val="-1257186352"/>
+        <c:axId val="-1500782784"/>
         <c:scaling>
           <c:orientation val="minMax"/>
         </c:scaling>
@@ -1069,12 +1068,12 @@
         <c:majorTickMark val="out"/>
         <c:minorTickMark val="none"/>
         <c:tickLblPos val="none"/>
-        <c:crossAx val="-1257186896"/>
+        <c:crossAx val="-1500777888"/>
         <c:crosses val="autoZero"/>
         <c:crossBetween val="midCat"/>
       </c:valAx>
       <c:valAx>
-        <c:axId val="-1257186896"/>
+        <c:axId val="-1500777888"/>
         <c:scaling>
           <c:orientation val="minMax"/>
         </c:scaling>
@@ -1094,7 +1093,7 @@
         <c:majorTickMark val="out"/>
         <c:minorTickMark val="none"/>
         <c:tickLblPos val="none"/>
-        <c:crossAx val="-1257186352"/>
+        <c:crossAx val="-1500782784"/>
         <c:crosses val="autoZero"/>
         <c:crossBetween val="midCat"/>
       </c:valAx>
@@ -1378,11 +1377,11 @@
           <c:showPercent val="0"/>
           <c:showBubbleSize val="0"/>
         </c:dLbls>
-        <c:axId val="-1488994368"/>
-        <c:axId val="-1488991648"/>
+        <c:axId val="-1500781696"/>
+        <c:axId val="-1500780064"/>
       </c:scatterChart>
       <c:valAx>
-        <c:axId val="-1488994368"/>
+        <c:axId val="-1500781696"/>
         <c:scaling>
           <c:orientation val="minMax"/>
         </c:scaling>
@@ -1392,12 +1391,12 @@
         <c:majorTickMark val="out"/>
         <c:minorTickMark val="none"/>
         <c:tickLblPos val="none"/>
-        <c:crossAx val="-1488991648"/>
+        <c:crossAx val="-1500780064"/>
         <c:crosses val="autoZero"/>
         <c:crossBetween val="midCat"/>
       </c:valAx>
       <c:valAx>
-        <c:axId val="-1488991648"/>
+        <c:axId val="-1500780064"/>
         <c:scaling>
           <c:orientation val="minMax"/>
         </c:scaling>
@@ -1417,7 +1416,7 @@
         <c:majorTickMark val="out"/>
         <c:minorTickMark val="none"/>
         <c:tickLblPos val="none"/>
-        <c:crossAx val="-1488994368"/>
+        <c:crossAx val="-1500781696"/>
         <c:crosses val="autoZero"/>
         <c:crossBetween val="midCat"/>
       </c:valAx>
@@ -1701,11 +1700,11 @@
           <c:showPercent val="0"/>
           <c:showBubbleSize val="0"/>
         </c:dLbls>
-        <c:axId val="-1488996544"/>
-        <c:axId val="-996649792"/>
+        <c:axId val="-1733398912"/>
+        <c:axId val="-1734190064"/>
       </c:scatterChart>
       <c:valAx>
-        <c:axId val="-1488996544"/>
+        <c:axId val="-1733398912"/>
         <c:scaling>
           <c:orientation val="minMax"/>
         </c:scaling>
@@ -1715,12 +1714,12 @@
         <c:majorTickMark val="out"/>
         <c:minorTickMark val="none"/>
         <c:tickLblPos val="none"/>
-        <c:crossAx val="-996649792"/>
+        <c:crossAx val="-1734190064"/>
         <c:crosses val="autoZero"/>
         <c:crossBetween val="midCat"/>
       </c:valAx>
       <c:valAx>
-        <c:axId val="-996649792"/>
+        <c:axId val="-1734190064"/>
         <c:scaling>
           <c:orientation val="minMax"/>
         </c:scaling>
@@ -1740,7 +1739,7 @@
         <c:majorTickMark val="out"/>
         <c:minorTickMark val="none"/>
         <c:tickLblPos val="none"/>
-        <c:crossAx val="-1488996544"/>
+        <c:crossAx val="-1733398912"/>
         <c:crosses val="autoZero"/>
         <c:crossBetween val="midCat"/>
       </c:valAx>
@@ -2024,11 +2023,11 @@
           <c:showPercent val="0"/>
           <c:showBubbleSize val="0"/>
         </c:dLbls>
-        <c:axId val="-996653600"/>
-        <c:axId val="-996647616"/>
+        <c:axId val="-1275790192"/>
+        <c:axId val="-1275786384"/>
       </c:scatterChart>
       <c:valAx>
-        <c:axId val="-996653600"/>
+        <c:axId val="-1275790192"/>
         <c:scaling>
           <c:orientation val="minMax"/>
         </c:scaling>
@@ -2038,12 +2037,12 @@
         <c:majorTickMark val="out"/>
         <c:minorTickMark val="none"/>
         <c:tickLblPos val="none"/>
-        <c:crossAx val="-996647616"/>
+        <c:crossAx val="-1275786384"/>
         <c:crosses val="autoZero"/>
         <c:crossBetween val="midCat"/>
       </c:valAx>
       <c:valAx>
-        <c:axId val="-996647616"/>
+        <c:axId val="-1275786384"/>
         <c:scaling>
           <c:orientation val="minMax"/>
         </c:scaling>
@@ -2063,7 +2062,7 @@
         <c:majorTickMark val="out"/>
         <c:minorTickMark val="none"/>
         <c:tickLblPos val="none"/>
-        <c:crossAx val="-996653600"/>
+        <c:crossAx val="-1275790192"/>
         <c:crosses val="autoZero"/>
         <c:crossBetween val="midCat"/>
       </c:valAx>
@@ -2347,11 +2346,11 @@
           <c:showPercent val="0"/>
           <c:showBubbleSize val="0"/>
         </c:dLbls>
-        <c:axId val="-996651968"/>
-        <c:axId val="-996651424"/>
+        <c:axId val="-1275788016"/>
+        <c:axId val="-1275797808"/>
       </c:scatterChart>
       <c:valAx>
-        <c:axId val="-996651968"/>
+        <c:axId val="-1275788016"/>
         <c:scaling>
           <c:orientation val="minMax"/>
         </c:scaling>
@@ -2361,12 +2360,12 @@
         <c:majorTickMark val="out"/>
         <c:minorTickMark val="none"/>
         <c:tickLblPos val="none"/>
-        <c:crossAx val="-996651424"/>
+        <c:crossAx val="-1275797808"/>
         <c:crosses val="autoZero"/>
         <c:crossBetween val="midCat"/>
       </c:valAx>
       <c:valAx>
-        <c:axId val="-996651424"/>
+        <c:axId val="-1275797808"/>
         <c:scaling>
           <c:orientation val="minMax"/>
         </c:scaling>
@@ -2386,7 +2385,7 @@
         <c:majorTickMark val="out"/>
         <c:minorTickMark val="none"/>
         <c:tickLblPos val="none"/>
-        <c:crossAx val="-996651968"/>
+        <c:crossAx val="-1275788016"/>
         <c:crosses val="autoZero"/>
         <c:crossBetween val="midCat"/>
       </c:valAx>
@@ -2670,11 +2669,11 @@
           <c:showPercent val="0"/>
           <c:showBubbleSize val="0"/>
         </c:dLbls>
-        <c:axId val="-996649248"/>
-        <c:axId val="-996648704"/>
+        <c:axId val="-1275789104"/>
+        <c:axId val="-1275786928"/>
       </c:scatterChart>
       <c:valAx>
-        <c:axId val="-996649248"/>
+        <c:axId val="-1275789104"/>
         <c:scaling>
           <c:orientation val="minMax"/>
         </c:scaling>
@@ -2684,12 +2683,12 @@
         <c:majorTickMark val="out"/>
         <c:minorTickMark val="none"/>
         <c:tickLblPos val="none"/>
-        <c:crossAx val="-996648704"/>
+        <c:crossAx val="-1275786928"/>
         <c:crosses val="autoZero"/>
         <c:crossBetween val="midCat"/>
       </c:valAx>
       <c:valAx>
-        <c:axId val="-996648704"/>
+        <c:axId val="-1275786928"/>
         <c:scaling>
           <c:orientation val="minMax"/>
         </c:scaling>
@@ -2709,7 +2708,7 @@
         <c:majorTickMark val="out"/>
         <c:minorTickMark val="none"/>
         <c:tickLblPos val="none"/>
-        <c:crossAx val="-996649248"/>
+        <c:crossAx val="-1275789104"/>
         <c:crosses val="autoZero"/>
         <c:crossBetween val="midCat"/>
       </c:valAx>
@@ -2933,11 +2932,11 @@
           <c:showPercent val="0"/>
           <c:showBubbleSize val="0"/>
         </c:dLbls>
-        <c:axId val="-985800768"/>
-        <c:axId val="-985804576"/>
+        <c:axId val="-1275784752"/>
+        <c:axId val="-1275784208"/>
       </c:scatterChart>
       <c:valAx>
-        <c:axId val="-985800768"/>
+        <c:axId val="-1275784752"/>
         <c:scaling>
           <c:orientation val="minMax"/>
           <c:max val="17"/>
@@ -3013,12 +3012,12 @@
             <a:endParaRPr lang="en-US"/>
           </a:p>
         </c:txPr>
-        <c:crossAx val="-985804576"/>
+        <c:crossAx val="-1275784208"/>
         <c:crosses val="autoZero"/>
         <c:crossBetween val="midCat"/>
       </c:valAx>
       <c:valAx>
-        <c:axId val="-985804576"/>
+        <c:axId val="-1275784208"/>
         <c:scaling>
           <c:orientation val="minMax"/>
           <c:max val="65"/>
@@ -3094,7 +3093,7 @@
             <a:endParaRPr lang="en-US"/>
           </a:p>
         </c:txPr>
-        <c:crossAx val="-985800768"/>
+        <c:crossAx val="-1275784752"/>
         <c:crosses val="autoZero"/>
         <c:crossBetween val="midCat"/>
       </c:valAx>
@@ -7553,7 +7552,7 @@
           <a:p>
             <a:fld id="{23CEAAF3-9831-450B-8D59-2C09DB96C8FC}" type="datetimeFigureOut">
               <a:rPr lang="en-US"/>
-              <a:t>2/13/2020</a:t>
+              <a:t>2/14/2020</a:t>
             </a:fld>
             <a:endParaRPr/>
           </a:p>
@@ -7718,7 +7717,7 @@
           <a:p>
             <a:fld id="{2D50CD79-FC16-4410-AB61-17F26E6D3BC8}" type="datetimeFigureOut">
               <a:rPr lang="en-US"/>
-              <a:t>2/13/2020</a:t>
+              <a:t>2/14/2020</a:t>
             </a:fld>
             <a:endParaRPr/>
           </a:p>
@@ -8225,7 +8224,7 @@
           <a:p>
             <a:fld id="{0A3C37BE-C303-496D-B5CD-85F2937540FC}" type="slidenum">
               <a:rPr lang="en-US" smtClean="0"/>
-              <a:t>38</a:t>
+              <a:t>37</a:t>
             </a:fld>
             <a:endParaRPr lang="en-US"/>
           </a:p>
@@ -8235,6 +8234,90 @@
     <p:extLst>
       <p:ext uri="{BB962C8B-B14F-4D97-AF65-F5344CB8AC3E}">
         <p14:creationId xmlns:p14="http://schemas.microsoft.com/office/powerpoint/2010/main" val="2131545368"/>
+      </p:ext>
+    </p:extLst>
+  </p:cSld>
+  <p:clrMapOvr>
+    <a:masterClrMapping/>
+  </p:clrMapOvr>
+</p:notes>
+</file>
+
+<file path=ppt/notesSlides/notesSlide3.xml><?xml version="1.0" encoding="utf-8"?>
+<p:notes xmlns:a="http://schemas.openxmlformats.org/drawingml/2006/main" xmlns:r="http://schemas.openxmlformats.org/officeDocument/2006/relationships" xmlns:p="http://schemas.openxmlformats.org/presentationml/2006/main">
+  <p:cSld>
+    <p:spTree>
+      <p:nvGrpSpPr>
+        <p:cNvPr id="1" name=""/>
+        <p:cNvGrpSpPr/>
+        <p:nvPr/>
+      </p:nvGrpSpPr>
+      <p:grpSpPr>
+        <a:xfrm>
+          <a:off x="0" y="0"/>
+          <a:ext cx="0" cy="0"/>
+          <a:chOff x="0" y="0"/>
+          <a:chExt cx="0" cy="0"/>
+        </a:xfrm>
+      </p:grpSpPr>
+      <p:sp>
+        <p:nvSpPr>
+          <p:cNvPr id="2" name="Slide Image Placeholder 1"/>
+          <p:cNvSpPr>
+            <a:spLocks noGrp="1" noRot="1" noChangeAspect="1"/>
+          </p:cNvSpPr>
+          <p:nvPr>
+            <p:ph type="sldImg"/>
+          </p:nvPr>
+        </p:nvSpPr>
+        <p:spPr/>
+      </p:sp>
+      <p:sp>
+        <p:nvSpPr>
+          <p:cNvPr id="3" name="Notes Placeholder 2"/>
+          <p:cNvSpPr>
+            <a:spLocks noGrp="1"/>
+          </p:cNvSpPr>
+          <p:nvPr>
+            <p:ph type="body" idx="1"/>
+          </p:nvPr>
+        </p:nvSpPr>
+        <p:spPr/>
+        <p:txBody>
+          <a:bodyPr/>
+          <a:lstStyle/>
+          <a:p>
+            <a:endParaRPr lang="en-US" dirty="0"/>
+          </a:p>
+        </p:txBody>
+      </p:sp>
+      <p:sp>
+        <p:nvSpPr>
+          <p:cNvPr id="4" name="Slide Number Placeholder 3"/>
+          <p:cNvSpPr>
+            <a:spLocks noGrp="1"/>
+          </p:cNvSpPr>
+          <p:nvPr>
+            <p:ph type="sldNum" sz="quarter" idx="10"/>
+          </p:nvPr>
+        </p:nvSpPr>
+        <p:spPr/>
+        <p:txBody>
+          <a:bodyPr/>
+          <a:lstStyle/>
+          <a:p>
+            <a:fld id="{0A3C37BE-C303-496D-B5CD-85F2937540FC}" type="slidenum">
+              <a:rPr lang="en-US" smtClean="0"/>
+              <a:t>47</a:t>
+            </a:fld>
+            <a:endParaRPr lang="en-US"/>
+          </a:p>
+        </p:txBody>
+      </p:sp>
+    </p:spTree>
+    <p:extLst>
+      <p:ext uri="{BB962C8B-B14F-4D97-AF65-F5344CB8AC3E}">
+        <p14:creationId xmlns:p14="http://schemas.microsoft.com/office/powerpoint/2010/main" val="3303210678"/>
       </p:ext>
     </p:extLst>
   </p:cSld>
@@ -8523,7 +8606,7 @@
             <a:fld id="{402B9795-92DC-40DC-A1CA-9A4B349D7824}" type="datetimeFigureOut">
               <a:rPr lang="en-US" smtClean="0"/>
               <a:pPr/>
-              <a:t>2/13/2020</a:t>
+              <a:t>2/14/2020</a:t>
             </a:fld>
             <a:endParaRPr lang="en-US" dirty="0"/>
           </a:p>
@@ -8812,7 +8895,7 @@
           <a:p>
             <a:fld id="{402B9795-92DC-40DC-A1CA-9A4B349D7824}" type="datetimeFigureOut">
               <a:rPr lang="en-US"/>
-              <a:t>2/13/2020</a:t>
+              <a:t>2/14/2020</a:t>
             </a:fld>
             <a:endParaRPr/>
           </a:p>
@@ -8992,7 +9075,7 @@
           <a:p>
             <a:fld id="{402B9795-92DC-40DC-A1CA-9A4B349D7824}" type="datetimeFigureOut">
               <a:rPr lang="en-US"/>
-              <a:t>2/13/2020</a:t>
+              <a:t>2/14/2020</a:t>
             </a:fld>
             <a:endParaRPr/>
           </a:p>
@@ -9182,7 +9265,7 @@
           <a:p>
             <a:fld id="{402B9795-92DC-40DC-A1CA-9A4B349D7824}" type="datetimeFigureOut">
               <a:rPr lang="en-US"/>
-              <a:t>2/13/2020</a:t>
+              <a:t>2/14/2020</a:t>
             </a:fld>
             <a:endParaRPr/>
           </a:p>
@@ -9531,7 +9614,7 @@
           <a:p>
             <a:fld id="{402B9795-92DC-40DC-A1CA-9A4B349D7824}" type="datetimeFigureOut">
               <a:rPr lang="en-US"/>
-              <a:t>2/13/2020</a:t>
+              <a:t>2/14/2020</a:t>
             </a:fld>
             <a:endParaRPr/>
           </a:p>
@@ -10553,7 +10636,7 @@
           <a:p>
             <a:fld id="{402B9795-92DC-40DC-A1CA-9A4B349D7824}" type="datetimeFigureOut">
               <a:rPr lang="en-US"/>
-              <a:t>2/13/2020</a:t>
+              <a:t>2/14/2020</a:t>
             </a:fld>
             <a:endParaRPr/>
           </a:p>
@@ -10823,7 +10906,7 @@
           <a:p>
             <a:fld id="{402B9795-92DC-40DC-A1CA-9A4B349D7824}" type="datetimeFigureOut">
               <a:rPr lang="en-US"/>
-              <a:t>2/13/2020</a:t>
+              <a:t>2/14/2020</a:t>
             </a:fld>
             <a:endParaRPr/>
           </a:p>
@@ -11200,7 +11283,7 @@
           <a:p>
             <a:fld id="{402B9795-92DC-40DC-A1CA-9A4B349D7824}" type="datetimeFigureOut">
               <a:rPr lang="en-US"/>
-              <a:t>2/13/2020</a:t>
+              <a:t>2/14/2020</a:t>
             </a:fld>
             <a:endParaRPr/>
           </a:p>
@@ -11329,7 +11412,7 @@
           <a:p>
             <a:fld id="{402B9795-92DC-40DC-A1CA-9A4B349D7824}" type="datetimeFigureOut">
               <a:rPr lang="en-US"/>
-              <a:t>2/13/2020</a:t>
+              <a:t>2/14/2020</a:t>
             </a:fld>
             <a:endParaRPr/>
           </a:p>
@@ -11436,7 +11519,7 @@
           <a:p>
             <a:fld id="{402B9795-92DC-40DC-A1CA-9A4B349D7824}" type="datetimeFigureOut">
               <a:rPr lang="en-US"/>
-              <a:t>2/13/2020</a:t>
+              <a:t>2/14/2020</a:t>
             </a:fld>
             <a:endParaRPr/>
           </a:p>
@@ -11725,7 +11808,7 @@
           <a:p>
             <a:fld id="{402B9795-92DC-40DC-A1CA-9A4B349D7824}" type="datetimeFigureOut">
               <a:rPr lang="en-US"/>
-              <a:t>2/13/2020</a:t>
+              <a:t>2/14/2020</a:t>
             </a:fld>
             <a:endParaRPr/>
           </a:p>
@@ -11977,7 +12060,7 @@
             <a:fld id="{402B9795-92DC-40DC-A1CA-9A4B349D7824}" type="datetimeFigureOut">
               <a:rPr lang="en-US" smtClean="0"/>
               <a:pPr/>
-              <a:t>2/13/2020</a:t>
+              <a:t>2/14/2020</a:t>
             </a:fld>
             <a:endParaRPr lang="en-US"/>
           </a:p>
@@ -12557,63 +12640,6 @@
               <a:t> Data</a:t>
             </a:r>
             <a:endParaRPr lang="en-US" cap="none" dirty="0"/>
-          </a:p>
-        </p:txBody>
-      </p:sp>
-      <p:sp>
-        <p:nvSpPr>
-          <p:cNvPr id="7" name="Subtitle 6"/>
-          <p:cNvSpPr>
-            <a:spLocks noGrp="1"/>
-          </p:cNvSpPr>
-          <p:nvPr>
-            <p:ph type="subTitle" idx="1"/>
-          </p:nvPr>
-        </p:nvSpPr>
-        <p:spPr>
-          <a:xfrm>
-            <a:off x="342900" y="4378434"/>
-            <a:ext cx="5734050" cy="955565"/>
-          </a:xfrm>
-        </p:spPr>
-        <p:txBody>
-          <a:bodyPr/>
-          <a:lstStyle/>
-          <a:p>
-            <a:pPr algn="ctr"/>
-            <a:r>
-              <a:rPr lang="en-US" dirty="0" err="1" smtClean="0"/>
-              <a:t>Departemen</a:t>
-            </a:r>
-            <a:r>
-              <a:rPr lang="en-US" dirty="0" smtClean="0"/>
-              <a:t> </a:t>
-            </a:r>
-            <a:r>
-              <a:rPr lang="en-US" dirty="0" err="1" smtClean="0"/>
-              <a:t>Statistika</a:t>
-            </a:r>
-            <a:endParaRPr lang="en-US" dirty="0" smtClean="0"/>
-          </a:p>
-          <a:p>
-            <a:pPr algn="ctr"/>
-            <a:r>
-              <a:rPr lang="en-US" dirty="0" err="1" smtClean="0"/>
-              <a:t>Institut</a:t>
-            </a:r>
-            <a:r>
-              <a:rPr lang="en-US" dirty="0" smtClean="0"/>
-              <a:t> </a:t>
-            </a:r>
-            <a:r>
-              <a:rPr lang="en-US" dirty="0" err="1" smtClean="0"/>
-              <a:t>Pertanian</a:t>
-            </a:r>
-            <a:r>
-              <a:rPr lang="en-US" dirty="0" smtClean="0"/>
-              <a:t> Bogor</a:t>
-            </a:r>
-            <a:endParaRPr lang="en-US" dirty="0"/>
           </a:p>
         </p:txBody>
       </p:sp>
@@ -17184,77 +17210,77 @@
                 <a:gridCol w="1297990">
                   <a:extLst>
                     <a:ext uri="{9D8B030D-6E8A-4147-A177-3AD203B41FA5}">
-                      <a16:colId xmlns="" xmlns:a16="http://schemas.microsoft.com/office/drawing/2014/main" val="20000"/>
+                      <a16:colId xmlns:a16="http://schemas.microsoft.com/office/drawing/2014/main" xmlns="" val="20000"/>
                     </a:ext>
                   </a:extLst>
                 </a:gridCol>
                 <a:gridCol w="654842">
                   <a:extLst>
                     <a:ext uri="{9D8B030D-6E8A-4147-A177-3AD203B41FA5}">
-                      <a16:colId xmlns="" xmlns:a16="http://schemas.microsoft.com/office/drawing/2014/main" val="20001"/>
+                      <a16:colId xmlns:a16="http://schemas.microsoft.com/office/drawing/2014/main" xmlns="" val="20001"/>
                     </a:ext>
                   </a:extLst>
                 </a:gridCol>
                 <a:gridCol w="656512">
                   <a:extLst>
                     <a:ext uri="{9D8B030D-6E8A-4147-A177-3AD203B41FA5}">
-                      <a16:colId xmlns="" xmlns:a16="http://schemas.microsoft.com/office/drawing/2014/main" val="20002"/>
+                      <a16:colId xmlns:a16="http://schemas.microsoft.com/office/drawing/2014/main" xmlns="" val="20002"/>
                     </a:ext>
                   </a:extLst>
                 </a:gridCol>
                 <a:gridCol w="656513">
                   <a:extLst>
                     <a:ext uri="{9D8B030D-6E8A-4147-A177-3AD203B41FA5}">
-                      <a16:colId xmlns="" xmlns:a16="http://schemas.microsoft.com/office/drawing/2014/main" val="20003"/>
+                      <a16:colId xmlns:a16="http://schemas.microsoft.com/office/drawing/2014/main" xmlns="" val="20003"/>
                     </a:ext>
                   </a:extLst>
                 </a:gridCol>
                 <a:gridCol w="654842">
                   <a:extLst>
                     <a:ext uri="{9D8B030D-6E8A-4147-A177-3AD203B41FA5}">
-                      <a16:colId xmlns="" xmlns:a16="http://schemas.microsoft.com/office/drawing/2014/main" val="20004"/>
+                      <a16:colId xmlns:a16="http://schemas.microsoft.com/office/drawing/2014/main" xmlns="" val="20004"/>
                     </a:ext>
                   </a:extLst>
                 </a:gridCol>
                 <a:gridCol w="658183">
                   <a:extLst>
                     <a:ext uri="{9D8B030D-6E8A-4147-A177-3AD203B41FA5}">
-                      <a16:colId xmlns="" xmlns:a16="http://schemas.microsoft.com/office/drawing/2014/main" val="20005"/>
+                      <a16:colId xmlns:a16="http://schemas.microsoft.com/office/drawing/2014/main" xmlns="" val="20005"/>
                     </a:ext>
                   </a:extLst>
                 </a:gridCol>
                 <a:gridCol w="656512">
                   <a:extLst>
                     <a:ext uri="{9D8B030D-6E8A-4147-A177-3AD203B41FA5}">
-                      <a16:colId xmlns="" xmlns:a16="http://schemas.microsoft.com/office/drawing/2014/main" val="20006"/>
+                      <a16:colId xmlns:a16="http://schemas.microsoft.com/office/drawing/2014/main" xmlns="" val="20006"/>
                     </a:ext>
                   </a:extLst>
                 </a:gridCol>
                 <a:gridCol w="654842">
                   <a:extLst>
                     <a:ext uri="{9D8B030D-6E8A-4147-A177-3AD203B41FA5}">
-                      <a16:colId xmlns="" xmlns:a16="http://schemas.microsoft.com/office/drawing/2014/main" val="20007"/>
+                      <a16:colId xmlns:a16="http://schemas.microsoft.com/office/drawing/2014/main" xmlns="" val="20007"/>
                     </a:ext>
                   </a:extLst>
                 </a:gridCol>
                 <a:gridCol w="656513">
                   <a:extLst>
                     <a:ext uri="{9D8B030D-6E8A-4147-A177-3AD203B41FA5}">
-                      <a16:colId xmlns="" xmlns:a16="http://schemas.microsoft.com/office/drawing/2014/main" val="20008"/>
+                      <a16:colId xmlns:a16="http://schemas.microsoft.com/office/drawing/2014/main" xmlns="" val="20008"/>
                     </a:ext>
                   </a:extLst>
                 </a:gridCol>
                 <a:gridCol w="654842">
                   <a:extLst>
                     <a:ext uri="{9D8B030D-6E8A-4147-A177-3AD203B41FA5}">
-                      <a16:colId xmlns="" xmlns:a16="http://schemas.microsoft.com/office/drawing/2014/main" val="20009"/>
+                      <a16:colId xmlns:a16="http://schemas.microsoft.com/office/drawing/2014/main" xmlns="" val="20009"/>
                     </a:ext>
                   </a:extLst>
                 </a:gridCol>
                 <a:gridCol w="656512">
                   <a:extLst>
                     <a:ext uri="{9D8B030D-6E8A-4147-A177-3AD203B41FA5}">
-                      <a16:colId xmlns="" xmlns:a16="http://schemas.microsoft.com/office/drawing/2014/main" val="20010"/>
+                      <a16:colId xmlns:a16="http://schemas.microsoft.com/office/drawing/2014/main" xmlns="" val="20010"/>
                     </a:ext>
                   </a:extLst>
                 </a:gridCol>
@@ -17746,7 +17772,7 @@
                 </a:tc>
                 <a:extLst>
                   <a:ext uri="{0D108BD9-81ED-4DB2-BD59-A6C34878D82A}">
-                    <a16:rowId xmlns="" xmlns:a16="http://schemas.microsoft.com/office/drawing/2014/main" val="10000"/>
+                    <a16:rowId xmlns:a16="http://schemas.microsoft.com/office/drawing/2014/main" xmlns="" val="10000"/>
                   </a:ext>
                 </a:extLst>
               </a:tr>
@@ -18237,7 +18263,7 @@
                 </a:tc>
                 <a:extLst>
                   <a:ext uri="{0D108BD9-81ED-4DB2-BD59-A6C34878D82A}">
-                    <a16:rowId xmlns="" xmlns:a16="http://schemas.microsoft.com/office/drawing/2014/main" val="10001"/>
+                    <a16:rowId xmlns:a16="http://schemas.microsoft.com/office/drawing/2014/main" xmlns="" val="10001"/>
                   </a:ext>
                 </a:extLst>
               </a:tr>
@@ -18728,7 +18754,7 @@
                 </a:tc>
                 <a:extLst>
                   <a:ext uri="{0D108BD9-81ED-4DB2-BD59-A6C34878D82A}">
-                    <a16:rowId xmlns="" xmlns:a16="http://schemas.microsoft.com/office/drawing/2014/main" val="10002"/>
+                    <a16:rowId xmlns:a16="http://schemas.microsoft.com/office/drawing/2014/main" xmlns="" val="10002"/>
                   </a:ext>
                 </a:extLst>
               </a:tr>
@@ -18963,7 +18989,7 @@
           <a:graphicData uri="http://schemas.openxmlformats.org/presentationml/2006/ole">
             <mc:AlternateContent xmlns:mc="http://schemas.openxmlformats.org/markup-compatibility/2006">
               <mc:Choice xmlns:v="urn:schemas-microsoft-com:vml" Requires="v">
-                <p:oleObj spid="_x0000_s12354" name="Equation" r:id="rId4" imgW="164880" imgH="203040" progId="Equation.3">
+                <p:oleObj spid="_x0000_s12370" name="Equation" r:id="rId4" imgW="164880" imgH="203040" progId="Equation.3">
                   <p:embed/>
                 </p:oleObj>
               </mc:Choice>
@@ -19033,7 +19059,7 @@
           <a:graphicData uri="http://schemas.openxmlformats.org/presentationml/2006/ole">
             <mc:AlternateContent xmlns:mc="http://schemas.openxmlformats.org/markup-compatibility/2006">
               <mc:Choice xmlns:v="urn:schemas-microsoft-com:vml" Requires="v">
-                <p:oleObj spid="_x0000_s12355" name="Equation" r:id="rId6" imgW="164880" imgH="164880" progId="Equation.3">
+                <p:oleObj spid="_x0000_s12371" name="Equation" r:id="rId6" imgW="164880" imgH="164880" progId="Equation.3">
                   <p:embed/>
                 </p:oleObj>
               </mc:Choice>
@@ -19103,7 +19129,7 @@
           <a:graphicData uri="http://schemas.openxmlformats.org/presentationml/2006/ole">
             <mc:AlternateContent xmlns:mc="http://schemas.openxmlformats.org/markup-compatibility/2006">
               <mc:Choice xmlns:v="urn:schemas-microsoft-com:vml" Requires="v">
-                <p:oleObj spid="_x0000_s12356" name="Equation" r:id="rId8" imgW="114120" imgH="139680" progId="Equation.3">
+                <p:oleObj spid="_x0000_s12372" name="Equation" r:id="rId8" imgW="114120" imgH="139680" progId="Equation.3">
                   <p:embed/>
                 </p:oleObj>
               </mc:Choice>
@@ -19365,7 +19391,7 @@
           <a:graphicData uri="http://schemas.openxmlformats.org/presentationml/2006/ole">
             <mc:AlternateContent xmlns:mc="http://schemas.openxmlformats.org/markup-compatibility/2006">
               <mc:Choice xmlns:v="urn:schemas-microsoft-com:vml" Requires="v">
-                <p:oleObj spid="_x0000_s12357" name="Equation" r:id="rId10" imgW="596880" imgH="215640" progId="Equation.3">
+                <p:oleObj spid="_x0000_s12373" name="Equation" r:id="rId10" imgW="596880" imgH="215640" progId="Equation.3">
                   <p:embed/>
                 </p:oleObj>
               </mc:Choice>
@@ -19458,318 +19484,6 @@
       </p:grpSpPr>
       <p:sp>
         <p:nvSpPr>
-          <p:cNvPr id="7170" name="Rectangle 2"/>
-          <p:cNvSpPr>
-            <a:spLocks noGrp="1" noChangeArrowheads="1"/>
-          </p:cNvSpPr>
-          <p:nvPr>
-            <p:ph type="title"/>
-          </p:nvPr>
-        </p:nvSpPr>
-        <p:spPr/>
-        <p:txBody>
-          <a:bodyPr/>
-          <a:lstStyle/>
-          <a:p>
-            <a:r>
-              <a:rPr lang="en-US"/>
-              <a:t>Bagaimana mendapatkan a dan b?</a:t>
-            </a:r>
-          </a:p>
-        </p:txBody>
-      </p:sp>
-      <p:sp>
-        <p:nvSpPr>
-          <p:cNvPr id="7171" name="Rectangle 3"/>
-          <p:cNvSpPr>
-            <a:spLocks noGrp="1" noChangeArrowheads="1"/>
-          </p:cNvSpPr>
-          <p:nvPr>
-            <p:ph type="body" idx="1"/>
-          </p:nvPr>
-        </p:nvSpPr>
-        <p:spPr/>
-        <p:txBody>
-          <a:bodyPr>
-            <a:normAutofit/>
-          </a:bodyPr>
-          <a:lstStyle/>
-          <a:p>
-            <a:pPr marL="0" indent="0">
-              <a:buNone/>
-            </a:pPr>
-            <a:r>
-              <a:rPr lang="en-US" dirty="0" err="1"/>
-              <a:t>Metode</a:t>
-            </a:r>
-            <a:r>
-              <a:rPr lang="en-US" dirty="0"/>
-              <a:t> yang </a:t>
-            </a:r>
-            <a:r>
-              <a:rPr lang="en-US" dirty="0" err="1"/>
-              <a:t>digunakan</a:t>
-            </a:r>
-            <a:r>
-              <a:rPr lang="en-US" dirty="0"/>
-              <a:t> : OLS (ordinary least </a:t>
-            </a:r>
-            <a:r>
-              <a:rPr lang="en-US" dirty="0" smtClean="0"/>
-              <a:t>squares/</a:t>
-            </a:r>
-            <a:r>
-              <a:rPr lang="en-US" dirty="0" err="1" smtClean="0"/>
-              <a:t>kuadrat</a:t>
-            </a:r>
-            <a:r>
-              <a:rPr lang="en-US" dirty="0" smtClean="0"/>
-              <a:t> </a:t>
-            </a:r>
-            <a:r>
-              <a:rPr lang="en-US" dirty="0" err="1" smtClean="0"/>
-              <a:t>terkecil</a:t>
-            </a:r>
-            <a:r>
-              <a:rPr lang="en-US" dirty="0" smtClean="0"/>
-              <a:t>), </a:t>
-            </a:r>
-            <a:r>
-              <a:rPr lang="en-US" dirty="0" err="1"/>
-              <a:t>mencari</a:t>
-            </a:r>
-            <a:r>
-              <a:rPr lang="en-US" dirty="0"/>
-              <a:t> a </a:t>
-            </a:r>
-            <a:r>
-              <a:rPr lang="en-US" dirty="0" err="1"/>
-              <a:t>dan</a:t>
-            </a:r>
-            <a:r>
-              <a:rPr lang="en-US" dirty="0"/>
-              <a:t> b </a:t>
-            </a:r>
-            <a:r>
-              <a:rPr lang="en-US" dirty="0" err="1"/>
-              <a:t>sehingga</a:t>
-            </a:r>
-            <a:r>
-              <a:rPr lang="en-US" dirty="0"/>
-              <a:t> </a:t>
-            </a:r>
-            <a:r>
-              <a:rPr lang="en-US" dirty="0" err="1"/>
-              <a:t>jumlah</a:t>
-            </a:r>
-            <a:r>
-              <a:rPr lang="en-US" dirty="0"/>
-              <a:t> </a:t>
-            </a:r>
-            <a:r>
-              <a:rPr lang="en-US" dirty="0" err="1"/>
-              <a:t>kuadrat</a:t>
-            </a:r>
-            <a:r>
-              <a:rPr lang="en-US" dirty="0"/>
-              <a:t> error paling </a:t>
-            </a:r>
-            <a:r>
-              <a:rPr lang="en-US" dirty="0" err="1"/>
-              <a:t>kecil</a:t>
-            </a:r>
-            <a:endParaRPr lang="en-US" dirty="0"/>
-          </a:p>
-          <a:p>
-            <a:pPr marL="0" indent="0">
-              <a:buNone/>
-            </a:pPr>
-            <a:endParaRPr lang="en-US" dirty="0"/>
-          </a:p>
-          <a:p>
-            <a:pPr marL="0" indent="0">
-              <a:buNone/>
-            </a:pPr>
-            <a:r>
-              <a:rPr lang="en-US" dirty="0" err="1"/>
-              <a:t>Cari</a:t>
-            </a:r>
-            <a:r>
-              <a:rPr lang="en-US" dirty="0"/>
-              <a:t> </a:t>
-            </a:r>
-            <a:r>
-              <a:rPr lang="en-US" dirty="0" err="1"/>
-              <a:t>penduga</a:t>
-            </a:r>
-            <a:r>
-              <a:rPr lang="en-US" dirty="0"/>
-              <a:t> a </a:t>
-            </a:r>
-            <a:r>
-              <a:rPr lang="en-US" dirty="0" err="1"/>
-              <a:t>dan</a:t>
-            </a:r>
-            <a:r>
-              <a:rPr lang="en-US" dirty="0"/>
-              <a:t> b </a:t>
-            </a:r>
-            <a:r>
-              <a:rPr lang="en-US" dirty="0" err="1"/>
-              <a:t>sehingga</a:t>
-            </a:r>
-            <a:endParaRPr lang="en-US" dirty="0"/>
-          </a:p>
-          <a:p>
-            <a:pPr marL="0" indent="0">
-              <a:buNone/>
-            </a:pPr>
-            <a:endParaRPr lang="en-US" dirty="0"/>
-          </a:p>
-          <a:p>
-            <a:pPr marL="0" indent="0">
-              <a:buNone/>
-            </a:pPr>
-            <a:endParaRPr lang="en-US" dirty="0" smtClean="0"/>
-          </a:p>
-          <a:p>
-            <a:pPr marL="0" indent="0">
-              <a:buNone/>
-            </a:pPr>
-            <a:endParaRPr lang="en-US" dirty="0"/>
-          </a:p>
-          <a:p>
-            <a:pPr marL="0" indent="0">
-              <a:buNone/>
-            </a:pPr>
-            <a:r>
-              <a:rPr lang="en-US" dirty="0"/>
-              <a:t>minimum</a:t>
-            </a:r>
-          </a:p>
-        </p:txBody>
-      </p:sp>
-      <p:graphicFrame>
-        <p:nvGraphicFramePr>
-          <p:cNvPr id="7172" name="Object 4"/>
-          <p:cNvGraphicFramePr>
-            <a:graphicFrameLocks noChangeAspect="1"/>
-          </p:cNvGraphicFramePr>
-          <p:nvPr/>
-        </p:nvGraphicFramePr>
-        <p:xfrm>
-          <a:off x="4267200" y="4267201"/>
-          <a:ext cx="3505200" cy="1019175"/>
-        </p:xfrm>
-        <a:graphic>
-          <a:graphicData uri="http://schemas.openxmlformats.org/presentationml/2006/ole">
-            <mc:AlternateContent xmlns:mc="http://schemas.openxmlformats.org/markup-compatibility/2006">
-              <mc:Choice xmlns:v="urn:schemas-microsoft-com:vml" Requires="v">
-                <p:oleObj spid="_x0000_s13329" name="Equation" r:id="rId3" imgW="1485720" imgH="431640" progId="Equation.3">
-                  <p:embed/>
-                </p:oleObj>
-              </mc:Choice>
-              <mc:Fallback>
-                <p:oleObj name="Equation" r:id="rId3" imgW="1485720" imgH="431640" progId="Equation.3">
-                  <p:embed/>
-                  <p:pic>
-                    <p:nvPicPr>
-                      <p:cNvPr id="0" name=""/>
-                      <p:cNvPicPr>
-                        <a:picLocks noChangeAspect="1" noChangeArrowheads="1"/>
-                      </p:cNvPicPr>
-                      <p:nvPr/>
-                    </p:nvPicPr>
-                    <p:blipFill>
-                      <a:blip r:embed="rId4">
-                        <a:extLst>
-                          <a:ext uri="{28A0092B-C50C-407E-A947-70E740481C1C}">
-                            <a14:useLocalDpi xmlns:a14="http://schemas.microsoft.com/office/drawing/2010/main" val="0"/>
-                          </a:ext>
-                        </a:extLst>
-                      </a:blip>
-                      <a:srcRect/>
-                      <a:stretch>
-                        <a:fillRect/>
-                      </a:stretch>
-                    </p:blipFill>
-                    <p:spPr bwMode="auto">
-                      <a:xfrm>
-                        <a:off x="4267200" y="4267201"/>
-                        <a:ext cx="3505200" cy="1019175"/>
-                      </a:xfrm>
-                      <a:prstGeom prst="rect">
-                        <a:avLst/>
-                      </a:prstGeom>
-                      <a:noFill/>
-                      <a:extLst>
-                        <a:ext uri="{909E8E84-426E-40DD-AFC4-6F175D3DCCD1}">
-                          <a14:hiddenFill xmlns:a14="http://schemas.microsoft.com/office/drawing/2010/main">
-                            <a:solidFill>
-                              <a:schemeClr val="hlink"/>
-                            </a:solidFill>
-                          </a14:hiddenFill>
-                        </a:ext>
-                      </a:extLst>
-                    </p:spPr>
-                  </p:pic>
-                </p:oleObj>
-              </mc:Fallback>
-            </mc:AlternateContent>
-          </a:graphicData>
-        </a:graphic>
-      </p:graphicFrame>
-    </p:spTree>
-    <p:extLst>
-      <p:ext uri="{BB962C8B-B14F-4D97-AF65-F5344CB8AC3E}">
-        <p14:creationId xmlns:p14="http://schemas.microsoft.com/office/powerpoint/2010/main" val="3183390692"/>
-      </p:ext>
-    </p:extLst>
-  </p:cSld>
-  <p:clrMapOvr>
-    <a:masterClrMapping/>
-  </p:clrMapOvr>
-  <mc:AlternateContent xmlns:mc="http://schemas.openxmlformats.org/markup-compatibility/2006" xmlns:p14="http://schemas.microsoft.com/office/powerpoint/2010/main">
-    <mc:Choice Requires="p14">
-      <p:transition spd="med" p14:dur="700">
-        <p:fade/>
-      </p:transition>
-    </mc:Choice>
-    <mc:Fallback xmlns="">
-      <p:transition spd="med">
-        <p:fade/>
-      </p:transition>
-    </mc:Fallback>
-  </mc:AlternateContent>
-  <p:timing>
-    <p:tnLst>
-      <p:par>
-        <p:cTn id="1" dur="indefinite" restart="never" nodeType="tmRoot"/>
-      </p:par>
-    </p:tnLst>
-  </p:timing>
-</p:sld>
-</file>
-
-<file path=ppt/slides/slide26.xml><?xml version="1.0" encoding="utf-8"?>
-<p:sld xmlns:a="http://schemas.openxmlformats.org/drawingml/2006/main" xmlns:r="http://schemas.openxmlformats.org/officeDocument/2006/relationships" xmlns:p="http://schemas.openxmlformats.org/presentationml/2006/main">
-  <p:cSld>
-    <p:spTree>
-      <p:nvGrpSpPr>
-        <p:cNvPr id="1" name=""/>
-        <p:cNvGrpSpPr/>
-        <p:nvPr/>
-      </p:nvGrpSpPr>
-      <p:grpSpPr>
-        <a:xfrm>
-          <a:off x="0" y="0"/>
-          <a:ext cx="0" cy="0"/>
-          <a:chOff x="0" y="0"/>
-          <a:chExt cx="0" cy="0"/>
-        </a:xfrm>
-      </p:grpSpPr>
-      <p:sp>
-        <p:nvSpPr>
           <p:cNvPr id="8194" name="Rectangle 2"/>
           <p:cNvSpPr>
             <a:spLocks noGrp="1" noChangeArrowheads="1"/>
@@ -19806,7 +19520,7 @@
           <a:graphicData uri="http://schemas.openxmlformats.org/presentationml/2006/ole">
             <mc:AlternateContent xmlns:mc="http://schemas.openxmlformats.org/markup-compatibility/2006">
               <mc:Choice xmlns:v="urn:schemas-microsoft-com:vml" Requires="v">
-                <p:oleObj spid="_x0000_s14368" name="Equation" r:id="rId3" imgW="1422360" imgH="838080" progId="Equation.3">
+                <p:oleObj spid="_x0000_s14376" name="Equation" r:id="rId3" imgW="1422360" imgH="838080" progId="Equation.3">
                   <p:embed/>
                 </p:oleObj>
               </mc:Choice>
@@ -19876,7 +19590,7 @@
           <a:graphicData uri="http://schemas.openxmlformats.org/presentationml/2006/ole">
             <mc:AlternateContent xmlns:mc="http://schemas.openxmlformats.org/markup-compatibility/2006">
               <mc:Choice xmlns:v="urn:schemas-microsoft-com:vml" Requires="v">
-                <p:oleObj spid="_x0000_s14369" name="Equation" r:id="rId5" imgW="711000" imgH="215640" progId="Equation.3">
+                <p:oleObj spid="_x0000_s14377" name="Equation" r:id="rId5" imgW="711000" imgH="215640" progId="Equation.3">
                   <p:embed/>
                 </p:oleObj>
               </mc:Choice>
@@ -20126,7 +19840,7 @@
 </p:sld>
 </file>
 
-<file path=ppt/slides/slide27.xml><?xml version="1.0" encoding="utf-8"?>
+<file path=ppt/slides/slide26.xml><?xml version="1.0" encoding="utf-8"?>
 <p:sld xmlns:a="http://schemas.openxmlformats.org/drawingml/2006/main" xmlns:r="http://schemas.openxmlformats.org/officeDocument/2006/relationships" xmlns:p="http://schemas.openxmlformats.org/presentationml/2006/main">
   <p:cSld>
     <p:spTree>
@@ -20181,7 +19895,7 @@
           <a:graphicData uri="http://schemas.openxmlformats.org/presentationml/2006/ole">
             <mc:AlternateContent xmlns:mc="http://schemas.openxmlformats.org/markup-compatibility/2006">
               <mc:Choice xmlns:v="urn:schemas-microsoft-com:vml" Requires="v">
-                <p:oleObj spid="_x0000_s15426" name="Equation" r:id="rId3" imgW="457200" imgH="190440" progId="Equation.3">
+                <p:oleObj spid="_x0000_s15442" name="Equation" r:id="rId3" imgW="457200" imgH="190440" progId="Equation.3">
                   <p:embed/>
                 </p:oleObj>
               </mc:Choice>
@@ -20251,7 +19965,7 @@
           <a:graphicData uri="http://schemas.openxmlformats.org/presentationml/2006/ole">
             <mc:AlternateContent xmlns:mc="http://schemas.openxmlformats.org/markup-compatibility/2006">
               <mc:Choice xmlns:v="urn:schemas-microsoft-com:vml" Requires="v">
-                <p:oleObj spid="_x0000_s15427" name="Equation" r:id="rId5" imgW="469800" imgH="203040" progId="Equation.3">
+                <p:oleObj spid="_x0000_s15443" name="Equation" r:id="rId5" imgW="469800" imgH="203040" progId="Equation.3">
                   <p:embed/>
                 </p:oleObj>
               </mc:Choice>
@@ -20321,7 +20035,7 @@
           <a:graphicData uri="http://schemas.openxmlformats.org/presentationml/2006/ole">
             <mc:AlternateContent xmlns:mc="http://schemas.openxmlformats.org/markup-compatibility/2006">
               <mc:Choice xmlns:v="urn:schemas-microsoft-com:vml" Requires="v">
-                <p:oleObj spid="_x0000_s15428" name="Equation" r:id="rId7" imgW="1460160" imgH="253800" progId="Equation.3">
+                <p:oleObj spid="_x0000_s15444" name="Equation" r:id="rId7" imgW="1460160" imgH="253800" progId="Equation.3">
                   <p:embed/>
                 </p:oleObj>
               </mc:Choice>
@@ -20391,7 +20105,7 @@
           <a:graphicData uri="http://schemas.openxmlformats.org/presentationml/2006/ole">
             <mc:AlternateContent xmlns:mc="http://schemas.openxmlformats.org/markup-compatibility/2006">
               <mc:Choice xmlns:v="urn:schemas-microsoft-com:vml" Requires="v">
-                <p:oleObj spid="_x0000_s15429" name="Equation" r:id="rId9" imgW="1028520" imgH="279360" progId="Equation.3">
+                <p:oleObj spid="_x0000_s15445" name="Equation" r:id="rId9" imgW="1028520" imgH="279360" progId="Equation.3">
                   <p:embed/>
                 </p:oleObj>
               </mc:Choice>
@@ -20559,42 +20273,42 @@
                 <a:gridCol w="838200">
                   <a:extLst>
                     <a:ext uri="{9D8B030D-6E8A-4147-A177-3AD203B41FA5}">
-                      <a16:colId xmlns="" xmlns:a16="http://schemas.microsoft.com/office/drawing/2014/main" val="20000"/>
+                      <a16:colId xmlns:a16="http://schemas.microsoft.com/office/drawing/2014/main" xmlns="" val="20000"/>
                     </a:ext>
                   </a:extLst>
                 </a:gridCol>
                 <a:gridCol w="847725">
                   <a:extLst>
                     <a:ext uri="{9D8B030D-6E8A-4147-A177-3AD203B41FA5}">
-                      <a16:colId xmlns="" xmlns:a16="http://schemas.microsoft.com/office/drawing/2014/main" val="20001"/>
+                      <a16:colId xmlns:a16="http://schemas.microsoft.com/office/drawing/2014/main" xmlns="" val="20001"/>
                     </a:ext>
                   </a:extLst>
                 </a:gridCol>
                 <a:gridCol w="1314450">
                   <a:extLst>
                     <a:ext uri="{9D8B030D-6E8A-4147-A177-3AD203B41FA5}">
-                      <a16:colId xmlns="" xmlns:a16="http://schemas.microsoft.com/office/drawing/2014/main" val="20002"/>
+                      <a16:colId xmlns:a16="http://schemas.microsoft.com/office/drawing/2014/main" xmlns="" val="20002"/>
                     </a:ext>
                   </a:extLst>
                 </a:gridCol>
                 <a:gridCol w="1423508">
                   <a:extLst>
                     <a:ext uri="{9D8B030D-6E8A-4147-A177-3AD203B41FA5}">
-                      <a16:colId xmlns="" xmlns:a16="http://schemas.microsoft.com/office/drawing/2014/main" val="20003"/>
+                      <a16:colId xmlns:a16="http://schemas.microsoft.com/office/drawing/2014/main" xmlns="" val="20003"/>
                     </a:ext>
                   </a:extLst>
                 </a:gridCol>
                 <a:gridCol w="2767492">
                   <a:extLst>
                     <a:ext uri="{9D8B030D-6E8A-4147-A177-3AD203B41FA5}">
-                      <a16:colId xmlns="" xmlns:a16="http://schemas.microsoft.com/office/drawing/2014/main" val="20004"/>
+                      <a16:colId xmlns:a16="http://schemas.microsoft.com/office/drawing/2014/main" xmlns="" val="20004"/>
                     </a:ext>
                   </a:extLst>
                 </a:gridCol>
                 <a:gridCol w="1704975">
                   <a:extLst>
                     <a:ext uri="{9D8B030D-6E8A-4147-A177-3AD203B41FA5}">
-                      <a16:colId xmlns="" xmlns:a16="http://schemas.microsoft.com/office/drawing/2014/main" val="20005"/>
+                      <a16:colId xmlns:a16="http://schemas.microsoft.com/office/drawing/2014/main" xmlns="" val="20005"/>
                     </a:ext>
                   </a:extLst>
                 </a:gridCol>
@@ -20766,7 +20480,7 @@
                 </a:tc>
                 <a:extLst>
                   <a:ext uri="{0D108BD9-81ED-4DB2-BD59-A6C34878D82A}">
-                    <a16:rowId xmlns="" xmlns:a16="http://schemas.microsoft.com/office/drawing/2014/main" val="10000"/>
+                    <a16:rowId xmlns:a16="http://schemas.microsoft.com/office/drawing/2014/main" xmlns="" val="10000"/>
                   </a:ext>
                 </a:extLst>
               </a:tr>
@@ -20893,7 +20607,7 @@
                 </a:tc>
                 <a:extLst>
                   <a:ext uri="{0D108BD9-81ED-4DB2-BD59-A6C34878D82A}">
-                    <a16:rowId xmlns="" xmlns:a16="http://schemas.microsoft.com/office/drawing/2014/main" val="10001"/>
+                    <a16:rowId xmlns:a16="http://schemas.microsoft.com/office/drawing/2014/main" xmlns="" val="10001"/>
                   </a:ext>
                 </a:extLst>
               </a:tr>
@@ -21020,7 +20734,7 @@
                 </a:tc>
                 <a:extLst>
                   <a:ext uri="{0D108BD9-81ED-4DB2-BD59-A6C34878D82A}">
-                    <a16:rowId xmlns="" xmlns:a16="http://schemas.microsoft.com/office/drawing/2014/main" val="10002"/>
+                    <a16:rowId xmlns:a16="http://schemas.microsoft.com/office/drawing/2014/main" xmlns="" val="10002"/>
                   </a:ext>
                 </a:extLst>
               </a:tr>
@@ -21147,7 +20861,7 @@
                 </a:tc>
                 <a:extLst>
                   <a:ext uri="{0D108BD9-81ED-4DB2-BD59-A6C34878D82A}">
-                    <a16:rowId xmlns="" xmlns:a16="http://schemas.microsoft.com/office/drawing/2014/main" val="10003"/>
+                    <a16:rowId xmlns:a16="http://schemas.microsoft.com/office/drawing/2014/main" xmlns="" val="10003"/>
                   </a:ext>
                 </a:extLst>
               </a:tr>
@@ -21274,7 +20988,7 @@
                 </a:tc>
                 <a:extLst>
                   <a:ext uri="{0D108BD9-81ED-4DB2-BD59-A6C34878D82A}">
-                    <a16:rowId xmlns="" xmlns:a16="http://schemas.microsoft.com/office/drawing/2014/main" val="10004"/>
+                    <a16:rowId xmlns:a16="http://schemas.microsoft.com/office/drawing/2014/main" xmlns="" val="10004"/>
                   </a:ext>
                 </a:extLst>
               </a:tr>
@@ -21401,7 +21115,7 @@
                 </a:tc>
                 <a:extLst>
                   <a:ext uri="{0D108BD9-81ED-4DB2-BD59-A6C34878D82A}">
-                    <a16:rowId xmlns="" xmlns:a16="http://schemas.microsoft.com/office/drawing/2014/main" val="10005"/>
+                    <a16:rowId xmlns:a16="http://schemas.microsoft.com/office/drawing/2014/main" xmlns="" val="10005"/>
                   </a:ext>
                 </a:extLst>
               </a:tr>
@@ -21528,7 +21242,7 @@
                 </a:tc>
                 <a:extLst>
                   <a:ext uri="{0D108BD9-81ED-4DB2-BD59-A6C34878D82A}">
-                    <a16:rowId xmlns="" xmlns:a16="http://schemas.microsoft.com/office/drawing/2014/main" val="10006"/>
+                    <a16:rowId xmlns:a16="http://schemas.microsoft.com/office/drawing/2014/main" xmlns="" val="10006"/>
                   </a:ext>
                 </a:extLst>
               </a:tr>
@@ -21655,7 +21369,7 @@
                 </a:tc>
                 <a:extLst>
                   <a:ext uri="{0D108BD9-81ED-4DB2-BD59-A6C34878D82A}">
-                    <a16:rowId xmlns="" xmlns:a16="http://schemas.microsoft.com/office/drawing/2014/main" val="10007"/>
+                    <a16:rowId xmlns:a16="http://schemas.microsoft.com/office/drawing/2014/main" xmlns="" val="10007"/>
                   </a:ext>
                 </a:extLst>
               </a:tr>
@@ -21782,7 +21496,7 @@
                 </a:tc>
                 <a:extLst>
                   <a:ext uri="{0D108BD9-81ED-4DB2-BD59-A6C34878D82A}">
-                    <a16:rowId xmlns="" xmlns:a16="http://schemas.microsoft.com/office/drawing/2014/main" val="10008"/>
+                    <a16:rowId xmlns:a16="http://schemas.microsoft.com/office/drawing/2014/main" xmlns="" val="10008"/>
                   </a:ext>
                 </a:extLst>
               </a:tr>
@@ -21909,7 +21623,7 @@
                 </a:tc>
                 <a:extLst>
                   <a:ext uri="{0D108BD9-81ED-4DB2-BD59-A6C34878D82A}">
-                    <a16:rowId xmlns="" xmlns:a16="http://schemas.microsoft.com/office/drawing/2014/main" val="10009"/>
+                    <a16:rowId xmlns:a16="http://schemas.microsoft.com/office/drawing/2014/main" xmlns="" val="10009"/>
                   </a:ext>
                 </a:extLst>
               </a:tr>
@@ -22036,7 +21750,7 @@
                 </a:tc>
                 <a:extLst>
                   <a:ext uri="{0D108BD9-81ED-4DB2-BD59-A6C34878D82A}">
-                    <a16:rowId xmlns="" xmlns:a16="http://schemas.microsoft.com/office/drawing/2014/main" val="10010"/>
+                    <a16:rowId xmlns:a16="http://schemas.microsoft.com/office/drawing/2014/main" xmlns="" val="10010"/>
                   </a:ext>
                 </a:extLst>
               </a:tr>
@@ -22076,7 +21790,7 @@
 </p:sld>
 </file>
 
-<file path=ppt/slides/slide28.xml><?xml version="1.0" encoding="utf-8"?>
+<file path=ppt/slides/slide27.xml><?xml version="1.0" encoding="utf-8"?>
 <p:sld xmlns:a="http://schemas.openxmlformats.org/drawingml/2006/main" xmlns:r="http://schemas.openxmlformats.org/officeDocument/2006/relationships" xmlns:p="http://schemas.openxmlformats.org/presentationml/2006/main">
   <p:cSld>
     <p:spTree>
@@ -22173,11 +21887,7 @@
             </a:pPr>
             <a:r>
               <a:rPr lang="en-US" dirty="0"/>
-              <a:t>y </a:t>
-            </a:r>
-            <a:r>
-              <a:rPr lang="en-US" dirty="0"/>
-              <a:t>= 7.6 </a:t>
+              <a:t>y = 7.6 </a:t>
             </a:r>
             <a:r>
               <a:rPr lang="en-US" dirty="0" smtClean="0"/>
@@ -22281,6 +21991,609 @@
     <p:extLst>
       <p:ext uri="{BB962C8B-B14F-4D97-AF65-F5344CB8AC3E}">
         <p14:creationId xmlns:p14="http://schemas.microsoft.com/office/powerpoint/2010/main" val="1109137866"/>
+      </p:ext>
+    </p:extLst>
+  </p:cSld>
+  <p:clrMapOvr>
+    <a:masterClrMapping/>
+  </p:clrMapOvr>
+  <mc:AlternateContent xmlns:mc="http://schemas.openxmlformats.org/markup-compatibility/2006" xmlns:p14="http://schemas.microsoft.com/office/powerpoint/2010/main">
+    <mc:Choice Requires="p14">
+      <p:transition spd="med" p14:dur="700">
+        <p:fade/>
+      </p:transition>
+    </mc:Choice>
+    <mc:Fallback xmlns="">
+      <p:transition spd="med">
+        <p:fade/>
+      </p:transition>
+    </mc:Fallback>
+  </mc:AlternateContent>
+  <p:timing>
+    <p:tnLst>
+      <p:par>
+        <p:cTn id="1" dur="indefinite" restart="never" nodeType="tmRoot"/>
+      </p:par>
+    </p:tnLst>
+  </p:timing>
+</p:sld>
+</file>
+
+<file path=ppt/slides/slide28.xml><?xml version="1.0" encoding="utf-8"?>
+<p:sld xmlns:a="http://schemas.openxmlformats.org/drawingml/2006/main" xmlns:r="http://schemas.openxmlformats.org/officeDocument/2006/relationships" xmlns:p="http://schemas.openxmlformats.org/presentationml/2006/main">
+  <p:cSld>
+    <p:spTree>
+      <p:nvGrpSpPr>
+        <p:cNvPr id="1" name=""/>
+        <p:cNvGrpSpPr/>
+        <p:nvPr/>
+      </p:nvGrpSpPr>
+      <p:grpSpPr>
+        <a:xfrm>
+          <a:off x="0" y="0"/>
+          <a:ext cx="0" cy="0"/>
+          <a:chOff x="0" y="0"/>
+          <a:chExt cx="0" cy="0"/>
+        </a:xfrm>
+      </p:grpSpPr>
+      <p:sp>
+        <p:nvSpPr>
+          <p:cNvPr id="12290" name="Rectangle 2"/>
+          <p:cNvSpPr>
+            <a:spLocks noGrp="1" noChangeArrowheads="1"/>
+          </p:cNvSpPr>
+          <p:nvPr>
+            <p:ph type="title"/>
+          </p:nvPr>
+        </p:nvSpPr>
+        <p:spPr>
+          <a:xfrm>
+            <a:off x="1323975" y="2894013"/>
+            <a:ext cx="9980682" cy="1096962"/>
+          </a:xfrm>
+        </p:spPr>
+        <p:txBody>
+          <a:bodyPr>
+            <a:noAutofit/>
+          </a:bodyPr>
+          <a:lstStyle/>
+          <a:p>
+            <a:r>
+              <a:rPr lang="en-US" sz="2400" dirty="0" err="1"/>
+              <a:t>Interpretasi</a:t>
+            </a:r>
+            <a:r>
+              <a:rPr lang="en-US" sz="2400" dirty="0"/>
+              <a:t> a </a:t>
+            </a:r>
+            <a:r>
+              <a:rPr lang="en-US" sz="2400" dirty="0" err="1"/>
+              <a:t>dan</a:t>
+            </a:r>
+            <a:r>
+              <a:rPr lang="en-US" sz="2400" dirty="0"/>
+              <a:t> </a:t>
+            </a:r>
+            <a:r>
+              <a:rPr lang="en-US" sz="2400" dirty="0" smtClean="0"/>
+              <a:t>b     : Y </a:t>
+            </a:r>
+            <a:r>
+              <a:rPr lang="en-US" sz="2400" dirty="0"/>
+              <a:t>= 7.6 + 3.53 X</a:t>
+            </a:r>
+            <a:br>
+              <a:rPr lang="en-US" sz="2400" dirty="0"/>
+            </a:br>
+            <a:r>
+              <a:rPr lang="en-US" sz="2400" dirty="0" err="1"/>
+              <a:t>Penerimaan</a:t>
+            </a:r>
+            <a:r>
+              <a:rPr lang="en-US" sz="2400" dirty="0"/>
+              <a:t> = 7.6 + 3.53 </a:t>
+            </a:r>
+            <a:r>
+              <a:rPr lang="en-US" sz="2400" dirty="0" err="1"/>
+              <a:t>Belanja</a:t>
+            </a:r>
+            <a:r>
+              <a:rPr lang="en-US" sz="2400" dirty="0"/>
+              <a:t> </a:t>
+            </a:r>
+            <a:r>
+              <a:rPr lang="en-US" sz="2400" dirty="0" err="1"/>
+              <a:t>Iklan</a:t>
+            </a:r>
+            <a:endParaRPr lang="en-US" sz="2400" dirty="0"/>
+          </a:p>
+        </p:txBody>
+      </p:sp>
+      <p:sp>
+        <p:nvSpPr>
+          <p:cNvPr id="12291" name="Rectangle 3"/>
+          <p:cNvSpPr>
+            <a:spLocks noGrp="1" noChangeArrowheads="1"/>
+          </p:cNvSpPr>
+          <p:nvPr>
+            <p:ph type="body" idx="1"/>
+          </p:nvPr>
+        </p:nvSpPr>
+        <p:spPr>
+          <a:xfrm>
+            <a:off x="1323975" y="1304925"/>
+            <a:ext cx="9982200" cy="5372100"/>
+          </a:xfrm>
+        </p:spPr>
+        <p:txBody>
+          <a:bodyPr>
+            <a:normAutofit fontScale="92500" lnSpcReduction="10000"/>
+          </a:bodyPr>
+          <a:lstStyle/>
+          <a:p>
+            <a:pPr>
+              <a:lnSpc>
+                <a:spcPct val="90000"/>
+              </a:lnSpc>
+            </a:pPr>
+            <a:r>
+              <a:rPr lang="en-US" sz="2800" dirty="0"/>
+              <a:t>a = </a:t>
+            </a:r>
+            <a:r>
+              <a:rPr lang="en-US" sz="2800" dirty="0" err="1"/>
+              <a:t>intersep</a:t>
+            </a:r>
+            <a:r>
+              <a:rPr lang="en-US" sz="2800" dirty="0"/>
+              <a:t>/intercept = </a:t>
+            </a:r>
+            <a:r>
+              <a:rPr lang="en-US" sz="2800" dirty="0" err="1"/>
+              <a:t>besarnya</a:t>
+            </a:r>
+            <a:r>
+              <a:rPr lang="en-US" sz="2800" dirty="0"/>
+              <a:t> </a:t>
+            </a:r>
+            <a:r>
+              <a:rPr lang="en-US" sz="2800" dirty="0" err="1"/>
+              <a:t>nilai</a:t>
+            </a:r>
+            <a:r>
+              <a:rPr lang="en-US" sz="2800" dirty="0"/>
+              <a:t> Y </a:t>
+            </a:r>
+            <a:r>
+              <a:rPr lang="en-US" sz="2800" dirty="0" err="1"/>
+              <a:t>ketika</a:t>
+            </a:r>
+            <a:r>
+              <a:rPr lang="en-US" sz="2800" dirty="0"/>
+              <a:t> X </a:t>
+            </a:r>
+            <a:r>
+              <a:rPr lang="en-US" sz="2800" dirty="0" err="1"/>
+              <a:t>sebesar</a:t>
+            </a:r>
+            <a:r>
+              <a:rPr lang="en-US" sz="2800" dirty="0"/>
+              <a:t> 0</a:t>
+            </a:r>
+            <a:endParaRPr lang="en-US" dirty="0"/>
+          </a:p>
+          <a:p>
+            <a:pPr>
+              <a:lnSpc>
+                <a:spcPct val="90000"/>
+              </a:lnSpc>
+            </a:pPr>
+            <a:r>
+              <a:rPr lang="en-US" sz="2800" dirty="0"/>
+              <a:t>b = gradient/slope = </a:t>
+            </a:r>
+            <a:r>
+              <a:rPr lang="en-US" sz="2800" dirty="0" err="1"/>
+              <a:t>besarnya</a:t>
+            </a:r>
+            <a:r>
+              <a:rPr lang="en-US" sz="2800" dirty="0"/>
+              <a:t> </a:t>
+            </a:r>
+            <a:r>
+              <a:rPr lang="en-US" sz="2800" dirty="0" err="1"/>
+              <a:t>perubahan</a:t>
+            </a:r>
+            <a:r>
+              <a:rPr lang="en-US" sz="2800" dirty="0"/>
+              <a:t> </a:t>
+            </a:r>
+            <a:r>
+              <a:rPr lang="en-US" sz="2800" dirty="0" err="1"/>
+              <a:t>nilai</a:t>
+            </a:r>
+            <a:r>
+              <a:rPr lang="en-US" sz="2800" dirty="0"/>
+              <a:t> Y </a:t>
+            </a:r>
+            <a:r>
+              <a:rPr lang="en-US" sz="2800" dirty="0" err="1"/>
+              <a:t>ketika</a:t>
+            </a:r>
+            <a:r>
+              <a:rPr lang="en-US" sz="2800" dirty="0"/>
+              <a:t> X </a:t>
+            </a:r>
+            <a:r>
+              <a:rPr lang="en-US" sz="2800" dirty="0" err="1"/>
+              <a:t>berubah</a:t>
+            </a:r>
+            <a:r>
+              <a:rPr lang="en-US" sz="2800" dirty="0"/>
+              <a:t> </a:t>
+            </a:r>
+            <a:r>
+              <a:rPr lang="en-US" sz="2800" dirty="0" err="1"/>
+              <a:t>satu</a:t>
+            </a:r>
+            <a:r>
+              <a:rPr lang="en-US" sz="2800" dirty="0"/>
+              <a:t> </a:t>
+            </a:r>
+            <a:r>
+              <a:rPr lang="en-US" sz="2800" dirty="0" err="1"/>
+              <a:t>satuan</a:t>
+            </a:r>
+            <a:r>
+              <a:rPr lang="en-US" sz="2800" dirty="0"/>
+              <a:t>.  </a:t>
+            </a:r>
+            <a:r>
+              <a:rPr lang="en-US" sz="2800" dirty="0" err="1"/>
+              <a:t>Tanda</a:t>
+            </a:r>
+            <a:r>
+              <a:rPr lang="en-US" sz="2800" dirty="0"/>
+              <a:t> </a:t>
+            </a:r>
+            <a:r>
+              <a:rPr lang="en-US" sz="2800" dirty="0" err="1"/>
+              <a:t>koefisien</a:t>
+            </a:r>
+            <a:r>
+              <a:rPr lang="en-US" sz="2800" dirty="0"/>
+              <a:t> b </a:t>
+            </a:r>
+            <a:r>
+              <a:rPr lang="en-US" sz="2800" dirty="0" err="1"/>
+              <a:t>menunjukkan</a:t>
+            </a:r>
+            <a:r>
+              <a:rPr lang="en-US" sz="2800" dirty="0"/>
+              <a:t> </a:t>
+            </a:r>
+            <a:r>
+              <a:rPr lang="en-US" sz="2800" dirty="0" err="1"/>
+              <a:t>arah</a:t>
+            </a:r>
+            <a:r>
+              <a:rPr lang="en-US" sz="2800" dirty="0"/>
+              <a:t> </a:t>
+            </a:r>
+            <a:r>
+              <a:rPr lang="en-US" sz="2800" dirty="0" err="1"/>
+              <a:t>hubungan</a:t>
+            </a:r>
+            <a:r>
+              <a:rPr lang="en-US" sz="2800" dirty="0"/>
+              <a:t> X </a:t>
+            </a:r>
+            <a:r>
+              <a:rPr lang="en-US" sz="2800" dirty="0" err="1"/>
+              <a:t>dan</a:t>
+            </a:r>
+            <a:r>
+              <a:rPr lang="en-US" sz="2800" dirty="0"/>
+              <a:t> Y</a:t>
+            </a:r>
+          </a:p>
+          <a:p>
+            <a:pPr>
+              <a:lnSpc>
+                <a:spcPct val="90000"/>
+              </a:lnSpc>
+            </a:pPr>
+            <a:endParaRPr lang="en-US" sz="2800" dirty="0" smtClean="0"/>
+          </a:p>
+          <a:p>
+            <a:pPr>
+              <a:lnSpc>
+                <a:spcPct val="90000"/>
+              </a:lnSpc>
+            </a:pPr>
+            <a:endParaRPr lang="en-US" sz="2800" dirty="0"/>
+          </a:p>
+          <a:p>
+            <a:pPr>
+              <a:lnSpc>
+                <a:spcPct val="90000"/>
+              </a:lnSpc>
+              <a:buFontTx/>
+              <a:buNone/>
+            </a:pPr>
+            <a:r>
+              <a:rPr lang="en-US" sz="2800" dirty="0" err="1"/>
+              <a:t>Pada</a:t>
+            </a:r>
+            <a:r>
+              <a:rPr lang="en-US" sz="2800" dirty="0"/>
+              <a:t> </a:t>
+            </a:r>
+            <a:r>
+              <a:rPr lang="en-US" sz="2800" dirty="0" err="1"/>
+              <a:t>kasus</a:t>
+            </a:r>
+            <a:r>
+              <a:rPr lang="en-US" sz="2800" dirty="0"/>
+              <a:t> </a:t>
+            </a:r>
+            <a:r>
+              <a:rPr lang="en-US" sz="2800" dirty="0" err="1"/>
+              <a:t>ilustrasi</a:t>
+            </a:r>
+            <a:endParaRPr lang="en-US" sz="2800" dirty="0"/>
+          </a:p>
+          <a:p>
+            <a:pPr>
+              <a:lnSpc>
+                <a:spcPct val="90000"/>
+              </a:lnSpc>
+            </a:pPr>
+            <a:r>
+              <a:rPr lang="en-US" sz="2800" dirty="0"/>
+              <a:t>a = 7.6 </a:t>
+            </a:r>
+            <a:r>
+              <a:rPr lang="en-US" sz="2800" dirty="0">
+                <a:sym typeface="Wingdings" pitchFamily="2" charset="2"/>
+              </a:rPr>
+              <a:t></a:t>
+            </a:r>
+            <a:r>
+              <a:rPr lang="en-US" sz="2800" dirty="0"/>
+              <a:t> </a:t>
+            </a:r>
+            <a:r>
+              <a:rPr lang="en-US" sz="2800" dirty="0" err="1"/>
+              <a:t>besarnya</a:t>
+            </a:r>
+            <a:r>
+              <a:rPr lang="en-US" sz="2800" dirty="0"/>
+              <a:t> sales revenue </a:t>
+            </a:r>
+            <a:r>
+              <a:rPr lang="en-US" sz="2800" dirty="0" err="1"/>
+              <a:t>jika</a:t>
+            </a:r>
+            <a:r>
+              <a:rPr lang="en-US" sz="2800" dirty="0"/>
+              <a:t> </a:t>
+            </a:r>
+            <a:r>
+              <a:rPr lang="en-US" sz="2800" dirty="0" err="1"/>
+              <a:t>tidak</a:t>
+            </a:r>
+            <a:r>
+              <a:rPr lang="en-US" sz="2800" dirty="0"/>
+              <a:t> </a:t>
+            </a:r>
+            <a:r>
+              <a:rPr lang="en-US" sz="2800" dirty="0" err="1"/>
+              <a:t>ada</a:t>
+            </a:r>
+            <a:r>
+              <a:rPr lang="en-US" sz="2800" dirty="0"/>
+              <a:t> </a:t>
+            </a:r>
+            <a:r>
+              <a:rPr lang="en-US" sz="2800" dirty="0" err="1"/>
+              <a:t>belanja</a:t>
+            </a:r>
+            <a:r>
+              <a:rPr lang="en-US" sz="2800" dirty="0"/>
+              <a:t> </a:t>
+            </a:r>
+            <a:r>
+              <a:rPr lang="en-US" sz="2800" dirty="0" err="1"/>
+              <a:t>iklan</a:t>
+            </a:r>
+            <a:r>
+              <a:rPr lang="en-US" sz="2800" dirty="0"/>
+              <a:t> </a:t>
+            </a:r>
+            <a:r>
+              <a:rPr lang="en-US" sz="2800" dirty="0" err="1"/>
+              <a:t>adalah</a:t>
+            </a:r>
+            <a:r>
+              <a:rPr lang="en-US" sz="2800" dirty="0"/>
+              <a:t> 7.6 </a:t>
+            </a:r>
+            <a:r>
+              <a:rPr lang="en-US" sz="2800" dirty="0" err="1"/>
+              <a:t>juta</a:t>
+            </a:r>
+            <a:r>
+              <a:rPr lang="en-US" sz="2800" dirty="0"/>
+              <a:t> </a:t>
+            </a:r>
+            <a:r>
+              <a:rPr lang="en-US" sz="2800" dirty="0" err="1"/>
+              <a:t>dolar</a:t>
+            </a:r>
+            <a:endParaRPr lang="en-US" sz="2800" dirty="0"/>
+          </a:p>
+          <a:p>
+            <a:pPr>
+              <a:lnSpc>
+                <a:spcPct val="90000"/>
+              </a:lnSpc>
+            </a:pPr>
+            <a:r>
+              <a:rPr lang="en-US" sz="2800" dirty="0"/>
+              <a:t>b = 3.533 </a:t>
+            </a:r>
+            <a:r>
+              <a:rPr lang="en-US" sz="2800" dirty="0">
+                <a:sym typeface="Wingdings" pitchFamily="2" charset="2"/>
+              </a:rPr>
+              <a:t></a:t>
+            </a:r>
+            <a:r>
+              <a:rPr lang="en-US" sz="2800" dirty="0"/>
+              <a:t> </a:t>
+            </a:r>
+            <a:r>
+              <a:rPr lang="en-US" sz="2800" dirty="0" err="1"/>
+              <a:t>jika</a:t>
+            </a:r>
+            <a:r>
+              <a:rPr lang="en-US" sz="2800" dirty="0"/>
+              <a:t> </a:t>
+            </a:r>
+            <a:r>
+              <a:rPr lang="en-US" sz="2800" dirty="0" err="1"/>
+              <a:t>belanja</a:t>
+            </a:r>
+            <a:r>
+              <a:rPr lang="en-US" sz="2800" dirty="0"/>
+              <a:t> </a:t>
+            </a:r>
+            <a:r>
+              <a:rPr lang="en-US" sz="2800" dirty="0" err="1"/>
+              <a:t>iklan</a:t>
+            </a:r>
+            <a:r>
+              <a:rPr lang="en-US" sz="2800" dirty="0"/>
+              <a:t> </a:t>
+            </a:r>
+            <a:r>
+              <a:rPr lang="en-US" sz="2800" dirty="0" err="1"/>
+              <a:t>dinaikkan</a:t>
+            </a:r>
+            <a:r>
+              <a:rPr lang="en-US" sz="2800" dirty="0"/>
+              <a:t> 1 </a:t>
+            </a:r>
+            <a:r>
+              <a:rPr lang="en-US" sz="2800" dirty="0" err="1"/>
+              <a:t>juta</a:t>
+            </a:r>
+            <a:r>
+              <a:rPr lang="en-US" sz="2800" dirty="0"/>
+              <a:t> </a:t>
+            </a:r>
+            <a:r>
+              <a:rPr lang="en-US" sz="2800" dirty="0" err="1"/>
+              <a:t>dolar</a:t>
+            </a:r>
+            <a:r>
+              <a:rPr lang="en-US" sz="2800" dirty="0"/>
+              <a:t> </a:t>
+            </a:r>
+            <a:r>
+              <a:rPr lang="en-US" sz="2800" dirty="0" err="1"/>
+              <a:t>maka</a:t>
+            </a:r>
+            <a:r>
+              <a:rPr lang="en-US" sz="2800" dirty="0"/>
+              <a:t> sales revenue </a:t>
+            </a:r>
+            <a:r>
+              <a:rPr lang="en-US" sz="2800" dirty="0" err="1"/>
+              <a:t>naik</a:t>
+            </a:r>
+            <a:r>
+              <a:rPr lang="en-US" sz="2800" dirty="0"/>
+              <a:t> 3.533 </a:t>
+            </a:r>
+            <a:r>
+              <a:rPr lang="en-US" sz="2800" dirty="0" err="1"/>
+              <a:t>juta</a:t>
+            </a:r>
+            <a:r>
+              <a:rPr lang="en-US" sz="2800" dirty="0"/>
+              <a:t> </a:t>
+            </a:r>
+            <a:r>
+              <a:rPr lang="en-US" sz="2800" dirty="0" err="1"/>
+              <a:t>dolar</a:t>
+            </a:r>
+            <a:endParaRPr lang="en-US" sz="2800" dirty="0"/>
+          </a:p>
+        </p:txBody>
+      </p:sp>
+      <p:sp>
+        <p:nvSpPr>
+          <p:cNvPr id="4" name="Rectangle 2"/>
+          <p:cNvSpPr txBox="1">
+            <a:spLocks noChangeArrowheads="1"/>
+          </p:cNvSpPr>
+          <p:nvPr/>
+        </p:nvSpPr>
+        <p:spPr>
+          <a:xfrm>
+            <a:off x="1104900" y="76200"/>
+            <a:ext cx="9980682" cy="1096962"/>
+          </a:xfrm>
+          <a:prstGeom prst="rect">
+            <a:avLst/>
+          </a:prstGeom>
+        </p:spPr>
+        <p:txBody>
+          <a:bodyPr vert="horz" lIns="0" tIns="45720" rIns="0" bIns="45720" rtlCol="0" anchor="b">
+            <a:normAutofit/>
+          </a:bodyPr>
+          <a:lstStyle>
+            <a:lvl1pPr algn="l" defTabSz="914400" rtl="0" eaLnBrk="1" latinLnBrk="0" hangingPunct="1">
+              <a:lnSpc>
+                <a:spcPct val="90000"/>
+              </a:lnSpc>
+              <a:spcBef>
+                <a:spcPct val="0"/>
+              </a:spcBef>
+              <a:buNone/>
+              <a:defRPr sz="2800" kern="1200">
+                <a:solidFill>
+                  <a:schemeClr val="tx1"/>
+                </a:solidFill>
+                <a:latin typeface="+mj-lt"/>
+                <a:ea typeface="+mj-ea"/>
+                <a:cs typeface="+mj-cs"/>
+              </a:defRPr>
+            </a:lvl1pPr>
+          </a:lstStyle>
+          <a:p>
+            <a:r>
+              <a:rPr lang="en-US" dirty="0" err="1" smtClean="0"/>
+              <a:t>Koefisien</a:t>
+            </a:r>
+            <a:r>
+              <a:rPr lang="en-US" dirty="0" smtClean="0"/>
+              <a:t> </a:t>
+            </a:r>
+            <a:r>
+              <a:rPr lang="en-US" dirty="0" err="1" smtClean="0"/>
+              <a:t>Regresi</a:t>
+            </a:r>
+            <a:endParaRPr lang="en-US" dirty="0"/>
+          </a:p>
+        </p:txBody>
+      </p:sp>
+    </p:spTree>
+    <p:extLst>
+      <p:ext uri="{BB962C8B-B14F-4D97-AF65-F5344CB8AC3E}">
+        <p14:creationId xmlns:p14="http://schemas.microsoft.com/office/powerpoint/2010/main" val="1020124606"/>
       </p:ext>
     </p:extLst>
   </p:cSld>
@@ -22328,7 +22641,7 @@
       </p:grpSpPr>
       <p:sp>
         <p:nvSpPr>
-          <p:cNvPr id="12290" name="Rectangle 2"/>
+          <p:cNvPr id="11266" name="Rectangle 2"/>
           <p:cNvSpPr>
             <a:spLocks noGrp="1" noChangeArrowheads="1"/>
           </p:cNvSpPr>
@@ -22336,88 +22649,202 @@
             <p:ph type="title"/>
           </p:nvPr>
         </p:nvSpPr>
-        <p:spPr>
-          <a:xfrm>
-            <a:off x="1323975" y="2894013"/>
-            <a:ext cx="9980682" cy="1096962"/>
-          </a:xfrm>
-        </p:spPr>
+        <p:spPr/>
         <p:txBody>
-          <a:bodyPr>
-            <a:noAutofit/>
-          </a:bodyPr>
+          <a:bodyPr/>
           <a:lstStyle/>
           <a:p>
             <a:r>
-              <a:rPr lang="en-US" sz="2400" dirty="0" err="1"/>
-              <a:t>Interpretasi</a:t>
-            </a:r>
-            <a:r>
-              <a:rPr lang="en-US" sz="2400" dirty="0"/>
-              <a:t> a </a:t>
-            </a:r>
-            <a:r>
-              <a:rPr lang="en-US" sz="2400" dirty="0" err="1"/>
-              <a:t>dan</a:t>
-            </a:r>
-            <a:r>
-              <a:rPr lang="en-US" sz="2400" dirty="0"/>
-              <a:t> </a:t>
-            </a:r>
-            <a:r>
-              <a:rPr lang="en-US" sz="2400" dirty="0" smtClean="0"/>
-              <a:t>b     : Y </a:t>
-            </a:r>
-            <a:r>
-              <a:rPr lang="en-US" sz="2400" dirty="0"/>
-              <a:t>= 7.6 + 3.53 X</a:t>
-            </a:r>
-            <a:br>
-              <a:rPr lang="en-US" sz="2400" dirty="0"/>
-            </a:br>
-            <a:r>
-              <a:rPr lang="en-US" sz="2400" dirty="0" err="1"/>
-              <a:t>Penerimaan</a:t>
-            </a:r>
-            <a:r>
-              <a:rPr lang="en-US" sz="2400" dirty="0"/>
-              <a:t> = 7.6 + 3.53 </a:t>
-            </a:r>
-            <a:r>
-              <a:rPr lang="en-US" sz="2400" dirty="0" err="1"/>
-              <a:t>Belanja</a:t>
-            </a:r>
-            <a:r>
-              <a:rPr lang="en-US" sz="2400" dirty="0"/>
-              <a:t> </a:t>
-            </a:r>
-            <a:r>
-              <a:rPr lang="en-US" sz="2400" dirty="0" err="1"/>
-              <a:t>Iklan</a:t>
-            </a:r>
-            <a:endParaRPr lang="en-US" sz="2400" dirty="0"/>
+              <a:rPr lang="en-US"/>
+              <a:t>Uji Signifikasi Koefisien b</a:t>
+            </a:r>
           </a:p>
         </p:txBody>
       </p:sp>
       <p:sp>
         <p:nvSpPr>
-          <p:cNvPr id="12291" name="Rectangle 3"/>
-          <p:cNvSpPr>
-            <a:spLocks noGrp="1" noChangeArrowheads="1"/>
+          <p:cNvPr id="11269" name="Text Box 5"/>
+          <p:cNvSpPr txBox="1">
+            <a:spLocks noChangeArrowheads="1"/>
           </p:cNvSpPr>
-          <p:nvPr>
-            <p:ph type="body" idx="1"/>
-          </p:nvPr>
+          <p:nvPr/>
         </p:nvSpPr>
-        <p:spPr>
+        <p:spPr bwMode="auto">
           <a:xfrm>
-            <a:off x="1323975" y="1304925"/>
-            <a:ext cx="9982200" cy="5372100"/>
+            <a:off x="1038225" y="1823236"/>
+            <a:ext cx="7772400" cy="1160463"/>
           </a:xfrm>
+          <a:prstGeom prst="rect">
+            <a:avLst/>
+          </a:prstGeom>
+          <a:noFill/>
+          <a:ln w="9525">
+            <a:noFill/>
+            <a:miter lim="800000"/>
+            <a:headEnd/>
+            <a:tailEnd/>
+          </a:ln>
+          <a:effectLst/>
         </p:spPr>
         <p:txBody>
           <a:bodyPr>
-            <a:normAutofit fontScale="92500" lnSpcReduction="10000"/>
+            <a:spAutoFit/>
+          </a:bodyPr>
+          <a:lstStyle/>
+          <a:p>
+            <a:pPr algn="just">
+              <a:spcBef>
+                <a:spcPct val="50000"/>
+              </a:spcBef>
+            </a:pPr>
+            <a:r>
+              <a:rPr lang="en-US" sz="2800" dirty="0">
+                <a:latin typeface="Trebuchet MS" pitchFamily="34" charset="0"/>
+              </a:rPr>
+              <a:t>H</a:t>
+            </a:r>
+            <a:r>
+              <a:rPr lang="en-US" sz="2800" baseline="-25000" dirty="0">
+                <a:latin typeface="Trebuchet MS" pitchFamily="34" charset="0"/>
+              </a:rPr>
+              <a:t>0</a:t>
+            </a:r>
+            <a:r>
+              <a:rPr lang="en-US" sz="2800" dirty="0">
+                <a:latin typeface="Trebuchet MS" pitchFamily="34" charset="0"/>
+              </a:rPr>
+              <a:t> : b = 0 (</a:t>
+            </a:r>
+            <a:r>
+              <a:rPr lang="en-US" sz="2800" dirty="0" err="1">
+                <a:latin typeface="Trebuchet MS" pitchFamily="34" charset="0"/>
+              </a:rPr>
+              <a:t>artinya</a:t>
+            </a:r>
+            <a:r>
+              <a:rPr lang="en-US" sz="2800" dirty="0">
+                <a:latin typeface="Trebuchet MS" pitchFamily="34" charset="0"/>
+              </a:rPr>
+              <a:t> X </a:t>
+            </a:r>
+            <a:r>
+              <a:rPr lang="en-US" sz="2800" dirty="0" err="1">
+                <a:latin typeface="Trebuchet MS" pitchFamily="34" charset="0"/>
+              </a:rPr>
+              <a:t>tidak</a:t>
+            </a:r>
+            <a:r>
+              <a:rPr lang="en-US" sz="2800" dirty="0">
+                <a:latin typeface="Trebuchet MS" pitchFamily="34" charset="0"/>
+              </a:rPr>
+              <a:t> </a:t>
+            </a:r>
+            <a:r>
+              <a:rPr lang="en-US" sz="2800" dirty="0" err="1">
+                <a:latin typeface="Trebuchet MS" pitchFamily="34" charset="0"/>
+              </a:rPr>
+              <a:t>mempengaruhi</a:t>
+            </a:r>
+            <a:r>
+              <a:rPr lang="en-US" sz="2800" dirty="0">
+                <a:latin typeface="Trebuchet MS" pitchFamily="34" charset="0"/>
+              </a:rPr>
+              <a:t> Y)</a:t>
+            </a:r>
+          </a:p>
+          <a:p>
+            <a:pPr algn="just">
+              <a:spcBef>
+                <a:spcPct val="50000"/>
+              </a:spcBef>
+            </a:pPr>
+            <a:r>
+              <a:rPr lang="en-US" sz="2800" dirty="0">
+                <a:latin typeface="Trebuchet MS" pitchFamily="34" charset="0"/>
+              </a:rPr>
+              <a:t>H</a:t>
+            </a:r>
+            <a:r>
+              <a:rPr lang="en-US" sz="2800" baseline="-25000" dirty="0">
+                <a:latin typeface="Trebuchet MS" pitchFamily="34" charset="0"/>
+              </a:rPr>
+              <a:t>1</a:t>
+            </a:r>
+            <a:r>
+              <a:rPr lang="en-US" sz="2800" dirty="0">
+                <a:latin typeface="Trebuchet MS" pitchFamily="34" charset="0"/>
+              </a:rPr>
+              <a:t> : b </a:t>
+            </a:r>
+            <a:r>
+              <a:rPr lang="en-US" sz="2800" dirty="0">
+                <a:latin typeface="Trebuchet MS" pitchFamily="34" charset="0"/>
+                <a:sym typeface="Symbol" pitchFamily="18" charset="2"/>
+              </a:rPr>
+              <a:t> 0 (</a:t>
+            </a:r>
+            <a:r>
+              <a:rPr lang="en-US" sz="2800" dirty="0" err="1">
+                <a:latin typeface="Trebuchet MS" pitchFamily="34" charset="0"/>
+                <a:sym typeface="Symbol" pitchFamily="18" charset="2"/>
+              </a:rPr>
+              <a:t>artinya</a:t>
+            </a:r>
+            <a:r>
+              <a:rPr lang="en-US" sz="2800" dirty="0">
+                <a:latin typeface="Trebuchet MS" pitchFamily="34" charset="0"/>
+                <a:sym typeface="Symbol" pitchFamily="18" charset="2"/>
+              </a:rPr>
+              <a:t> X </a:t>
+            </a:r>
+            <a:r>
+              <a:rPr lang="en-US" sz="2800" dirty="0" err="1">
+                <a:latin typeface="Trebuchet MS" pitchFamily="34" charset="0"/>
+                <a:sym typeface="Symbol" pitchFamily="18" charset="2"/>
+              </a:rPr>
+              <a:t>mempengaruhi</a:t>
+            </a:r>
+            <a:r>
+              <a:rPr lang="en-US" sz="2800" dirty="0">
+                <a:latin typeface="Trebuchet MS" pitchFamily="34" charset="0"/>
+                <a:sym typeface="Symbol" pitchFamily="18" charset="2"/>
+              </a:rPr>
+              <a:t> Y)</a:t>
+            </a:r>
+            <a:endParaRPr lang="en-US" sz="2800" dirty="0">
+              <a:latin typeface="Trebuchet MS" pitchFamily="34" charset="0"/>
+            </a:endParaRPr>
+          </a:p>
+        </p:txBody>
+      </p:sp>
+      <p:sp>
+        <p:nvSpPr>
+          <p:cNvPr id="11270" name="Text Box 6"/>
+          <p:cNvSpPr txBox="1">
+            <a:spLocks noChangeArrowheads="1"/>
+          </p:cNvSpPr>
+          <p:nvPr/>
+        </p:nvSpPr>
+        <p:spPr bwMode="auto">
+          <a:xfrm>
+            <a:off x="985911" y="3888204"/>
+            <a:ext cx="10218660" cy="867930"/>
+          </a:xfrm>
+          <a:prstGeom prst="rect">
+            <a:avLst/>
+          </a:prstGeom>
+          <a:noFill/>
+          <a:ln w="9525">
+            <a:noFill/>
+            <a:miter lim="800000"/>
+            <a:headEnd/>
+            <a:tailEnd/>
+          </a:ln>
+          <a:effectLst/>
+        </p:spPr>
+        <p:txBody>
+          <a:bodyPr wrap="square">
+            <a:spAutoFit/>
           </a:bodyPr>
           <a:lstStyle/>
           <a:p>
@@ -22427,463 +22854,109 @@
               </a:lnSpc>
             </a:pPr>
             <a:r>
-              <a:rPr lang="en-US" sz="2800" dirty="0"/>
-              <a:t>a = </a:t>
-            </a:r>
-            <a:r>
-              <a:rPr lang="en-US" sz="2800" dirty="0" err="1"/>
-              <a:t>intersep</a:t>
-            </a:r>
-            <a:r>
-              <a:rPr lang="en-US" sz="2800" dirty="0"/>
-              <a:t>/intercept = </a:t>
-            </a:r>
-            <a:r>
-              <a:rPr lang="en-US" sz="2800" dirty="0" err="1"/>
-              <a:t>besarnya</a:t>
-            </a:r>
-            <a:r>
-              <a:rPr lang="en-US" sz="2800" dirty="0"/>
-              <a:t> </a:t>
-            </a:r>
-            <a:r>
-              <a:rPr lang="en-US" sz="2800" dirty="0" err="1"/>
-              <a:t>nilai</a:t>
-            </a:r>
-            <a:r>
-              <a:rPr lang="en-US" sz="2800" dirty="0"/>
-              <a:t> Y </a:t>
-            </a:r>
-            <a:r>
-              <a:rPr lang="en-US" sz="2800" dirty="0" err="1"/>
-              <a:t>ketika</a:t>
-            </a:r>
-            <a:r>
-              <a:rPr lang="en-US" sz="2800" dirty="0"/>
-              <a:t> X </a:t>
-            </a:r>
-            <a:r>
-              <a:rPr lang="en-US" sz="2800" dirty="0" err="1"/>
-              <a:t>sebesar</a:t>
-            </a:r>
-            <a:r>
-              <a:rPr lang="en-US" sz="2800" dirty="0"/>
-              <a:t> 0</a:t>
-            </a:r>
-            <a:endParaRPr lang="en-US" dirty="0"/>
-          </a:p>
-          <a:p>
-            <a:pPr>
-              <a:lnSpc>
-                <a:spcPct val="90000"/>
-              </a:lnSpc>
-            </a:pPr>
-            <a:r>
-              <a:rPr lang="en-US" sz="2800" dirty="0"/>
-              <a:t>b = gradient/slope = </a:t>
-            </a:r>
-            <a:r>
-              <a:rPr lang="en-US" sz="2800" dirty="0" err="1"/>
-              <a:t>besarnya</a:t>
-            </a:r>
-            <a:r>
-              <a:rPr lang="en-US" sz="2800" dirty="0"/>
-              <a:t> </a:t>
-            </a:r>
-            <a:r>
-              <a:rPr lang="en-US" sz="2800" dirty="0" err="1"/>
-              <a:t>perubahan</a:t>
-            </a:r>
-            <a:r>
-              <a:rPr lang="en-US" sz="2800" dirty="0"/>
-              <a:t> </a:t>
-            </a:r>
-            <a:r>
-              <a:rPr lang="en-US" sz="2800" dirty="0" err="1"/>
-              <a:t>nilai</a:t>
-            </a:r>
-            <a:r>
-              <a:rPr lang="en-US" sz="2800" dirty="0"/>
-              <a:t> Y </a:t>
-            </a:r>
-            <a:r>
-              <a:rPr lang="en-US" sz="2800" dirty="0" err="1"/>
-              <a:t>ketika</a:t>
-            </a:r>
-            <a:r>
-              <a:rPr lang="en-US" sz="2800" dirty="0"/>
-              <a:t> X </a:t>
-            </a:r>
-            <a:r>
-              <a:rPr lang="en-US" sz="2800" dirty="0" err="1"/>
-              <a:t>berubah</a:t>
-            </a:r>
-            <a:r>
-              <a:rPr lang="en-US" sz="2800" dirty="0"/>
-              <a:t> </a:t>
-            </a:r>
-            <a:r>
-              <a:rPr lang="en-US" sz="2800" dirty="0" err="1"/>
-              <a:t>satu</a:t>
-            </a:r>
-            <a:r>
-              <a:rPr lang="en-US" sz="2800" dirty="0"/>
-              <a:t> </a:t>
-            </a:r>
-            <a:r>
-              <a:rPr lang="en-US" sz="2800" dirty="0" err="1"/>
-              <a:t>satuan</a:t>
-            </a:r>
-            <a:r>
-              <a:rPr lang="en-US" sz="2800" dirty="0"/>
-              <a:t>.  </a:t>
-            </a:r>
-            <a:r>
-              <a:rPr lang="en-US" sz="2800" dirty="0" err="1"/>
-              <a:t>Tanda</a:t>
-            </a:r>
-            <a:r>
-              <a:rPr lang="en-US" sz="2800" dirty="0"/>
-              <a:t> </a:t>
-            </a:r>
-            <a:r>
-              <a:rPr lang="en-US" sz="2800" dirty="0" err="1"/>
-              <a:t>koefisien</a:t>
-            </a:r>
-            <a:r>
-              <a:rPr lang="en-US" sz="2800" dirty="0"/>
-              <a:t> b </a:t>
-            </a:r>
-            <a:r>
-              <a:rPr lang="en-US" sz="2800" dirty="0" err="1"/>
-              <a:t>menunjukkan</a:t>
-            </a:r>
-            <a:r>
-              <a:rPr lang="en-US" sz="2800" dirty="0"/>
-              <a:t> </a:t>
-            </a:r>
-            <a:r>
-              <a:rPr lang="en-US" sz="2800" dirty="0" err="1"/>
-              <a:t>arah</a:t>
-            </a:r>
-            <a:r>
-              <a:rPr lang="en-US" sz="2800" dirty="0"/>
-              <a:t> </a:t>
-            </a:r>
-            <a:r>
-              <a:rPr lang="en-US" sz="2800" dirty="0" err="1"/>
-              <a:t>hubungan</a:t>
-            </a:r>
-            <a:r>
-              <a:rPr lang="en-US" sz="2800" dirty="0"/>
-              <a:t> X </a:t>
-            </a:r>
-            <a:r>
-              <a:rPr lang="en-US" sz="2800" dirty="0" err="1"/>
-              <a:t>dan</a:t>
-            </a:r>
-            <a:r>
-              <a:rPr lang="en-US" sz="2800" dirty="0"/>
-              <a:t> Y</a:t>
-            </a:r>
-          </a:p>
-          <a:p>
-            <a:pPr>
-              <a:lnSpc>
-                <a:spcPct val="90000"/>
-              </a:lnSpc>
-            </a:pPr>
-            <a:endParaRPr lang="en-US" sz="2800" dirty="0" smtClean="0"/>
-          </a:p>
-          <a:p>
-            <a:pPr>
-              <a:lnSpc>
-                <a:spcPct val="90000"/>
-              </a:lnSpc>
-            </a:pPr>
+              <a:rPr lang="en-US" sz="2800" dirty="0" err="1">
+                <a:sym typeface="Symbol" pitchFamily="18" charset="2"/>
+              </a:rPr>
+              <a:t>Kesimpulan</a:t>
+            </a:r>
+            <a:r>
+              <a:rPr lang="en-US" sz="2800" dirty="0">
+                <a:sym typeface="Symbol" pitchFamily="18" charset="2"/>
+              </a:rPr>
+              <a:t> : </a:t>
+            </a:r>
+            <a:r>
+              <a:rPr lang="en-US" sz="2800" dirty="0" err="1">
+                <a:sym typeface="Symbol" pitchFamily="18" charset="2"/>
+              </a:rPr>
+              <a:t>Tolak</a:t>
+            </a:r>
+            <a:r>
+              <a:rPr lang="en-US" sz="2800" dirty="0">
+                <a:sym typeface="Symbol" pitchFamily="18" charset="2"/>
+              </a:rPr>
+              <a:t> H</a:t>
+            </a:r>
+            <a:r>
+              <a:rPr lang="en-US" sz="2800" baseline="-25000" dirty="0">
+                <a:sym typeface="Symbol" pitchFamily="18" charset="2"/>
+              </a:rPr>
+              <a:t>0</a:t>
+            </a:r>
+            <a:r>
+              <a:rPr lang="en-US" sz="2800" dirty="0">
+                <a:sym typeface="Symbol" pitchFamily="18" charset="2"/>
+              </a:rPr>
+              <a:t>, data </a:t>
+            </a:r>
+            <a:r>
+              <a:rPr lang="en-US" sz="2800" dirty="0" err="1">
+                <a:sym typeface="Symbol" pitchFamily="18" charset="2"/>
+              </a:rPr>
+              <a:t>mendukung</a:t>
+            </a:r>
+            <a:r>
+              <a:rPr lang="en-US" sz="2800" dirty="0">
+                <a:sym typeface="Symbol" pitchFamily="18" charset="2"/>
+              </a:rPr>
+              <a:t> </a:t>
+            </a:r>
+            <a:r>
+              <a:rPr lang="en-US" sz="2800" dirty="0" err="1">
+                <a:sym typeface="Symbol" pitchFamily="18" charset="2"/>
+              </a:rPr>
+              <a:t>kesimpulan</a:t>
+            </a:r>
+            <a:r>
+              <a:rPr lang="en-US" sz="2800" dirty="0">
+                <a:sym typeface="Symbol" pitchFamily="18" charset="2"/>
+              </a:rPr>
+              <a:t> </a:t>
+            </a:r>
+            <a:r>
+              <a:rPr lang="en-US" sz="2800" dirty="0" err="1">
+                <a:sym typeface="Symbol" pitchFamily="18" charset="2"/>
+              </a:rPr>
+              <a:t>adanya</a:t>
+            </a:r>
+            <a:r>
+              <a:rPr lang="en-US" sz="2800" dirty="0">
+                <a:sym typeface="Symbol" pitchFamily="18" charset="2"/>
+              </a:rPr>
+              <a:t> </a:t>
+            </a:r>
+            <a:r>
+              <a:rPr lang="en-US" sz="2800" dirty="0" err="1">
+                <a:sym typeface="Symbol" pitchFamily="18" charset="2"/>
+              </a:rPr>
+              <a:t>pengaruh</a:t>
+            </a:r>
+            <a:r>
+              <a:rPr lang="en-US" sz="2800" dirty="0">
+                <a:sym typeface="Symbol" pitchFamily="18" charset="2"/>
+              </a:rPr>
+              <a:t> ads expenditure </a:t>
+            </a:r>
+            <a:r>
+              <a:rPr lang="en-US" sz="2800" dirty="0" err="1">
+                <a:sym typeface="Symbol" pitchFamily="18" charset="2"/>
+              </a:rPr>
+              <a:t>terhadap</a:t>
+            </a:r>
+            <a:r>
+              <a:rPr lang="en-US" sz="2800" dirty="0">
+                <a:sym typeface="Symbol" pitchFamily="18" charset="2"/>
+              </a:rPr>
+              <a:t> sales revenue.</a:t>
+            </a:r>
             <a:endParaRPr lang="en-US" sz="2800" dirty="0"/>
-          </a:p>
-          <a:p>
-            <a:pPr>
-              <a:lnSpc>
-                <a:spcPct val="90000"/>
-              </a:lnSpc>
-              <a:buFontTx/>
-              <a:buNone/>
-            </a:pPr>
-            <a:r>
-              <a:rPr lang="en-US" sz="2800" dirty="0" err="1"/>
-              <a:t>Pada</a:t>
-            </a:r>
-            <a:r>
-              <a:rPr lang="en-US" sz="2800" dirty="0"/>
-              <a:t> </a:t>
-            </a:r>
-            <a:r>
-              <a:rPr lang="en-US" sz="2800" dirty="0" err="1"/>
-              <a:t>kasus</a:t>
-            </a:r>
-            <a:r>
-              <a:rPr lang="en-US" sz="2800" dirty="0"/>
-              <a:t> </a:t>
-            </a:r>
-            <a:r>
-              <a:rPr lang="en-US" sz="2800" dirty="0" err="1"/>
-              <a:t>ilustrasi</a:t>
-            </a:r>
-            <a:endParaRPr lang="en-US" sz="2800" dirty="0"/>
-          </a:p>
-          <a:p>
-            <a:pPr>
-              <a:lnSpc>
-                <a:spcPct val="90000"/>
-              </a:lnSpc>
-            </a:pPr>
-            <a:r>
-              <a:rPr lang="en-US" sz="2800" dirty="0"/>
-              <a:t>a = 7.6 </a:t>
-            </a:r>
-            <a:r>
-              <a:rPr lang="en-US" sz="2800" dirty="0">
-                <a:sym typeface="Wingdings" pitchFamily="2" charset="2"/>
-              </a:rPr>
-              <a:t></a:t>
-            </a:r>
-            <a:r>
-              <a:rPr lang="en-US" sz="2800" dirty="0"/>
-              <a:t> </a:t>
-            </a:r>
-            <a:r>
-              <a:rPr lang="en-US" sz="2800" dirty="0" err="1"/>
-              <a:t>besarnya</a:t>
-            </a:r>
-            <a:r>
-              <a:rPr lang="en-US" sz="2800" dirty="0"/>
-              <a:t> sales revenue </a:t>
-            </a:r>
-            <a:r>
-              <a:rPr lang="en-US" sz="2800" dirty="0" err="1"/>
-              <a:t>jika</a:t>
-            </a:r>
-            <a:r>
-              <a:rPr lang="en-US" sz="2800" dirty="0"/>
-              <a:t> </a:t>
-            </a:r>
-            <a:r>
-              <a:rPr lang="en-US" sz="2800" dirty="0" err="1"/>
-              <a:t>tidak</a:t>
-            </a:r>
-            <a:r>
-              <a:rPr lang="en-US" sz="2800" dirty="0"/>
-              <a:t> </a:t>
-            </a:r>
-            <a:r>
-              <a:rPr lang="en-US" sz="2800" dirty="0" err="1"/>
-              <a:t>ada</a:t>
-            </a:r>
-            <a:r>
-              <a:rPr lang="en-US" sz="2800" dirty="0"/>
-              <a:t> </a:t>
-            </a:r>
-            <a:r>
-              <a:rPr lang="en-US" sz="2800" dirty="0" err="1"/>
-              <a:t>belanja</a:t>
-            </a:r>
-            <a:r>
-              <a:rPr lang="en-US" sz="2800" dirty="0"/>
-              <a:t> </a:t>
-            </a:r>
-            <a:r>
-              <a:rPr lang="en-US" sz="2800" dirty="0" err="1"/>
-              <a:t>iklan</a:t>
-            </a:r>
-            <a:r>
-              <a:rPr lang="en-US" sz="2800" dirty="0"/>
-              <a:t> </a:t>
-            </a:r>
-            <a:r>
-              <a:rPr lang="en-US" sz="2800" dirty="0" err="1"/>
-              <a:t>adalah</a:t>
-            </a:r>
-            <a:r>
-              <a:rPr lang="en-US" sz="2800" dirty="0"/>
-              <a:t> 7.6 </a:t>
-            </a:r>
-            <a:r>
-              <a:rPr lang="en-US" sz="2800" dirty="0" err="1"/>
-              <a:t>juta</a:t>
-            </a:r>
-            <a:r>
-              <a:rPr lang="en-US" sz="2800" dirty="0"/>
-              <a:t> </a:t>
-            </a:r>
-            <a:r>
-              <a:rPr lang="en-US" sz="2800" dirty="0" err="1"/>
-              <a:t>dolar</a:t>
-            </a:r>
-            <a:endParaRPr lang="en-US" sz="2800" dirty="0"/>
-          </a:p>
-          <a:p>
-            <a:pPr>
-              <a:lnSpc>
-                <a:spcPct val="90000"/>
-              </a:lnSpc>
-            </a:pPr>
-            <a:r>
-              <a:rPr lang="en-US" sz="2800" dirty="0"/>
-              <a:t>b = 3.533 </a:t>
-            </a:r>
-            <a:r>
-              <a:rPr lang="en-US" sz="2800" dirty="0">
-                <a:sym typeface="Wingdings" pitchFamily="2" charset="2"/>
-              </a:rPr>
-              <a:t></a:t>
-            </a:r>
-            <a:r>
-              <a:rPr lang="en-US" sz="2800" dirty="0"/>
-              <a:t> </a:t>
-            </a:r>
-            <a:r>
-              <a:rPr lang="en-US" sz="2800" dirty="0" err="1"/>
-              <a:t>jika</a:t>
-            </a:r>
-            <a:r>
-              <a:rPr lang="en-US" sz="2800" dirty="0"/>
-              <a:t> </a:t>
-            </a:r>
-            <a:r>
-              <a:rPr lang="en-US" sz="2800" dirty="0" err="1"/>
-              <a:t>belanja</a:t>
-            </a:r>
-            <a:r>
-              <a:rPr lang="en-US" sz="2800" dirty="0"/>
-              <a:t> </a:t>
-            </a:r>
-            <a:r>
-              <a:rPr lang="en-US" sz="2800" dirty="0" err="1"/>
-              <a:t>iklan</a:t>
-            </a:r>
-            <a:r>
-              <a:rPr lang="en-US" sz="2800" dirty="0"/>
-              <a:t> </a:t>
-            </a:r>
-            <a:r>
-              <a:rPr lang="en-US" sz="2800" dirty="0" err="1"/>
-              <a:t>dinaikkan</a:t>
-            </a:r>
-            <a:r>
-              <a:rPr lang="en-US" sz="2800" dirty="0"/>
-              <a:t> 1 </a:t>
-            </a:r>
-            <a:r>
-              <a:rPr lang="en-US" sz="2800" dirty="0" err="1"/>
-              <a:t>juta</a:t>
-            </a:r>
-            <a:r>
-              <a:rPr lang="en-US" sz="2800" dirty="0"/>
-              <a:t> </a:t>
-            </a:r>
-            <a:r>
-              <a:rPr lang="en-US" sz="2800" dirty="0" err="1"/>
-              <a:t>dolar</a:t>
-            </a:r>
-            <a:r>
-              <a:rPr lang="en-US" sz="2800" dirty="0"/>
-              <a:t> </a:t>
-            </a:r>
-            <a:r>
-              <a:rPr lang="en-US" sz="2800" dirty="0" err="1"/>
-              <a:t>maka</a:t>
-            </a:r>
-            <a:r>
-              <a:rPr lang="en-US" sz="2800" dirty="0"/>
-              <a:t> sales revenue </a:t>
-            </a:r>
-            <a:r>
-              <a:rPr lang="en-US" sz="2800" dirty="0" err="1"/>
-              <a:t>naik</a:t>
-            </a:r>
-            <a:r>
-              <a:rPr lang="en-US" sz="2800" dirty="0"/>
-              <a:t> 3.533 </a:t>
-            </a:r>
-            <a:r>
-              <a:rPr lang="en-US" sz="2800" dirty="0" err="1"/>
-              <a:t>juta</a:t>
-            </a:r>
-            <a:r>
-              <a:rPr lang="en-US" sz="2800" dirty="0"/>
-              <a:t> </a:t>
-            </a:r>
-            <a:r>
-              <a:rPr lang="en-US" sz="2800" dirty="0" err="1"/>
-              <a:t>dolar</a:t>
-            </a:r>
-            <a:endParaRPr lang="en-US" sz="2800" dirty="0"/>
-          </a:p>
-        </p:txBody>
-      </p:sp>
-      <p:sp>
-        <p:nvSpPr>
-          <p:cNvPr id="4" name="Rectangle 2"/>
-          <p:cNvSpPr txBox="1">
-            <a:spLocks noChangeArrowheads="1"/>
-          </p:cNvSpPr>
-          <p:nvPr/>
-        </p:nvSpPr>
-        <p:spPr>
-          <a:xfrm>
-            <a:off x="1104900" y="76200"/>
-            <a:ext cx="9980682" cy="1096962"/>
-          </a:xfrm>
-          <a:prstGeom prst="rect">
-            <a:avLst/>
-          </a:prstGeom>
-        </p:spPr>
-        <p:txBody>
-          <a:bodyPr vert="horz" lIns="0" tIns="45720" rIns="0" bIns="45720" rtlCol="0" anchor="b">
-            <a:normAutofit/>
-          </a:bodyPr>
-          <a:lstStyle>
-            <a:lvl1pPr algn="l" defTabSz="914400" rtl="0" eaLnBrk="1" latinLnBrk="0" hangingPunct="1">
-              <a:lnSpc>
-                <a:spcPct val="90000"/>
-              </a:lnSpc>
-              <a:spcBef>
-                <a:spcPct val="0"/>
-              </a:spcBef>
-              <a:buNone/>
-              <a:defRPr sz="2800" kern="1200">
-                <a:solidFill>
-                  <a:schemeClr val="tx1"/>
-                </a:solidFill>
-                <a:latin typeface="+mj-lt"/>
-                <a:ea typeface="+mj-ea"/>
-                <a:cs typeface="+mj-cs"/>
-              </a:defRPr>
-            </a:lvl1pPr>
-          </a:lstStyle>
-          <a:p>
-            <a:r>
-              <a:rPr lang="en-US" dirty="0" err="1" smtClean="0"/>
-              <a:t>Koefisien</a:t>
-            </a:r>
-            <a:r>
-              <a:rPr lang="en-US" dirty="0" smtClean="0"/>
-              <a:t> </a:t>
-            </a:r>
-            <a:r>
-              <a:rPr lang="en-US" dirty="0" err="1" smtClean="0"/>
-              <a:t>Regresi</a:t>
-            </a:r>
-            <a:endParaRPr lang="en-US" dirty="0"/>
           </a:p>
         </p:txBody>
       </p:sp>
     </p:spTree>
     <p:extLst>
       <p:ext uri="{BB962C8B-B14F-4D97-AF65-F5344CB8AC3E}">
-        <p14:creationId xmlns:p14="http://schemas.microsoft.com/office/powerpoint/2010/main" val="1020124606"/>
+        <p14:creationId xmlns:p14="http://schemas.microsoft.com/office/powerpoint/2010/main" val="384589654"/>
       </p:ext>
     </p:extLst>
   </p:cSld>
@@ -23022,7 +23095,7 @@
       </p:grpSpPr>
       <p:sp>
         <p:nvSpPr>
-          <p:cNvPr id="11266" name="Rectangle 2"/>
+          <p:cNvPr id="14338" name="Rectangle 2"/>
           <p:cNvSpPr>
             <a:spLocks noGrp="1" noChangeArrowheads="1"/>
           </p:cNvSpPr>
@@ -23037,170 +23110,195 @@
           <a:p>
             <a:r>
               <a:rPr lang="en-US"/>
-              <a:t>Uji Signifikasi Koefisien b</a:t>
+              <a:t>Ukuran Kebaikan Model</a:t>
             </a:r>
           </a:p>
         </p:txBody>
       </p:sp>
       <p:sp>
         <p:nvSpPr>
-          <p:cNvPr id="11269" name="Text Box 5"/>
-          <p:cNvSpPr txBox="1">
-            <a:spLocks noChangeArrowheads="1"/>
+          <p:cNvPr id="14339" name="Rectangle 3"/>
+          <p:cNvSpPr>
+            <a:spLocks noGrp="1" noChangeArrowheads="1"/>
           </p:cNvSpPr>
-          <p:nvPr/>
+          <p:nvPr>
+            <p:ph type="body" idx="1"/>
+          </p:nvPr>
         </p:nvSpPr>
-        <p:spPr bwMode="auto">
-          <a:xfrm>
-            <a:off x="1038225" y="1823236"/>
-            <a:ext cx="7772400" cy="1160463"/>
-          </a:xfrm>
-          <a:prstGeom prst="rect">
-            <a:avLst/>
-          </a:prstGeom>
-          <a:noFill/>
-          <a:ln w="9525">
-            <a:noFill/>
-            <a:miter lim="800000"/>
-            <a:headEnd/>
-            <a:tailEnd/>
-          </a:ln>
-          <a:effectLst/>
-        </p:spPr>
+        <p:spPr/>
         <p:txBody>
-          <a:bodyPr>
-            <a:spAutoFit/>
-          </a:bodyPr>
+          <a:bodyPr/>
           <a:lstStyle/>
           <a:p>
-            <a:pPr algn="just">
-              <a:spcBef>
-                <a:spcPct val="50000"/>
-              </a:spcBef>
+            <a:pPr>
+              <a:lnSpc>
+                <a:spcPct val="90000"/>
+              </a:lnSpc>
             </a:pPr>
             <a:r>
-              <a:rPr lang="en-US" sz="2800" dirty="0">
-                <a:latin typeface="Trebuchet MS" pitchFamily="34" charset="0"/>
-              </a:rPr>
-              <a:t>H</a:t>
-            </a:r>
-            <a:r>
-              <a:rPr lang="en-US" sz="2800" baseline="-25000" dirty="0">
-                <a:latin typeface="Trebuchet MS" pitchFamily="34" charset="0"/>
-              </a:rPr>
-              <a:t>0</a:t>
-            </a:r>
-            <a:r>
-              <a:rPr lang="en-US" sz="2800" dirty="0">
-                <a:latin typeface="Trebuchet MS" pitchFamily="34" charset="0"/>
-              </a:rPr>
-              <a:t> : b = 0 (</a:t>
-            </a:r>
-            <a:r>
-              <a:rPr lang="en-US" sz="2800" dirty="0" err="1">
-                <a:latin typeface="Trebuchet MS" pitchFamily="34" charset="0"/>
-              </a:rPr>
-              <a:t>artinya</a:t>
-            </a:r>
-            <a:r>
-              <a:rPr lang="en-US" sz="2800" dirty="0">
-                <a:latin typeface="Trebuchet MS" pitchFamily="34" charset="0"/>
-              </a:rPr>
-              <a:t> X </a:t>
-            </a:r>
-            <a:r>
-              <a:rPr lang="en-US" sz="2800" dirty="0" err="1">
-                <a:latin typeface="Trebuchet MS" pitchFamily="34" charset="0"/>
-              </a:rPr>
-              <a:t>tidak</a:t>
-            </a:r>
-            <a:r>
-              <a:rPr lang="en-US" sz="2800" dirty="0">
-                <a:latin typeface="Trebuchet MS" pitchFamily="34" charset="0"/>
-              </a:rPr>
-              <a:t> </a:t>
-            </a:r>
-            <a:r>
-              <a:rPr lang="en-US" sz="2800" dirty="0" err="1">
-                <a:latin typeface="Trebuchet MS" pitchFamily="34" charset="0"/>
-              </a:rPr>
-              <a:t>mempengaruhi</a:t>
-            </a:r>
-            <a:r>
-              <a:rPr lang="en-US" sz="2800" dirty="0">
-                <a:latin typeface="Trebuchet MS" pitchFamily="34" charset="0"/>
-              </a:rPr>
-              <a:t> Y)</a:t>
-            </a:r>
-          </a:p>
-          <a:p>
-            <a:pPr algn="just">
-              <a:spcBef>
-                <a:spcPct val="50000"/>
-              </a:spcBef>
+              <a:rPr lang="en-US" dirty="0" err="1"/>
+              <a:t>Menggunakan</a:t>
+            </a:r>
+            <a:r>
+              <a:rPr lang="en-US" dirty="0"/>
+              <a:t> </a:t>
+            </a:r>
+            <a:r>
+              <a:rPr lang="en-US" dirty="0" err="1"/>
+              <a:t>koefisien</a:t>
+            </a:r>
+            <a:r>
+              <a:rPr lang="en-US" dirty="0"/>
+              <a:t> </a:t>
+            </a:r>
+            <a:r>
+              <a:rPr lang="en-US" dirty="0" err="1"/>
+              <a:t>determinasi</a:t>
+            </a:r>
+            <a:r>
+              <a:rPr lang="en-US" dirty="0"/>
+              <a:t> (R</a:t>
+            </a:r>
+            <a:r>
+              <a:rPr lang="en-US" baseline="30000" dirty="0"/>
+              <a:t>2</a:t>
+            </a:r>
+            <a:r>
+              <a:rPr lang="en-US" dirty="0"/>
+              <a:t>, R-squared)</a:t>
+            </a:r>
+          </a:p>
+          <a:p>
+            <a:pPr>
+              <a:lnSpc>
+                <a:spcPct val="90000"/>
+              </a:lnSpc>
             </a:pPr>
             <a:r>
-              <a:rPr lang="en-US" sz="2800" dirty="0">
-                <a:latin typeface="Trebuchet MS" pitchFamily="34" charset="0"/>
-              </a:rPr>
-              <a:t>H</a:t>
-            </a:r>
-            <a:r>
-              <a:rPr lang="en-US" sz="2800" baseline="-25000" dirty="0">
-                <a:latin typeface="Trebuchet MS" pitchFamily="34" charset="0"/>
-              </a:rPr>
-              <a:t>1</a:t>
-            </a:r>
-            <a:r>
-              <a:rPr lang="en-US" sz="2800" dirty="0">
-                <a:latin typeface="Trebuchet MS" pitchFamily="34" charset="0"/>
-              </a:rPr>
-              <a:t> : b </a:t>
-            </a:r>
-            <a:r>
-              <a:rPr lang="en-US" sz="2800" dirty="0">
-                <a:latin typeface="Trebuchet MS" pitchFamily="34" charset="0"/>
-                <a:sym typeface="Symbol" pitchFamily="18" charset="2"/>
-              </a:rPr>
-              <a:t> 0 (</a:t>
-            </a:r>
-            <a:r>
-              <a:rPr lang="en-US" sz="2800" dirty="0" err="1">
-                <a:latin typeface="Trebuchet MS" pitchFamily="34" charset="0"/>
-                <a:sym typeface="Symbol" pitchFamily="18" charset="2"/>
-              </a:rPr>
-              <a:t>artinya</a:t>
-            </a:r>
-            <a:r>
-              <a:rPr lang="en-US" sz="2800" dirty="0">
-                <a:latin typeface="Trebuchet MS" pitchFamily="34" charset="0"/>
-                <a:sym typeface="Symbol" pitchFamily="18" charset="2"/>
-              </a:rPr>
-              <a:t> X </a:t>
-            </a:r>
-            <a:r>
-              <a:rPr lang="en-US" sz="2800" dirty="0" err="1">
-                <a:latin typeface="Trebuchet MS" pitchFamily="34" charset="0"/>
-                <a:sym typeface="Symbol" pitchFamily="18" charset="2"/>
-              </a:rPr>
-              <a:t>mempengaruhi</a:t>
-            </a:r>
-            <a:r>
-              <a:rPr lang="en-US" sz="2800" dirty="0">
-                <a:latin typeface="Trebuchet MS" pitchFamily="34" charset="0"/>
-                <a:sym typeface="Symbol" pitchFamily="18" charset="2"/>
-              </a:rPr>
-              <a:t> Y)</a:t>
-            </a:r>
-            <a:endParaRPr lang="en-US" sz="2800" dirty="0">
-              <a:latin typeface="Trebuchet MS" pitchFamily="34" charset="0"/>
-            </a:endParaRPr>
+              <a:rPr lang="en-US" dirty="0"/>
+              <a:t>R-squared </a:t>
+            </a:r>
+            <a:r>
+              <a:rPr lang="en-US" dirty="0" err="1"/>
+              <a:t>bernilai</a:t>
+            </a:r>
+            <a:r>
+              <a:rPr lang="en-US" dirty="0"/>
+              <a:t> </a:t>
+            </a:r>
+            <a:r>
+              <a:rPr lang="en-US" dirty="0" err="1"/>
+              <a:t>antara</a:t>
+            </a:r>
+            <a:r>
+              <a:rPr lang="en-US" dirty="0"/>
+              <a:t> 0 s/d 1</a:t>
+            </a:r>
+          </a:p>
+          <a:p>
+            <a:pPr>
+              <a:lnSpc>
+                <a:spcPct val="90000"/>
+              </a:lnSpc>
+            </a:pPr>
+            <a:r>
+              <a:rPr lang="en-US" dirty="0"/>
+              <a:t>R-squared </a:t>
+            </a:r>
+            <a:r>
+              <a:rPr lang="en-US" dirty="0" err="1"/>
+              <a:t>adalah</a:t>
+            </a:r>
+            <a:r>
+              <a:rPr lang="en-US" dirty="0"/>
+              <a:t> </a:t>
+            </a:r>
+            <a:r>
+              <a:rPr lang="en-US" dirty="0" err="1"/>
+              <a:t>persentase</a:t>
+            </a:r>
+            <a:r>
+              <a:rPr lang="en-US" dirty="0"/>
+              <a:t> </a:t>
+            </a:r>
+            <a:r>
+              <a:rPr lang="en-US" dirty="0" err="1"/>
+              <a:t>keragaman</a:t>
+            </a:r>
+            <a:r>
+              <a:rPr lang="en-US" dirty="0"/>
+              <a:t> data yang </a:t>
+            </a:r>
+            <a:r>
+              <a:rPr lang="en-US" dirty="0" err="1"/>
+              <a:t>mampu</a:t>
+            </a:r>
+            <a:r>
+              <a:rPr lang="en-US" dirty="0"/>
+              <a:t> </a:t>
+            </a:r>
+            <a:r>
+              <a:rPr lang="en-US" dirty="0" err="1"/>
+              <a:t>diterangkan</a:t>
+            </a:r>
+            <a:r>
+              <a:rPr lang="en-US" dirty="0"/>
+              <a:t> </a:t>
+            </a:r>
+            <a:r>
+              <a:rPr lang="en-US" dirty="0" err="1"/>
+              <a:t>oleh</a:t>
+            </a:r>
+            <a:r>
+              <a:rPr lang="en-US" dirty="0"/>
+              <a:t> model</a:t>
+            </a:r>
+          </a:p>
+          <a:p>
+            <a:pPr>
+              <a:lnSpc>
+                <a:spcPct val="90000"/>
+              </a:lnSpc>
+            </a:pPr>
+            <a:r>
+              <a:rPr lang="en-US" dirty="0"/>
+              <a:t>R-squared </a:t>
+            </a:r>
+            <a:r>
+              <a:rPr lang="en-US" dirty="0" err="1"/>
+              <a:t>tinggi</a:t>
+            </a:r>
+            <a:r>
+              <a:rPr lang="en-US" dirty="0"/>
+              <a:t> </a:t>
+            </a:r>
+            <a:r>
+              <a:rPr lang="en-US" dirty="0" err="1"/>
+              <a:t>adalah</a:t>
+            </a:r>
+            <a:r>
+              <a:rPr lang="en-US" dirty="0"/>
+              <a:t> </a:t>
+            </a:r>
+            <a:r>
+              <a:rPr lang="en-US" dirty="0" err="1"/>
+              <a:t>indikasi</a:t>
+            </a:r>
+            <a:r>
+              <a:rPr lang="en-US" dirty="0"/>
+              <a:t> model yang </a:t>
+            </a:r>
+            <a:r>
+              <a:rPr lang="en-US" dirty="0" err="1"/>
+              <a:t>baik</a:t>
+            </a:r>
+            <a:endParaRPr lang="en-US" dirty="0"/>
           </a:p>
         </p:txBody>
       </p:sp>
       <p:sp>
         <p:nvSpPr>
-          <p:cNvPr id="11270" name="Text Box 6"/>
+          <p:cNvPr id="4" name="Text Box 6"/>
           <p:cNvSpPr txBox="1">
             <a:spLocks noChangeArrowheads="1"/>
           </p:cNvSpPr>
@@ -23235,100 +23333,112 @@
               </a:lnSpc>
             </a:pPr>
             <a:r>
-              <a:rPr lang="en-US" sz="2800" dirty="0" err="1">
+              <a:rPr lang="en-US" sz="2800" dirty="0" err="1" smtClean="0">
                 <a:sym typeface="Symbol" pitchFamily="18" charset="2"/>
               </a:rPr>
               <a:t>Kesimpulan</a:t>
             </a:r>
             <a:r>
-              <a:rPr lang="en-US" sz="2800" dirty="0">
+              <a:rPr lang="en-US" sz="2800" dirty="0" smtClean="0">
                 <a:sym typeface="Symbol" pitchFamily="18" charset="2"/>
               </a:rPr>
-              <a:t> : </a:t>
-            </a:r>
-            <a:r>
-              <a:rPr lang="en-US" sz="2800" dirty="0" err="1">
+              <a:t>: R-squared </a:t>
+            </a:r>
+            <a:r>
+              <a:rPr lang="en-US" sz="2800" dirty="0" err="1" smtClean="0">
                 <a:sym typeface="Symbol" pitchFamily="18" charset="2"/>
               </a:rPr>
-              <a:t>Tolak</a:t>
-            </a:r>
-            <a:r>
-              <a:rPr lang="en-US" sz="2800" dirty="0">
+              <a:t>sebesar</a:t>
+            </a:r>
+            <a:r>
+              <a:rPr lang="en-US" sz="2800" dirty="0" smtClean="0">
                 <a:sym typeface="Symbol" pitchFamily="18" charset="2"/>
               </a:rPr>
-              <a:t> H</a:t>
-            </a:r>
-            <a:r>
-              <a:rPr lang="en-US" sz="2800" baseline="-25000" dirty="0">
+              <a:t> 85,12%. </a:t>
+            </a:r>
+            <a:r>
+              <a:rPr lang="en-US" sz="2800" dirty="0" err="1" smtClean="0">
                 <a:sym typeface="Symbol" pitchFamily="18" charset="2"/>
               </a:rPr>
-              <a:t>0</a:t>
-            </a:r>
-            <a:r>
-              <a:rPr lang="en-US" sz="2800" dirty="0">
+              <a:t>Sebesar</a:t>
+            </a:r>
+            <a:r>
+              <a:rPr lang="en-US" sz="2800" dirty="0" smtClean="0">
                 <a:sym typeface="Symbol" pitchFamily="18" charset="2"/>
               </a:rPr>
-              <a:t>, data </a:t>
-            </a:r>
-            <a:r>
-              <a:rPr lang="en-US" sz="2800" dirty="0" err="1">
+              <a:t> 85,12% </a:t>
+            </a:r>
+            <a:r>
+              <a:rPr lang="en-US" sz="2800" dirty="0" err="1" smtClean="0">
                 <a:sym typeface="Symbol" pitchFamily="18" charset="2"/>
               </a:rPr>
-              <a:t>mendukung</a:t>
-            </a:r>
-            <a:r>
-              <a:rPr lang="en-US" sz="2800" dirty="0">
+              <a:t>keragaman</a:t>
+            </a:r>
+            <a:r>
+              <a:rPr lang="en-US" sz="2800" dirty="0" smtClean="0">
                 <a:sym typeface="Symbol" pitchFamily="18" charset="2"/>
               </a:rPr>
-              <a:t> </a:t>
-            </a:r>
-            <a:r>
-              <a:rPr lang="en-US" sz="2800" dirty="0" err="1">
+              <a:t> data </a:t>
+            </a:r>
+            <a:r>
+              <a:rPr lang="en-US" sz="2800" dirty="0" err="1" smtClean="0">
                 <a:sym typeface="Symbol" pitchFamily="18" charset="2"/>
               </a:rPr>
-              <a:t>kesimpulan</a:t>
-            </a:r>
-            <a:r>
-              <a:rPr lang="en-US" sz="2800" dirty="0">
+              <a:t>hasil</a:t>
+            </a:r>
+            <a:r>
+              <a:rPr lang="en-US" sz="2800" dirty="0" smtClean="0">
                 <a:sym typeface="Symbol" pitchFamily="18" charset="2"/>
               </a:rPr>
               <a:t> </a:t>
             </a:r>
             <a:r>
-              <a:rPr lang="en-US" sz="2800" dirty="0" err="1">
+              <a:rPr lang="en-US" sz="2800" dirty="0" err="1" smtClean="0">
                 <a:sym typeface="Symbol" pitchFamily="18" charset="2"/>
               </a:rPr>
-              <a:t>adanya</a:t>
-            </a:r>
-            <a:r>
-              <a:rPr lang="en-US" sz="2800" dirty="0">
+              <a:t>penjualan</a:t>
+            </a:r>
+            <a:r>
+              <a:rPr lang="en-US" sz="2800" dirty="0" smtClean="0">
                 <a:sym typeface="Symbol" pitchFamily="18" charset="2"/>
               </a:rPr>
               <a:t> </a:t>
             </a:r>
             <a:r>
-              <a:rPr lang="en-US" sz="2800" dirty="0" err="1">
+              <a:rPr lang="en-US" sz="2800" dirty="0" err="1" smtClean="0">
                 <a:sym typeface="Symbol" pitchFamily="18" charset="2"/>
               </a:rPr>
-              <a:t>pengaruh</a:t>
-            </a:r>
-            <a:r>
-              <a:rPr lang="en-US" sz="2800" dirty="0">
+              <a:t>mampu</a:t>
+            </a:r>
+            <a:r>
+              <a:rPr lang="en-US" sz="2800" dirty="0" smtClean="0">
                 <a:sym typeface="Symbol" pitchFamily="18" charset="2"/>
               </a:rPr>
-              <a:t> ads expenditure </a:t>
-            </a:r>
-            <a:r>
-              <a:rPr lang="en-US" sz="2800" dirty="0" err="1">
+              <a:t> </a:t>
+            </a:r>
+            <a:r>
+              <a:rPr lang="en-US" sz="2800" dirty="0" err="1" smtClean="0">
                 <a:sym typeface="Symbol" pitchFamily="18" charset="2"/>
               </a:rPr>
-              <a:t>terhadap</a:t>
-            </a:r>
-            <a:r>
-              <a:rPr lang="en-US" sz="2800" dirty="0">
+              <a:t>dijelaskan</a:t>
+            </a:r>
+            <a:r>
+              <a:rPr lang="en-US" sz="2800" dirty="0" smtClean="0">
                 <a:sym typeface="Symbol" pitchFamily="18" charset="2"/>
               </a:rPr>
-              <a:t> sales revenue.</a:t>
+              <a:t> </a:t>
+            </a:r>
+            <a:r>
+              <a:rPr lang="en-US" sz="2800" dirty="0" err="1" smtClean="0">
+                <a:sym typeface="Symbol" pitchFamily="18" charset="2"/>
+              </a:rPr>
+              <a:t>oleh</a:t>
+            </a:r>
+            <a:r>
+              <a:rPr lang="en-US" sz="2800" dirty="0" smtClean="0">
+                <a:sym typeface="Symbol" pitchFamily="18" charset="2"/>
+              </a:rPr>
+              <a:t> model.</a:t>
             </a:r>
             <a:endParaRPr lang="en-US" sz="2800" dirty="0"/>
           </a:p>
@@ -23337,7 +23447,7 @@
     </p:spTree>
     <p:extLst>
       <p:ext uri="{BB962C8B-B14F-4D97-AF65-F5344CB8AC3E}">
-        <p14:creationId xmlns:p14="http://schemas.microsoft.com/office/powerpoint/2010/main" val="384589654"/>
+        <p14:creationId xmlns:p14="http://schemas.microsoft.com/office/powerpoint/2010/main" val="973836777"/>
       </p:ext>
     </p:extLst>
   </p:cSld>
@@ -23385,9 +23495,9 @@
       </p:grpSpPr>
       <p:sp>
         <p:nvSpPr>
-          <p:cNvPr id="14338" name="Rectangle 2"/>
+          <p:cNvPr id="2" name="Title 1"/>
           <p:cNvSpPr>
-            <a:spLocks noGrp="1" noChangeArrowheads="1"/>
+            <a:spLocks noGrp="1"/>
           </p:cNvSpPr>
           <p:nvPr>
             <p:ph type="title"/>
@@ -23399,217 +23509,67 @@
           <a:lstStyle/>
           <a:p>
             <a:r>
-              <a:rPr lang="en-US"/>
-              <a:t>Ukuran Kebaikan Model</a:t>
-            </a:r>
+              <a:rPr lang="en-US" dirty="0" err="1" smtClean="0"/>
+              <a:t>Praktek</a:t>
+            </a:r>
+            <a:r>
+              <a:rPr lang="en-US" dirty="0" smtClean="0"/>
+              <a:t> # </a:t>
+            </a:r>
+            <a:r>
+              <a:rPr lang="en-US" dirty="0" err="1" smtClean="0"/>
+              <a:t>Regresi</a:t>
+            </a:r>
+            <a:r>
+              <a:rPr lang="en-US" dirty="0" smtClean="0"/>
+              <a:t> Linear </a:t>
+            </a:r>
+            <a:r>
+              <a:rPr lang="en-US" dirty="0" err="1" smtClean="0"/>
+              <a:t>Sederhana</a:t>
+            </a:r>
+            <a:endParaRPr lang="en-US" dirty="0"/>
           </a:p>
         </p:txBody>
       </p:sp>
-      <p:sp>
-        <p:nvSpPr>
-          <p:cNvPr id="14339" name="Rectangle 3"/>
-          <p:cNvSpPr>
-            <a:spLocks noGrp="1" noChangeArrowheads="1"/>
-          </p:cNvSpPr>
-          <p:nvPr>
-            <p:ph type="body" idx="1"/>
-          </p:nvPr>
-        </p:nvSpPr>
-        <p:spPr/>
-        <p:txBody>
-          <a:bodyPr/>
-          <a:lstStyle/>
-          <a:p>
-            <a:pPr>
-              <a:lnSpc>
-                <a:spcPct val="90000"/>
-              </a:lnSpc>
-            </a:pPr>
-            <a:r>
-              <a:rPr lang="en-US" dirty="0" err="1"/>
-              <a:t>Menggunakan</a:t>
-            </a:r>
-            <a:r>
-              <a:rPr lang="en-US" dirty="0"/>
-              <a:t> </a:t>
-            </a:r>
-            <a:r>
-              <a:rPr lang="en-US" dirty="0" err="1"/>
-              <a:t>koefisien</a:t>
-            </a:r>
-            <a:r>
-              <a:rPr lang="en-US" dirty="0"/>
-              <a:t> </a:t>
-            </a:r>
-            <a:r>
-              <a:rPr lang="en-US" dirty="0" err="1"/>
-              <a:t>determinasi</a:t>
-            </a:r>
-            <a:r>
-              <a:rPr lang="en-US" dirty="0"/>
-              <a:t> (R</a:t>
-            </a:r>
-            <a:r>
-              <a:rPr lang="en-US" baseline="30000" dirty="0"/>
-              <a:t>2</a:t>
-            </a:r>
-            <a:r>
-              <a:rPr lang="en-US" dirty="0"/>
-              <a:t>, R-squared)</a:t>
-            </a:r>
-          </a:p>
-          <a:p>
-            <a:pPr>
-              <a:lnSpc>
-                <a:spcPct val="90000"/>
-              </a:lnSpc>
-            </a:pPr>
-            <a:r>
-              <a:rPr lang="en-US" dirty="0"/>
-              <a:t>R-squared </a:t>
-            </a:r>
-            <a:r>
-              <a:rPr lang="en-US" dirty="0" err="1"/>
-              <a:t>bernilai</a:t>
-            </a:r>
-            <a:r>
-              <a:rPr lang="en-US" dirty="0"/>
-              <a:t> </a:t>
-            </a:r>
-            <a:r>
-              <a:rPr lang="en-US" dirty="0" err="1"/>
-              <a:t>antara</a:t>
-            </a:r>
-            <a:r>
-              <a:rPr lang="en-US" dirty="0"/>
-              <a:t> 0 s/d 1</a:t>
-            </a:r>
-          </a:p>
-          <a:p>
-            <a:pPr>
-              <a:lnSpc>
-                <a:spcPct val="90000"/>
-              </a:lnSpc>
-            </a:pPr>
-            <a:r>
-              <a:rPr lang="en-US" dirty="0"/>
-              <a:t>R-squared </a:t>
-            </a:r>
-            <a:r>
-              <a:rPr lang="en-US" dirty="0" err="1"/>
-              <a:t>adalah</a:t>
-            </a:r>
-            <a:r>
-              <a:rPr lang="en-US" dirty="0"/>
-              <a:t> </a:t>
-            </a:r>
-            <a:r>
-              <a:rPr lang="en-US" dirty="0" err="1"/>
-              <a:t>persentase</a:t>
-            </a:r>
-            <a:r>
-              <a:rPr lang="en-US" dirty="0"/>
-              <a:t> </a:t>
-            </a:r>
-            <a:r>
-              <a:rPr lang="en-US" dirty="0" err="1"/>
-              <a:t>keragaman</a:t>
-            </a:r>
-            <a:r>
-              <a:rPr lang="en-US" dirty="0"/>
-              <a:t> data yang </a:t>
-            </a:r>
-            <a:r>
-              <a:rPr lang="en-US" dirty="0" err="1"/>
-              <a:t>mampu</a:t>
-            </a:r>
-            <a:r>
-              <a:rPr lang="en-US" dirty="0"/>
-              <a:t> </a:t>
-            </a:r>
-            <a:r>
-              <a:rPr lang="en-US" dirty="0" err="1"/>
-              <a:t>diterangkan</a:t>
-            </a:r>
-            <a:r>
-              <a:rPr lang="en-US" dirty="0"/>
-              <a:t> </a:t>
-            </a:r>
-            <a:r>
-              <a:rPr lang="en-US" dirty="0" err="1"/>
-              <a:t>oleh</a:t>
-            </a:r>
-            <a:r>
-              <a:rPr lang="en-US" dirty="0"/>
-              <a:t> model</a:t>
-            </a:r>
-          </a:p>
-          <a:p>
-            <a:pPr>
-              <a:lnSpc>
-                <a:spcPct val="90000"/>
-              </a:lnSpc>
-            </a:pPr>
-            <a:r>
-              <a:rPr lang="en-US" dirty="0"/>
-              <a:t>R-squared </a:t>
-            </a:r>
-            <a:r>
-              <a:rPr lang="en-US" dirty="0" err="1"/>
-              <a:t>tinggi</a:t>
-            </a:r>
-            <a:r>
-              <a:rPr lang="en-US" dirty="0"/>
-              <a:t> </a:t>
-            </a:r>
-            <a:r>
-              <a:rPr lang="en-US" dirty="0" err="1"/>
-              <a:t>adalah</a:t>
-            </a:r>
-            <a:r>
-              <a:rPr lang="en-US" dirty="0"/>
-              <a:t> </a:t>
-            </a:r>
-            <a:r>
-              <a:rPr lang="en-US" dirty="0" err="1"/>
-              <a:t>indikasi</a:t>
-            </a:r>
-            <a:r>
-              <a:rPr lang="en-US" dirty="0"/>
-              <a:t> model yang </a:t>
-            </a:r>
-            <a:r>
-              <a:rPr lang="en-US" dirty="0" err="1"/>
-              <a:t>baik</a:t>
-            </a:r>
-            <a:endParaRPr lang="en-US" dirty="0"/>
-          </a:p>
-        </p:txBody>
-      </p:sp>
-      <p:sp>
-        <p:nvSpPr>
-          <p:cNvPr id="4" name="Text Box 6"/>
-          <p:cNvSpPr txBox="1">
-            <a:spLocks noChangeArrowheads="1"/>
-          </p:cNvSpPr>
+      <p:pic>
+        <p:nvPicPr>
+          <p:cNvPr id="4" name="Picture 3"/>
+          <p:cNvPicPr>
+            <a:picLocks noChangeAspect="1"/>
+          </p:cNvPicPr>
           <p:nvPr/>
-        </p:nvSpPr>
-        <p:spPr bwMode="auto">
+        </p:nvPicPr>
+        <p:blipFill>
+          <a:blip r:embed="rId2"/>
+          <a:stretch>
+            <a:fillRect/>
+          </a:stretch>
+        </p:blipFill>
+        <p:spPr>
           <a:xfrm>
-            <a:off x="985911" y="3888204"/>
-            <a:ext cx="10218660" cy="867930"/>
+            <a:off x="1104900" y="2685058"/>
+            <a:ext cx="6457950" cy="3476625"/>
           </a:xfrm>
           <a:prstGeom prst="rect">
             <a:avLst/>
           </a:prstGeom>
-          <a:noFill/>
-          <a:ln w="9525">
-            <a:noFill/>
-            <a:miter lim="800000"/>
-            <a:headEnd/>
-            <a:tailEnd/>
-          </a:ln>
-          <a:effectLst/>
+        </p:spPr>
+      </p:pic>
+      <p:sp>
+        <p:nvSpPr>
+          <p:cNvPr id="5" name="Rectangle 4"/>
+          <p:cNvSpPr/>
+          <p:nvPr/>
+        </p:nvSpPr>
+        <p:spPr>
+          <a:xfrm>
+            <a:off x="989841" y="1467445"/>
+            <a:ext cx="8649459" cy="923330"/>
+          </a:xfrm>
+          <a:prstGeom prst="rect">
+            <a:avLst/>
+          </a:prstGeom>
         </p:spPr>
         <p:txBody>
           <a:bodyPr wrap="square">
@@ -23617,127 +23577,129 @@
           </a:bodyPr>
           <a:lstStyle/>
           <a:p>
-            <a:pPr>
-              <a:lnSpc>
-                <a:spcPct val="90000"/>
-              </a:lnSpc>
-            </a:pPr>
-            <a:r>
-              <a:rPr lang="en-US" sz="2800" dirty="0" err="1" smtClean="0">
-                <a:sym typeface="Symbol" pitchFamily="18" charset="2"/>
-              </a:rPr>
-              <a:t>Kesimpulan</a:t>
-            </a:r>
-            <a:r>
-              <a:rPr lang="en-US" sz="2800" dirty="0" smtClean="0">
-                <a:sym typeface="Symbol" pitchFamily="18" charset="2"/>
-              </a:rPr>
-              <a:t>: R-squared </a:t>
-            </a:r>
-            <a:r>
-              <a:rPr lang="en-US" sz="2800" dirty="0" err="1" smtClean="0">
-                <a:sym typeface="Symbol" pitchFamily="18" charset="2"/>
-              </a:rPr>
-              <a:t>sebesar</a:t>
-            </a:r>
-            <a:r>
-              <a:rPr lang="en-US" sz="2800" dirty="0" smtClean="0">
-                <a:sym typeface="Symbol" pitchFamily="18" charset="2"/>
-              </a:rPr>
-              <a:t> 85,12%. </a:t>
-            </a:r>
-            <a:r>
-              <a:rPr lang="en-US" sz="2800" dirty="0" err="1" smtClean="0">
-                <a:sym typeface="Symbol" pitchFamily="18" charset="2"/>
-              </a:rPr>
-              <a:t>Sebesar</a:t>
-            </a:r>
-            <a:r>
-              <a:rPr lang="en-US" sz="2800" dirty="0" smtClean="0">
-                <a:sym typeface="Symbol" pitchFamily="18" charset="2"/>
-              </a:rPr>
-              <a:t> 85,12% </a:t>
-            </a:r>
-            <a:r>
-              <a:rPr lang="en-US" sz="2800" dirty="0" err="1" smtClean="0">
-                <a:sym typeface="Symbol" pitchFamily="18" charset="2"/>
-              </a:rPr>
-              <a:t>keragaman</a:t>
-            </a:r>
-            <a:r>
-              <a:rPr lang="en-US" sz="2800" dirty="0" smtClean="0">
-                <a:sym typeface="Symbol" pitchFamily="18" charset="2"/>
-              </a:rPr>
-              <a:t> data </a:t>
-            </a:r>
-            <a:r>
-              <a:rPr lang="en-US" sz="2800" dirty="0" err="1" smtClean="0">
-                <a:sym typeface="Symbol" pitchFamily="18" charset="2"/>
-              </a:rPr>
-              <a:t>hasil</a:t>
-            </a:r>
-            <a:r>
-              <a:rPr lang="en-US" sz="2800" dirty="0" smtClean="0">
-                <a:sym typeface="Symbol" pitchFamily="18" charset="2"/>
-              </a:rPr>
-              <a:t> </a:t>
-            </a:r>
-            <a:r>
-              <a:rPr lang="en-US" sz="2800" dirty="0" err="1" smtClean="0">
-                <a:sym typeface="Symbol" pitchFamily="18" charset="2"/>
-              </a:rPr>
-              <a:t>penjualan</a:t>
-            </a:r>
-            <a:r>
-              <a:rPr lang="en-US" sz="2800" dirty="0" smtClean="0">
-                <a:sym typeface="Symbol" pitchFamily="18" charset="2"/>
-              </a:rPr>
-              <a:t> </a:t>
-            </a:r>
-            <a:r>
-              <a:rPr lang="en-US" sz="2800" dirty="0" err="1" smtClean="0">
-                <a:sym typeface="Symbol" pitchFamily="18" charset="2"/>
-              </a:rPr>
-              <a:t>mampu</a:t>
-            </a:r>
-            <a:r>
-              <a:rPr lang="en-US" sz="2800" dirty="0" smtClean="0">
-                <a:sym typeface="Symbol" pitchFamily="18" charset="2"/>
-              </a:rPr>
-              <a:t> </a:t>
-            </a:r>
-            <a:r>
-              <a:rPr lang="en-US" sz="2800" dirty="0" err="1" smtClean="0">
-                <a:sym typeface="Symbol" pitchFamily="18" charset="2"/>
-              </a:rPr>
-              <a:t>dijelaskan</a:t>
-            </a:r>
-            <a:r>
-              <a:rPr lang="en-US" sz="2800" dirty="0" smtClean="0">
-                <a:sym typeface="Symbol" pitchFamily="18" charset="2"/>
-              </a:rPr>
-              <a:t> </a:t>
-            </a:r>
-            <a:r>
-              <a:rPr lang="en-US" sz="2800" dirty="0" err="1" smtClean="0">
-                <a:sym typeface="Symbol" pitchFamily="18" charset="2"/>
-              </a:rPr>
-              <a:t>oleh</a:t>
-            </a:r>
-            <a:r>
-              <a:rPr lang="en-US" sz="2800" dirty="0" smtClean="0">
-                <a:sym typeface="Symbol" pitchFamily="18" charset="2"/>
-              </a:rPr>
-              <a:t> model.</a:t>
-            </a:r>
-            <a:endParaRPr lang="en-US" sz="2800" dirty="0"/>
+            <a:r>
+              <a:rPr lang="en-US" dirty="0" err="1">
+                <a:solidFill>
+                  <a:schemeClr val="accent6">
+                    <a:lumMod val="75000"/>
+                  </a:schemeClr>
+                </a:solidFill>
+                <a:latin typeface="Courier New" panose="02070309020205020404" pitchFamily="49" charset="0"/>
+                <a:cs typeface="Courier New" panose="02070309020205020404" pitchFamily="49" charset="0"/>
+              </a:rPr>
+              <a:t>regresi</a:t>
+            </a:r>
+            <a:r>
+              <a:rPr lang="en-US" dirty="0">
+                <a:solidFill>
+                  <a:schemeClr val="accent6">
+                    <a:lumMod val="75000"/>
+                  </a:schemeClr>
+                </a:solidFill>
+                <a:latin typeface="Courier New" panose="02070309020205020404" pitchFamily="49" charset="0"/>
+                <a:cs typeface="Courier New" panose="02070309020205020404" pitchFamily="49" charset="0"/>
+              </a:rPr>
+              <a:t>&lt;-read.csv</a:t>
+            </a:r>
+            <a:r>
+              <a:rPr lang="en-US" dirty="0" smtClean="0">
+                <a:solidFill>
+                  <a:schemeClr val="accent6">
+                    <a:lumMod val="75000"/>
+                  </a:schemeClr>
+                </a:solidFill>
+                <a:latin typeface="Courier New" panose="02070309020205020404" pitchFamily="49" charset="0"/>
+                <a:cs typeface="Courier New" panose="02070309020205020404" pitchFamily="49" charset="0"/>
+              </a:rPr>
+              <a:t>("regresi.csv</a:t>
+            </a:r>
+            <a:r>
+              <a:rPr lang="en-US" dirty="0">
+                <a:solidFill>
+                  <a:schemeClr val="accent6">
+                    <a:lumMod val="75000"/>
+                  </a:schemeClr>
+                </a:solidFill>
+                <a:latin typeface="Courier New" panose="02070309020205020404" pitchFamily="49" charset="0"/>
+                <a:cs typeface="Courier New" panose="02070309020205020404" pitchFamily="49" charset="0"/>
+              </a:rPr>
+              <a:t>", header=TRUE)</a:t>
+            </a:r>
+          </a:p>
+          <a:p>
+            <a:r>
+              <a:rPr lang="en-US" dirty="0">
+                <a:solidFill>
+                  <a:schemeClr val="accent6">
+                    <a:lumMod val="75000"/>
+                  </a:schemeClr>
+                </a:solidFill>
+                <a:latin typeface="Courier New" panose="02070309020205020404" pitchFamily="49" charset="0"/>
+                <a:cs typeface="Courier New" panose="02070309020205020404" pitchFamily="49" charset="0"/>
+              </a:rPr>
+              <a:t>model &lt;- lm(y ~ x, </a:t>
+            </a:r>
+            <a:r>
+              <a:rPr lang="en-US" dirty="0" smtClean="0">
+                <a:solidFill>
+                  <a:schemeClr val="accent6">
+                    <a:lumMod val="75000"/>
+                  </a:schemeClr>
+                </a:solidFill>
+                <a:latin typeface="Courier New" panose="02070309020205020404" pitchFamily="49" charset="0"/>
+                <a:cs typeface="Courier New" panose="02070309020205020404" pitchFamily="49" charset="0"/>
+              </a:rPr>
+              <a:t>data=</a:t>
+            </a:r>
+            <a:r>
+              <a:rPr lang="en-US" dirty="0" err="1" smtClean="0">
+                <a:solidFill>
+                  <a:schemeClr val="accent6">
+                    <a:lumMod val="75000"/>
+                  </a:schemeClr>
+                </a:solidFill>
+                <a:latin typeface="Courier New" panose="02070309020205020404" pitchFamily="49" charset="0"/>
+                <a:cs typeface="Courier New" panose="02070309020205020404" pitchFamily="49" charset="0"/>
+              </a:rPr>
+              <a:t>regresi</a:t>
+            </a:r>
+            <a:r>
+              <a:rPr lang="en-US" dirty="0">
+                <a:solidFill>
+                  <a:schemeClr val="accent6">
+                    <a:lumMod val="75000"/>
+                  </a:schemeClr>
+                </a:solidFill>
+                <a:latin typeface="Courier New" panose="02070309020205020404" pitchFamily="49" charset="0"/>
+                <a:cs typeface="Courier New" panose="02070309020205020404" pitchFamily="49" charset="0"/>
+              </a:rPr>
+              <a:t>)</a:t>
+            </a:r>
+          </a:p>
+          <a:p>
+            <a:r>
+              <a:rPr lang="en-US" dirty="0">
+                <a:solidFill>
+                  <a:schemeClr val="accent6">
+                    <a:lumMod val="75000"/>
+                  </a:schemeClr>
+                </a:solidFill>
+                <a:latin typeface="Courier New" panose="02070309020205020404" pitchFamily="49" charset="0"/>
+                <a:cs typeface="Courier New" panose="02070309020205020404" pitchFamily="49" charset="0"/>
+              </a:rPr>
+              <a:t>summary(model)</a:t>
+            </a:r>
+            <a:endParaRPr lang="en-US" dirty="0">
+              <a:latin typeface="Courier New" panose="02070309020205020404" pitchFamily="49" charset="0"/>
+              <a:cs typeface="Courier New" panose="02070309020205020404" pitchFamily="49" charset="0"/>
+            </a:endParaRPr>
           </a:p>
         </p:txBody>
       </p:sp>
     </p:spTree>
     <p:extLst>
       <p:ext uri="{BB962C8B-B14F-4D97-AF65-F5344CB8AC3E}">
-        <p14:creationId xmlns:p14="http://schemas.microsoft.com/office/powerpoint/2010/main" val="973836777"/>
+        <p14:creationId xmlns:p14="http://schemas.microsoft.com/office/powerpoint/2010/main" val="1182448432"/>
       </p:ext>
     </p:extLst>
   </p:cSld>
@@ -23790,7 +23752,51 @@
             <a:spLocks noGrp="1"/>
           </p:cNvSpPr>
           <p:nvPr>
-            <p:ph type="title"/>
+            <p:ph type="ctrTitle"/>
+          </p:nvPr>
+        </p:nvSpPr>
+        <p:spPr/>
+        <p:txBody>
+          <a:bodyPr>
+            <a:normAutofit/>
+          </a:bodyPr>
+          <a:lstStyle/>
+          <a:p>
+            <a:r>
+              <a:rPr lang="en-US" dirty="0" err="1" smtClean="0"/>
+              <a:t>Regresi</a:t>
+            </a:r>
+            <a:r>
+              <a:rPr lang="en-US" dirty="0" smtClean="0"/>
+              <a:t> Linear </a:t>
+            </a:r>
+            <a:r>
+              <a:rPr lang="en-US" dirty="0" err="1" smtClean="0"/>
+              <a:t>Berganda</a:t>
+            </a:r>
+            <a:r>
+              <a:rPr lang="en-US" dirty="0" smtClean="0"/>
+              <a:t/>
+            </a:r>
+            <a:br>
+              <a:rPr lang="en-US" dirty="0" smtClean="0"/>
+            </a:br>
+            <a:r>
+              <a:rPr lang="en-US" dirty="0" smtClean="0"/>
+              <a:t>(multiple linear regression)</a:t>
+            </a:r>
+            <a:endParaRPr lang="en-US" dirty="0"/>
+          </a:p>
+        </p:txBody>
+      </p:sp>
+      <p:sp>
+        <p:nvSpPr>
+          <p:cNvPr id="3" name="Subtitle 2"/>
+          <p:cNvSpPr>
+            <a:spLocks noGrp="1"/>
+          </p:cNvSpPr>
+          <p:nvPr>
+            <p:ph type="subTitle" idx="1"/>
           </p:nvPr>
         </p:nvSpPr>
         <p:spPr/>
@@ -23798,198 +23804,14 @@
           <a:bodyPr/>
           <a:lstStyle/>
           <a:p>
-            <a:r>
-              <a:rPr lang="en-US" dirty="0" err="1" smtClean="0"/>
-              <a:t>Praktek</a:t>
-            </a:r>
-            <a:r>
-              <a:rPr lang="en-US" dirty="0" smtClean="0"/>
-              <a:t> # </a:t>
-            </a:r>
-            <a:r>
-              <a:rPr lang="en-US" dirty="0" err="1" smtClean="0"/>
-              <a:t>Regresi</a:t>
-            </a:r>
-            <a:r>
-              <a:rPr lang="en-US" dirty="0" smtClean="0"/>
-              <a:t> Linear </a:t>
-            </a:r>
-            <a:r>
-              <a:rPr lang="en-US" dirty="0" err="1" smtClean="0"/>
-              <a:t>Sederhana</a:t>
-            </a:r>
-            <a:endParaRPr lang="en-US" dirty="0"/>
-          </a:p>
-        </p:txBody>
-      </p:sp>
-      <p:pic>
-        <p:nvPicPr>
-          <p:cNvPr id="4" name="Picture 3"/>
-          <p:cNvPicPr>
-            <a:picLocks noChangeAspect="1"/>
-          </p:cNvPicPr>
-          <p:nvPr/>
-        </p:nvPicPr>
-        <p:blipFill>
-          <a:blip r:embed="rId2"/>
-          <a:stretch>
-            <a:fillRect/>
-          </a:stretch>
-        </p:blipFill>
-        <p:spPr>
-          <a:xfrm>
-            <a:off x="1104900" y="2685058"/>
-            <a:ext cx="6457950" cy="3476625"/>
-          </a:xfrm>
-          <a:prstGeom prst="rect">
-            <a:avLst/>
-          </a:prstGeom>
-        </p:spPr>
-      </p:pic>
-      <p:sp>
-        <p:nvSpPr>
-          <p:cNvPr id="5" name="Rectangle 4"/>
-          <p:cNvSpPr/>
-          <p:nvPr/>
-        </p:nvSpPr>
-        <p:spPr>
-          <a:xfrm>
-            <a:off x="989841" y="1467445"/>
-            <a:ext cx="8649459" cy="923330"/>
-          </a:xfrm>
-          <a:prstGeom prst="rect">
-            <a:avLst/>
-          </a:prstGeom>
-        </p:spPr>
-        <p:txBody>
-          <a:bodyPr wrap="square">
-            <a:spAutoFit/>
-          </a:bodyPr>
-          <a:lstStyle/>
-          <a:p>
-            <a:r>
-              <a:rPr lang="en-US" dirty="0" err="1">
-                <a:solidFill>
-                  <a:schemeClr val="accent6">
-                    <a:lumMod val="75000"/>
-                  </a:schemeClr>
-                </a:solidFill>
-                <a:latin typeface="Courier New" panose="02070309020205020404" pitchFamily="49" charset="0"/>
-                <a:cs typeface="Courier New" panose="02070309020205020404" pitchFamily="49" charset="0"/>
-              </a:rPr>
-              <a:t>regresi</a:t>
-            </a:r>
-            <a:r>
-              <a:rPr lang="en-US" dirty="0">
-                <a:solidFill>
-                  <a:schemeClr val="accent6">
-                    <a:lumMod val="75000"/>
-                  </a:schemeClr>
-                </a:solidFill>
-                <a:latin typeface="Courier New" panose="02070309020205020404" pitchFamily="49" charset="0"/>
-                <a:cs typeface="Courier New" panose="02070309020205020404" pitchFamily="49" charset="0"/>
-              </a:rPr>
-              <a:t>&lt;-read.csv</a:t>
-            </a:r>
-            <a:r>
-              <a:rPr lang="en-US" dirty="0" smtClean="0">
-                <a:solidFill>
-                  <a:schemeClr val="accent6">
-                    <a:lumMod val="75000"/>
-                  </a:schemeClr>
-                </a:solidFill>
-                <a:latin typeface="Courier New" panose="02070309020205020404" pitchFamily="49" charset="0"/>
-                <a:cs typeface="Courier New" panose="02070309020205020404" pitchFamily="49" charset="0"/>
-              </a:rPr>
-              <a:t>("regresi.csv</a:t>
-            </a:r>
-            <a:r>
-              <a:rPr lang="en-US" dirty="0">
-                <a:solidFill>
-                  <a:schemeClr val="accent6">
-                    <a:lumMod val="75000"/>
-                  </a:schemeClr>
-                </a:solidFill>
-                <a:latin typeface="Courier New" panose="02070309020205020404" pitchFamily="49" charset="0"/>
-                <a:cs typeface="Courier New" panose="02070309020205020404" pitchFamily="49" charset="0"/>
-              </a:rPr>
-              <a:t>", header=TRUE)</a:t>
-            </a:r>
-          </a:p>
-          <a:p>
-            <a:r>
-              <a:rPr lang="en-US" dirty="0">
-                <a:solidFill>
-                  <a:schemeClr val="accent6">
-                    <a:lumMod val="75000"/>
-                  </a:schemeClr>
-                </a:solidFill>
-                <a:latin typeface="Courier New" panose="02070309020205020404" pitchFamily="49" charset="0"/>
-                <a:cs typeface="Courier New" panose="02070309020205020404" pitchFamily="49" charset="0"/>
-              </a:rPr>
-              <a:t>model &lt;- lm(y ~ x, </a:t>
-            </a:r>
-            <a:r>
-              <a:rPr lang="en-US" dirty="0" smtClean="0">
-                <a:solidFill>
-                  <a:schemeClr val="accent6">
-                    <a:lumMod val="75000"/>
-                  </a:schemeClr>
-                </a:solidFill>
-                <a:latin typeface="Courier New" panose="02070309020205020404" pitchFamily="49" charset="0"/>
-                <a:cs typeface="Courier New" panose="02070309020205020404" pitchFamily="49" charset="0"/>
-              </a:rPr>
-              <a:t>data=</a:t>
-            </a:r>
-            <a:r>
-              <a:rPr lang="en-US" dirty="0" err="1" smtClean="0">
-                <a:solidFill>
-                  <a:schemeClr val="accent6">
-                    <a:lumMod val="75000"/>
-                  </a:schemeClr>
-                </a:solidFill>
-                <a:latin typeface="Courier New" panose="02070309020205020404" pitchFamily="49" charset="0"/>
-                <a:cs typeface="Courier New" panose="02070309020205020404" pitchFamily="49" charset="0"/>
-              </a:rPr>
-              <a:t>regresi</a:t>
-            </a:r>
-            <a:r>
-              <a:rPr lang="en-US" dirty="0">
-                <a:solidFill>
-                  <a:schemeClr val="accent6">
-                    <a:lumMod val="75000"/>
-                  </a:schemeClr>
-                </a:solidFill>
-                <a:latin typeface="Courier New" panose="02070309020205020404" pitchFamily="49" charset="0"/>
-                <a:cs typeface="Courier New" panose="02070309020205020404" pitchFamily="49" charset="0"/>
-              </a:rPr>
-              <a:t>)</a:t>
-            </a:r>
-          </a:p>
-          <a:p>
-            <a:r>
-              <a:rPr lang="en-US" dirty="0">
-                <a:solidFill>
-                  <a:schemeClr val="accent6">
-                    <a:lumMod val="75000"/>
-                  </a:schemeClr>
-                </a:solidFill>
-                <a:latin typeface="Courier New" panose="02070309020205020404" pitchFamily="49" charset="0"/>
-                <a:cs typeface="Courier New" panose="02070309020205020404" pitchFamily="49" charset="0"/>
-              </a:rPr>
-              <a:t>summary(model)</a:t>
-            </a:r>
-            <a:endParaRPr lang="en-US" dirty="0">
-              <a:latin typeface="Courier New" panose="02070309020205020404" pitchFamily="49" charset="0"/>
-              <a:cs typeface="Courier New" panose="02070309020205020404" pitchFamily="49" charset="0"/>
-            </a:endParaRPr>
+            <a:endParaRPr lang="en-US"/>
           </a:p>
         </p:txBody>
       </p:sp>
     </p:spTree>
     <p:extLst>
       <p:ext uri="{BB962C8B-B14F-4D97-AF65-F5344CB8AC3E}">
-        <p14:creationId xmlns:p14="http://schemas.microsoft.com/office/powerpoint/2010/main" val="1182448432"/>
+        <p14:creationId xmlns:p14="http://schemas.microsoft.com/office/powerpoint/2010/main" val="458627552"/>
       </p:ext>
     </p:extLst>
   </p:cSld>
@@ -24042,51 +23864,7 @@
             <a:spLocks noGrp="1"/>
           </p:cNvSpPr>
           <p:nvPr>
-            <p:ph type="ctrTitle"/>
-          </p:nvPr>
-        </p:nvSpPr>
-        <p:spPr/>
-        <p:txBody>
-          <a:bodyPr>
-            <a:normAutofit/>
-          </a:bodyPr>
-          <a:lstStyle/>
-          <a:p>
-            <a:r>
-              <a:rPr lang="en-US" dirty="0" err="1" smtClean="0"/>
-              <a:t>Regresi</a:t>
-            </a:r>
-            <a:r>
-              <a:rPr lang="en-US" dirty="0" smtClean="0"/>
-              <a:t> Linear </a:t>
-            </a:r>
-            <a:r>
-              <a:rPr lang="en-US" dirty="0" err="1" smtClean="0"/>
-              <a:t>Berganda</a:t>
-            </a:r>
-            <a:r>
-              <a:rPr lang="en-US" dirty="0" smtClean="0"/>
-              <a:t/>
-            </a:r>
-            <a:br>
-              <a:rPr lang="en-US" dirty="0" smtClean="0"/>
-            </a:br>
-            <a:r>
-              <a:rPr lang="en-US" dirty="0" smtClean="0"/>
-              <a:t>(multiple linear regression)</a:t>
-            </a:r>
-            <a:endParaRPr lang="en-US" dirty="0"/>
-          </a:p>
-        </p:txBody>
-      </p:sp>
-      <p:sp>
-        <p:nvSpPr>
-          <p:cNvPr id="3" name="Subtitle 2"/>
-          <p:cNvSpPr>
-            <a:spLocks noGrp="1"/>
-          </p:cNvSpPr>
-          <p:nvPr>
-            <p:ph type="subTitle" idx="1"/>
+            <p:ph type="title"/>
           </p:nvPr>
         </p:nvSpPr>
         <p:spPr/>
@@ -24094,14 +23872,348 @@
           <a:bodyPr/>
           <a:lstStyle/>
           <a:p>
-            <a:endParaRPr lang="en-US"/>
+            <a:r>
+              <a:rPr lang="en-US" dirty="0" err="1" smtClean="0"/>
+              <a:t>Pengantar</a:t>
+            </a:r>
+            <a:endParaRPr lang="en-US" dirty="0"/>
+          </a:p>
+        </p:txBody>
+      </p:sp>
+      <p:sp>
+        <p:nvSpPr>
+          <p:cNvPr id="3" name="Content Placeholder 2"/>
+          <p:cNvSpPr>
+            <a:spLocks noGrp="1"/>
+          </p:cNvSpPr>
+          <p:nvPr>
+            <p:ph idx="1"/>
+          </p:nvPr>
+        </p:nvSpPr>
+        <p:spPr>
+          <a:xfrm>
+            <a:off x="1104900" y="1609726"/>
+            <a:ext cx="8229600" cy="4525963"/>
+          </a:xfrm>
+        </p:spPr>
+        <p:txBody>
+          <a:bodyPr>
+            <a:normAutofit fontScale="92500" lnSpcReduction="20000"/>
+          </a:bodyPr>
+          <a:lstStyle/>
+          <a:p>
+            <a:r>
+              <a:rPr lang="en-US" sz="2800" dirty="0"/>
+              <a:t>Simple Linear Regression (</a:t>
+            </a:r>
+            <a:r>
+              <a:rPr lang="en-US" sz="2800" dirty="0" err="1"/>
+              <a:t>regresi</a:t>
+            </a:r>
+            <a:r>
+              <a:rPr lang="en-US" sz="2800" dirty="0"/>
+              <a:t> linear </a:t>
+            </a:r>
+            <a:r>
+              <a:rPr lang="en-US" sz="2800" dirty="0" err="1"/>
+              <a:t>sederhana</a:t>
+            </a:r>
+            <a:r>
+              <a:rPr lang="en-US" sz="2800" dirty="0"/>
+              <a:t>): </a:t>
+            </a:r>
+            <a:r>
+              <a:rPr lang="en-US" sz="2800" dirty="0" err="1"/>
+              <a:t>hanya</a:t>
+            </a:r>
+            <a:r>
+              <a:rPr lang="en-US" sz="2800" dirty="0"/>
+              <a:t> </a:t>
+            </a:r>
+            <a:r>
+              <a:rPr lang="en-US" sz="2800" dirty="0" err="1"/>
+              <a:t>ada</a:t>
+            </a:r>
+            <a:r>
+              <a:rPr lang="en-US" sz="2800" dirty="0"/>
+              <a:t> 1 </a:t>
+            </a:r>
+            <a:r>
+              <a:rPr lang="en-US" sz="2800" dirty="0" err="1"/>
+              <a:t>peubah</a:t>
+            </a:r>
+            <a:r>
+              <a:rPr lang="en-US" sz="2800" dirty="0"/>
+              <a:t> </a:t>
+            </a:r>
+            <a:r>
+              <a:rPr lang="en-US" sz="2800" dirty="0" err="1"/>
+              <a:t>penjelas</a:t>
+            </a:r>
+            <a:r>
+              <a:rPr lang="en-US" sz="2800" dirty="0"/>
+              <a:t>.  </a:t>
+            </a:r>
+            <a:r>
+              <a:rPr lang="en-US" sz="2800" dirty="0" err="1"/>
+              <a:t>Modelnya</a:t>
+            </a:r>
+            <a:r>
+              <a:rPr lang="en-US" sz="2800" dirty="0"/>
+              <a:t>:</a:t>
+            </a:r>
+          </a:p>
+          <a:p>
+            <a:endParaRPr lang="en-US" sz="2800" dirty="0"/>
+          </a:p>
+          <a:p>
+            <a:pPr algn="ctr">
+              <a:buNone/>
+            </a:pPr>
+            <a:r>
+              <a:rPr lang="en-US" sz="2800" dirty="0"/>
+              <a:t>	Y = </a:t>
+            </a:r>
+            <a:r>
+              <a:rPr lang="en-US" sz="2800" dirty="0">
+                <a:sym typeface="Symbol"/>
+              </a:rPr>
+              <a:t></a:t>
+            </a:r>
+            <a:r>
+              <a:rPr lang="en-US" sz="2800" baseline="-25000" dirty="0">
+                <a:sym typeface="Symbol"/>
+              </a:rPr>
+              <a:t>0</a:t>
+            </a:r>
+            <a:r>
+              <a:rPr lang="en-US" sz="2800" dirty="0">
+                <a:sym typeface="Symbol"/>
+              </a:rPr>
+              <a:t> + </a:t>
+            </a:r>
+            <a:r>
+              <a:rPr lang="en-US" sz="2800" baseline="-25000" dirty="0">
+                <a:sym typeface="Symbol"/>
+              </a:rPr>
+              <a:t>1</a:t>
+            </a:r>
+            <a:r>
+              <a:rPr lang="en-US" sz="2800" dirty="0">
+                <a:sym typeface="Symbol"/>
+              </a:rPr>
+              <a:t> X + </a:t>
+            </a:r>
+            <a:endParaRPr lang="en-US" sz="2800" dirty="0"/>
+          </a:p>
+          <a:p>
+            <a:endParaRPr lang="en-US" sz="2800" dirty="0"/>
+          </a:p>
+          <a:p>
+            <a:r>
+              <a:rPr lang="en-US" sz="2800" dirty="0"/>
+              <a:t>Multiple Linear Regression (</a:t>
+            </a:r>
+            <a:r>
+              <a:rPr lang="en-US" sz="2800" dirty="0" err="1"/>
+              <a:t>regresi</a:t>
+            </a:r>
+            <a:r>
+              <a:rPr lang="en-US" sz="2800" dirty="0"/>
+              <a:t> linear </a:t>
+            </a:r>
+            <a:r>
+              <a:rPr lang="en-US" sz="2800" dirty="0" err="1"/>
+              <a:t>berganda</a:t>
+            </a:r>
+            <a:r>
+              <a:rPr lang="en-US" sz="2800" dirty="0"/>
+              <a:t>): </a:t>
+            </a:r>
+            <a:r>
+              <a:rPr lang="en-US" sz="2800" dirty="0" err="1"/>
+              <a:t>melibatkan</a:t>
+            </a:r>
+            <a:r>
+              <a:rPr lang="en-US" sz="2800" dirty="0"/>
+              <a:t> </a:t>
+            </a:r>
+            <a:r>
+              <a:rPr lang="en-US" sz="2800" dirty="0" err="1"/>
+              <a:t>lebih</a:t>
+            </a:r>
+            <a:r>
+              <a:rPr lang="en-US" sz="2800" dirty="0"/>
+              <a:t> </a:t>
+            </a:r>
+            <a:r>
+              <a:rPr lang="en-US" sz="2800" dirty="0" err="1"/>
+              <a:t>dari</a:t>
+            </a:r>
+            <a:r>
+              <a:rPr lang="en-US" sz="2800" dirty="0"/>
+              <a:t> </a:t>
+            </a:r>
+            <a:r>
+              <a:rPr lang="en-US" sz="2800" dirty="0" err="1"/>
+              <a:t>satu</a:t>
+            </a:r>
+            <a:r>
+              <a:rPr lang="en-US" sz="2800" dirty="0"/>
+              <a:t> </a:t>
+            </a:r>
+            <a:r>
+              <a:rPr lang="en-US" sz="2800" dirty="0" err="1"/>
+              <a:t>peubah</a:t>
+            </a:r>
+            <a:r>
+              <a:rPr lang="en-US" sz="2800" dirty="0"/>
+              <a:t> </a:t>
+            </a:r>
+            <a:r>
+              <a:rPr lang="en-US" sz="2800" dirty="0" err="1"/>
+              <a:t>penjelas</a:t>
+            </a:r>
+            <a:r>
+              <a:rPr lang="en-US" sz="2800" dirty="0"/>
+              <a:t>.  </a:t>
+            </a:r>
+            <a:r>
+              <a:rPr lang="en-US" sz="2800" dirty="0" err="1"/>
+              <a:t>Modelnya</a:t>
+            </a:r>
+            <a:r>
+              <a:rPr lang="en-US" sz="2800" dirty="0"/>
+              <a:t>:</a:t>
+            </a:r>
+          </a:p>
+          <a:p>
+            <a:pPr>
+              <a:buNone/>
+            </a:pPr>
+            <a:r>
+              <a:rPr lang="en-US" sz="2800" dirty="0"/>
+              <a:t>	</a:t>
+            </a:r>
+          </a:p>
+          <a:p>
+            <a:pPr algn="ctr">
+              <a:buNone/>
+            </a:pPr>
+            <a:r>
+              <a:rPr lang="en-US" sz="2800" dirty="0"/>
+              <a:t>	Y = </a:t>
+            </a:r>
+            <a:r>
+              <a:rPr lang="en-US" sz="2800" dirty="0">
+                <a:sym typeface="Symbol"/>
+              </a:rPr>
+              <a:t></a:t>
+            </a:r>
+            <a:r>
+              <a:rPr lang="en-US" sz="2800" baseline="-25000" dirty="0">
+                <a:sym typeface="Symbol"/>
+              </a:rPr>
+              <a:t>0</a:t>
+            </a:r>
+            <a:r>
+              <a:rPr lang="en-US" sz="2800" dirty="0">
+                <a:sym typeface="Symbol"/>
+              </a:rPr>
+              <a:t> + </a:t>
+            </a:r>
+            <a:r>
+              <a:rPr lang="en-US" sz="2800" baseline="-25000" dirty="0">
+                <a:sym typeface="Symbol"/>
+              </a:rPr>
+              <a:t>1</a:t>
+            </a:r>
+            <a:r>
+              <a:rPr lang="en-US" sz="2800" dirty="0">
+                <a:sym typeface="Symbol"/>
+              </a:rPr>
+              <a:t> X</a:t>
+            </a:r>
+            <a:r>
+              <a:rPr lang="en-US" sz="2800" baseline="-25000" dirty="0">
+                <a:sym typeface="Symbol"/>
+              </a:rPr>
+              <a:t>1</a:t>
+            </a:r>
+            <a:r>
+              <a:rPr lang="en-US" sz="2800" dirty="0">
+                <a:sym typeface="Symbol"/>
+              </a:rPr>
+              <a:t> + </a:t>
+            </a:r>
+            <a:r>
+              <a:rPr lang="en-US" sz="2800" baseline="-25000" dirty="0">
+                <a:sym typeface="Symbol"/>
+              </a:rPr>
+              <a:t>2</a:t>
+            </a:r>
+            <a:r>
+              <a:rPr lang="en-US" sz="2800" dirty="0">
+                <a:sym typeface="Symbol"/>
+              </a:rPr>
+              <a:t> X</a:t>
+            </a:r>
+            <a:r>
+              <a:rPr lang="en-US" sz="2800" baseline="-25000" dirty="0">
+                <a:sym typeface="Symbol"/>
+              </a:rPr>
+              <a:t>2</a:t>
+            </a:r>
+            <a:r>
+              <a:rPr lang="en-US" sz="2800" dirty="0">
+                <a:sym typeface="Symbol"/>
+              </a:rPr>
+              <a:t> + … + </a:t>
+            </a:r>
+            <a:r>
+              <a:rPr lang="en-US" sz="2800" baseline="-25000" dirty="0">
+                <a:sym typeface="Symbol"/>
+              </a:rPr>
+              <a:t>k</a:t>
+            </a:r>
+            <a:r>
+              <a:rPr lang="en-US" sz="2800" dirty="0">
+                <a:sym typeface="Symbol"/>
+              </a:rPr>
+              <a:t> </a:t>
+            </a:r>
+            <a:r>
+              <a:rPr lang="en-US" sz="2800" dirty="0" err="1">
+                <a:sym typeface="Symbol"/>
+              </a:rPr>
+              <a:t>X</a:t>
+            </a:r>
+            <a:r>
+              <a:rPr lang="en-US" sz="2800" baseline="-25000" dirty="0" err="1">
+                <a:sym typeface="Symbol"/>
+              </a:rPr>
+              <a:t>k</a:t>
+            </a:r>
+            <a:r>
+              <a:rPr lang="en-US" sz="2800" dirty="0">
+                <a:sym typeface="Symbol"/>
+              </a:rPr>
+              <a:t> + </a:t>
+            </a:r>
+            <a:endParaRPr lang="en-US" sz="2800" dirty="0"/>
+          </a:p>
+          <a:p>
+            <a:pPr>
+              <a:buNone/>
+            </a:pPr>
+            <a:endParaRPr lang="en-US" sz="2800" dirty="0"/>
           </a:p>
         </p:txBody>
       </p:sp>
     </p:spTree>
     <p:extLst>
       <p:ext uri="{BB962C8B-B14F-4D97-AF65-F5344CB8AC3E}">
-        <p14:creationId xmlns:p14="http://schemas.microsoft.com/office/powerpoint/2010/main" val="458627552"/>
+        <p14:creationId xmlns:p14="http://schemas.microsoft.com/office/powerpoint/2010/main" val="3270640712"/>
       </p:ext>
     </p:extLst>
   </p:cSld>
@@ -24180,330 +24292,333 @@
             <p:ph idx="1"/>
           </p:nvPr>
         </p:nvSpPr>
-        <p:spPr>
-          <a:xfrm>
-            <a:off x="1104900" y="1609726"/>
-            <a:ext cx="8229600" cy="4525963"/>
-          </a:xfrm>
-        </p:spPr>
+        <p:spPr/>
         <p:txBody>
           <a:bodyPr>
-            <a:normAutofit fontScale="92500" lnSpcReduction="20000"/>
+            <a:normAutofit/>
           </a:bodyPr>
           <a:lstStyle/>
           <a:p>
             <a:r>
-              <a:rPr lang="en-US" sz="2800" dirty="0"/>
-              <a:t>Simple Linear Regression (</a:t>
-            </a:r>
-            <a:r>
-              <a:rPr lang="en-US" sz="2800" dirty="0" err="1"/>
-              <a:t>regresi</a:t>
-            </a:r>
-            <a:r>
-              <a:rPr lang="en-US" sz="2800" dirty="0"/>
-              <a:t> linear </a:t>
-            </a:r>
-            <a:r>
-              <a:rPr lang="en-US" sz="2800" dirty="0" err="1"/>
-              <a:t>sederhana</a:t>
-            </a:r>
-            <a:r>
-              <a:rPr lang="en-US" sz="2800" dirty="0"/>
-              <a:t>): </a:t>
-            </a:r>
-            <a:r>
-              <a:rPr lang="en-US" sz="2800" dirty="0" err="1"/>
-              <a:t>hanya</a:t>
-            </a:r>
-            <a:r>
-              <a:rPr lang="en-US" sz="2800" dirty="0"/>
-              <a:t> </a:t>
-            </a:r>
-            <a:r>
-              <a:rPr lang="en-US" sz="2800" dirty="0" err="1"/>
-              <a:t>ada</a:t>
-            </a:r>
-            <a:r>
-              <a:rPr lang="en-US" sz="2800" dirty="0"/>
-              <a:t> 1 </a:t>
-            </a:r>
-            <a:r>
-              <a:rPr lang="en-US" sz="2800" dirty="0" err="1"/>
+              <a:rPr lang="en-US" dirty="0" err="1" smtClean="0"/>
+              <a:t>Harga</a:t>
+            </a:r>
+            <a:r>
+              <a:rPr lang="en-US" dirty="0" smtClean="0"/>
+              <a:t> </a:t>
+            </a:r>
+            <a:r>
+              <a:rPr lang="en-US" dirty="0" err="1" smtClean="0"/>
+              <a:t>jual</a:t>
+            </a:r>
+            <a:r>
+              <a:rPr lang="en-US" dirty="0" smtClean="0"/>
+              <a:t> </a:t>
+            </a:r>
+            <a:r>
+              <a:rPr lang="en-US" dirty="0" err="1" smtClean="0"/>
+              <a:t>rumah</a:t>
+            </a:r>
+            <a:r>
+              <a:rPr lang="en-US" dirty="0" smtClean="0"/>
+              <a:t> </a:t>
+            </a:r>
+            <a:r>
+              <a:rPr lang="en-US" dirty="0" err="1" smtClean="0"/>
+              <a:t>dipengaruhi</a:t>
+            </a:r>
+            <a:r>
+              <a:rPr lang="en-US" dirty="0" smtClean="0"/>
+              <a:t> </a:t>
+            </a:r>
+            <a:r>
+              <a:rPr lang="en-US" dirty="0" err="1" smtClean="0"/>
+              <a:t>oleh</a:t>
+            </a:r>
+            <a:r>
+              <a:rPr lang="en-US" dirty="0" smtClean="0"/>
+              <a:t> </a:t>
+            </a:r>
+            <a:r>
+              <a:rPr lang="en-US" dirty="0" err="1" smtClean="0"/>
+              <a:t>beberapa</a:t>
+            </a:r>
+            <a:r>
+              <a:rPr lang="en-US" dirty="0" smtClean="0"/>
+              <a:t> </a:t>
+            </a:r>
+            <a:r>
+              <a:rPr lang="en-US" dirty="0" err="1" smtClean="0"/>
               <a:t>peubah</a:t>
             </a:r>
             <a:r>
-              <a:rPr lang="en-US" sz="2800" dirty="0"/>
-              <a:t> </a:t>
-            </a:r>
-            <a:r>
-              <a:rPr lang="en-US" sz="2800" dirty="0" err="1"/>
+              <a:rPr lang="en-US" dirty="0" smtClean="0"/>
+              <a:t> </a:t>
+            </a:r>
+            <a:r>
+              <a:rPr lang="en-US" dirty="0" err="1" smtClean="0"/>
               <a:t>penjelas</a:t>
             </a:r>
             <a:r>
-              <a:rPr lang="en-US" sz="2800" dirty="0"/>
-              <a:t>.  </a:t>
-            </a:r>
-            <a:r>
-              <a:rPr lang="en-US" sz="2800" dirty="0" err="1"/>
-              <a:t>Modelnya</a:t>
-            </a:r>
-            <a:r>
-              <a:rPr lang="en-US" sz="2800" dirty="0"/>
-              <a:t>:</a:t>
-            </a:r>
-          </a:p>
-          <a:p>
-            <a:endParaRPr lang="en-US" sz="2800" dirty="0"/>
-          </a:p>
-          <a:p>
-            <a:pPr algn="ctr">
-              <a:buNone/>
-            </a:pPr>
-            <a:r>
-              <a:rPr lang="en-US" sz="2800" dirty="0"/>
-              <a:t>	Y = </a:t>
-            </a:r>
-            <a:r>
-              <a:rPr lang="en-US" sz="2800" dirty="0">
-                <a:sym typeface="Symbol"/>
-              </a:rPr>
-              <a:t></a:t>
-            </a:r>
-            <a:r>
-              <a:rPr lang="en-US" sz="2800" baseline="-25000" dirty="0">
-                <a:sym typeface="Symbol"/>
-              </a:rPr>
-              <a:t>0</a:t>
-            </a:r>
-            <a:r>
-              <a:rPr lang="en-US" sz="2800" dirty="0">
-                <a:sym typeface="Symbol"/>
-              </a:rPr>
-              <a:t> + </a:t>
-            </a:r>
-            <a:r>
-              <a:rPr lang="en-US" sz="2800" baseline="-25000" dirty="0">
-                <a:sym typeface="Symbol"/>
-              </a:rPr>
-              <a:t>1</a:t>
-            </a:r>
-            <a:r>
-              <a:rPr lang="en-US" sz="2800" dirty="0">
-                <a:sym typeface="Symbol"/>
-              </a:rPr>
-              <a:t> X + </a:t>
-            </a:r>
-            <a:endParaRPr lang="en-US" sz="2800" dirty="0"/>
-          </a:p>
-          <a:p>
-            <a:endParaRPr lang="en-US" sz="2800" dirty="0"/>
-          </a:p>
-          <a:p>
-            <a:r>
-              <a:rPr lang="en-US" sz="2800" dirty="0"/>
-              <a:t>Multiple Linear Regression (</a:t>
-            </a:r>
-            <a:r>
-              <a:rPr lang="en-US" sz="2800" dirty="0" err="1"/>
-              <a:t>regresi</a:t>
-            </a:r>
-            <a:r>
-              <a:rPr lang="en-US" sz="2800" dirty="0"/>
-              <a:t> linear </a:t>
-            </a:r>
-            <a:r>
-              <a:rPr lang="en-US" sz="2800" dirty="0" err="1"/>
-              <a:t>berganda</a:t>
-            </a:r>
-            <a:r>
-              <a:rPr lang="en-US" sz="2800" dirty="0"/>
-              <a:t>): </a:t>
-            </a:r>
-            <a:r>
-              <a:rPr lang="en-US" sz="2800" dirty="0" err="1"/>
-              <a:t>melibatkan</a:t>
-            </a:r>
-            <a:r>
-              <a:rPr lang="en-US" sz="2800" dirty="0"/>
-              <a:t> </a:t>
-            </a:r>
-            <a:r>
-              <a:rPr lang="en-US" sz="2800" dirty="0" err="1"/>
-              <a:t>lebih</a:t>
-            </a:r>
-            <a:r>
-              <a:rPr lang="en-US" sz="2800" dirty="0"/>
-              <a:t> </a:t>
-            </a:r>
-            <a:r>
-              <a:rPr lang="en-US" sz="2800" dirty="0" err="1"/>
-              <a:t>dari</a:t>
-            </a:r>
-            <a:r>
-              <a:rPr lang="en-US" sz="2800" dirty="0"/>
-              <a:t> </a:t>
-            </a:r>
-            <a:r>
-              <a:rPr lang="en-US" sz="2800" dirty="0" err="1"/>
-              <a:t>satu</a:t>
-            </a:r>
-            <a:r>
-              <a:rPr lang="en-US" sz="2800" dirty="0"/>
-              <a:t> </a:t>
-            </a:r>
-            <a:r>
-              <a:rPr lang="en-US" sz="2800" dirty="0" err="1"/>
-              <a:t>peubah</a:t>
-            </a:r>
-            <a:r>
-              <a:rPr lang="en-US" sz="2800" dirty="0"/>
-              <a:t> </a:t>
-            </a:r>
-            <a:r>
-              <a:rPr lang="en-US" sz="2800" dirty="0" err="1"/>
-              <a:t>penjelas</a:t>
-            </a:r>
-            <a:r>
-              <a:rPr lang="en-US" sz="2800" dirty="0"/>
-              <a:t>.  </a:t>
-            </a:r>
-            <a:r>
-              <a:rPr lang="en-US" sz="2800" dirty="0" err="1"/>
-              <a:t>Modelnya</a:t>
-            </a:r>
-            <a:r>
-              <a:rPr lang="en-US" sz="2800" dirty="0"/>
-              <a:t>:</a:t>
-            </a:r>
-          </a:p>
-          <a:p>
-            <a:pPr>
-              <a:buNone/>
-            </a:pPr>
-            <a:r>
-              <a:rPr lang="en-US" sz="2800" dirty="0"/>
-              <a:t>	</a:t>
-            </a:r>
-          </a:p>
-          <a:p>
-            <a:pPr algn="ctr">
-              <a:buNone/>
-            </a:pPr>
-            <a:r>
-              <a:rPr lang="en-US" sz="2800" dirty="0"/>
-              <a:t>	Y = </a:t>
-            </a:r>
-            <a:r>
-              <a:rPr lang="en-US" sz="2800" dirty="0">
-                <a:sym typeface="Symbol"/>
-              </a:rPr>
-              <a:t></a:t>
-            </a:r>
-            <a:r>
-              <a:rPr lang="en-US" sz="2800" baseline="-25000" dirty="0">
-                <a:sym typeface="Symbol"/>
-              </a:rPr>
-              <a:t>0</a:t>
-            </a:r>
-            <a:r>
-              <a:rPr lang="en-US" sz="2800" dirty="0">
-                <a:sym typeface="Symbol"/>
-              </a:rPr>
-              <a:t> + </a:t>
-            </a:r>
-            <a:r>
-              <a:rPr lang="en-US" sz="2800" baseline="-25000" dirty="0">
-                <a:sym typeface="Symbol"/>
-              </a:rPr>
-              <a:t>1</a:t>
-            </a:r>
-            <a:r>
-              <a:rPr lang="en-US" sz="2800" dirty="0">
-                <a:sym typeface="Symbol"/>
-              </a:rPr>
-              <a:t> X</a:t>
-            </a:r>
-            <a:r>
-              <a:rPr lang="en-US" sz="2800" baseline="-25000" dirty="0">
-                <a:sym typeface="Symbol"/>
-              </a:rPr>
-              <a:t>1</a:t>
-            </a:r>
-            <a:r>
-              <a:rPr lang="en-US" sz="2800" dirty="0">
-                <a:sym typeface="Symbol"/>
-              </a:rPr>
-              <a:t> + </a:t>
-            </a:r>
-            <a:r>
-              <a:rPr lang="en-US" sz="2800" baseline="-25000" dirty="0">
-                <a:sym typeface="Symbol"/>
-              </a:rPr>
-              <a:t>2</a:t>
-            </a:r>
-            <a:r>
-              <a:rPr lang="en-US" sz="2800" dirty="0">
-                <a:sym typeface="Symbol"/>
-              </a:rPr>
-              <a:t> X</a:t>
-            </a:r>
-            <a:r>
-              <a:rPr lang="en-US" sz="2800" baseline="-25000" dirty="0">
-                <a:sym typeface="Symbol"/>
-              </a:rPr>
-              <a:t>2</a:t>
-            </a:r>
-            <a:r>
-              <a:rPr lang="en-US" sz="2800" dirty="0">
-                <a:sym typeface="Symbol"/>
-              </a:rPr>
-              <a:t> + … + </a:t>
-            </a:r>
-            <a:r>
-              <a:rPr lang="en-US" sz="2800" baseline="-25000" dirty="0">
-                <a:sym typeface="Symbol"/>
-              </a:rPr>
-              <a:t>k</a:t>
-            </a:r>
-            <a:r>
-              <a:rPr lang="en-US" sz="2800" dirty="0">
-                <a:sym typeface="Symbol"/>
-              </a:rPr>
-              <a:t> </a:t>
-            </a:r>
-            <a:r>
-              <a:rPr lang="en-US" sz="2800" dirty="0" err="1">
-                <a:sym typeface="Symbol"/>
-              </a:rPr>
-              <a:t>X</a:t>
-            </a:r>
-            <a:r>
-              <a:rPr lang="en-US" sz="2800" baseline="-25000" dirty="0" err="1">
-                <a:sym typeface="Symbol"/>
-              </a:rPr>
-              <a:t>k</a:t>
-            </a:r>
-            <a:r>
-              <a:rPr lang="en-US" sz="2800" dirty="0">
-                <a:sym typeface="Symbol"/>
-              </a:rPr>
-              <a:t> + </a:t>
-            </a:r>
-            <a:endParaRPr lang="en-US" sz="2800" dirty="0"/>
-          </a:p>
-          <a:p>
-            <a:pPr>
-              <a:buNone/>
-            </a:pPr>
-            <a:endParaRPr lang="en-US" sz="2800" dirty="0"/>
+              <a:rPr lang="en-US" dirty="0" smtClean="0"/>
+              <a:t>, </a:t>
+            </a:r>
+            <a:r>
+              <a:rPr lang="en-US" dirty="0" err="1" smtClean="0"/>
+              <a:t>misalnya</a:t>
+            </a:r>
+            <a:r>
+              <a:rPr lang="en-US" dirty="0" smtClean="0"/>
+              <a:t>: (1) </a:t>
+            </a:r>
+            <a:r>
+              <a:rPr lang="en-US" dirty="0" err="1" smtClean="0"/>
+              <a:t>luas</a:t>
+            </a:r>
+            <a:r>
+              <a:rPr lang="en-US" dirty="0" smtClean="0"/>
+              <a:t> </a:t>
+            </a:r>
+            <a:r>
+              <a:rPr lang="en-US" dirty="0" err="1" smtClean="0"/>
+              <a:t>bangunan</a:t>
+            </a:r>
+            <a:r>
+              <a:rPr lang="en-US" dirty="0" smtClean="0"/>
+              <a:t>, (2) </a:t>
+            </a:r>
+            <a:r>
+              <a:rPr lang="en-US" dirty="0" err="1" smtClean="0"/>
+              <a:t>umur</a:t>
+            </a:r>
+            <a:r>
+              <a:rPr lang="en-US" dirty="0" smtClean="0"/>
+              <a:t> </a:t>
+            </a:r>
+            <a:r>
+              <a:rPr lang="en-US" dirty="0" err="1" smtClean="0"/>
+              <a:t>bangunan</a:t>
+            </a:r>
+            <a:r>
+              <a:rPr lang="en-US" dirty="0" smtClean="0"/>
+              <a:t>, (3) </a:t>
+            </a:r>
+            <a:r>
+              <a:rPr lang="en-US" dirty="0" err="1" smtClean="0"/>
+              <a:t>jarak</a:t>
+            </a:r>
+            <a:r>
+              <a:rPr lang="en-US" dirty="0" smtClean="0"/>
+              <a:t> </a:t>
+            </a:r>
+            <a:r>
+              <a:rPr lang="en-US" dirty="0" err="1" smtClean="0"/>
+              <a:t>lokasi</a:t>
+            </a:r>
+            <a:r>
+              <a:rPr lang="en-US" dirty="0" smtClean="0"/>
+              <a:t> </a:t>
+            </a:r>
+            <a:r>
+              <a:rPr lang="en-US" dirty="0" err="1" smtClean="0"/>
+              <a:t>rumah</a:t>
+            </a:r>
+            <a:r>
+              <a:rPr lang="en-US" dirty="0" smtClean="0"/>
+              <a:t> </a:t>
+            </a:r>
+            <a:r>
+              <a:rPr lang="en-US" dirty="0" err="1" smtClean="0"/>
+              <a:t>ke</a:t>
+            </a:r>
+            <a:r>
+              <a:rPr lang="en-US" dirty="0" smtClean="0"/>
+              <a:t> </a:t>
+            </a:r>
+            <a:r>
+              <a:rPr lang="en-US" dirty="0" err="1" smtClean="0"/>
+              <a:t>jalan</a:t>
+            </a:r>
+            <a:r>
+              <a:rPr lang="en-US" dirty="0" smtClean="0"/>
+              <a:t> </a:t>
+            </a:r>
+            <a:r>
+              <a:rPr lang="en-US" dirty="0" err="1" smtClean="0"/>
+              <a:t>raya</a:t>
+            </a:r>
+            <a:r>
+              <a:rPr lang="en-US" dirty="0" smtClean="0"/>
+              <a:t>.</a:t>
+            </a:r>
+          </a:p>
+          <a:p>
+            <a:endParaRPr lang="en-US" dirty="0"/>
+          </a:p>
+          <a:p>
+            <a:r>
+              <a:rPr lang="en-US" dirty="0" err="1" smtClean="0"/>
+              <a:t>Tinggi</a:t>
+            </a:r>
+            <a:r>
+              <a:rPr lang="en-US" dirty="0" smtClean="0"/>
+              <a:t> </a:t>
+            </a:r>
+            <a:r>
+              <a:rPr lang="en-US" dirty="0" err="1" smtClean="0"/>
+              <a:t>pohon</a:t>
+            </a:r>
+            <a:r>
+              <a:rPr lang="en-US" dirty="0" smtClean="0"/>
+              <a:t> </a:t>
+            </a:r>
+            <a:r>
+              <a:rPr lang="en-US" dirty="0" err="1" smtClean="0"/>
+              <a:t>tanaman</a:t>
+            </a:r>
+            <a:r>
+              <a:rPr lang="en-US" dirty="0" smtClean="0"/>
+              <a:t> </a:t>
+            </a:r>
+            <a:r>
+              <a:rPr lang="en-US" dirty="0" err="1" smtClean="0"/>
+              <a:t>tertentu</a:t>
+            </a:r>
+            <a:r>
+              <a:rPr lang="en-US" dirty="0" smtClean="0"/>
+              <a:t> </a:t>
+            </a:r>
+            <a:r>
+              <a:rPr lang="en-US" dirty="0" err="1" smtClean="0"/>
+              <a:t>dipengaruhi</a:t>
+            </a:r>
+            <a:r>
+              <a:rPr lang="en-US" dirty="0" smtClean="0"/>
+              <a:t> </a:t>
+            </a:r>
+            <a:r>
+              <a:rPr lang="en-US" dirty="0" err="1" smtClean="0"/>
+              <a:t>oleh</a:t>
+            </a:r>
+            <a:r>
+              <a:rPr lang="en-US" dirty="0"/>
+              <a:t> </a:t>
+            </a:r>
+            <a:r>
+              <a:rPr lang="en-US" dirty="0" smtClean="0"/>
+              <a:t>(1) </a:t>
+            </a:r>
+            <a:r>
+              <a:rPr lang="en-US" dirty="0" err="1" smtClean="0"/>
+              <a:t>umur</a:t>
+            </a:r>
+            <a:r>
+              <a:rPr lang="en-US" dirty="0" smtClean="0"/>
+              <a:t> </a:t>
+            </a:r>
+            <a:r>
+              <a:rPr lang="en-US" dirty="0" err="1" smtClean="0"/>
+              <a:t>tanaman</a:t>
+            </a:r>
+            <a:r>
+              <a:rPr lang="en-US" dirty="0" smtClean="0"/>
+              <a:t>, (2) </a:t>
+            </a:r>
+            <a:r>
+              <a:rPr lang="en-US" dirty="0" err="1" smtClean="0"/>
+              <a:t>dosis</a:t>
+            </a:r>
+            <a:r>
+              <a:rPr lang="en-US" dirty="0" smtClean="0"/>
+              <a:t> </a:t>
+            </a:r>
+            <a:r>
+              <a:rPr lang="en-US" dirty="0" err="1" smtClean="0"/>
+              <a:t>pupuk</a:t>
+            </a:r>
+            <a:r>
+              <a:rPr lang="en-US" dirty="0" smtClean="0"/>
+              <a:t> yang </a:t>
+            </a:r>
+            <a:r>
+              <a:rPr lang="en-US" dirty="0" err="1" smtClean="0"/>
+              <a:t>diberikan</a:t>
+            </a:r>
+            <a:r>
+              <a:rPr lang="en-US" dirty="0" smtClean="0"/>
+              <a:t>, (3) </a:t>
+            </a:r>
+            <a:r>
+              <a:rPr lang="en-US" dirty="0" err="1" smtClean="0"/>
+              <a:t>kandungan</a:t>
+            </a:r>
+            <a:r>
+              <a:rPr lang="en-US" dirty="0" smtClean="0"/>
+              <a:t> </a:t>
+            </a:r>
+            <a:r>
+              <a:rPr lang="en-US" dirty="0" err="1" smtClean="0"/>
+              <a:t>hara</a:t>
+            </a:r>
+            <a:r>
+              <a:rPr lang="en-US" dirty="0" smtClean="0"/>
+              <a:t> </a:t>
+            </a:r>
+            <a:r>
+              <a:rPr lang="en-US" dirty="0" err="1" smtClean="0"/>
+              <a:t>tanah</a:t>
+            </a:r>
+            <a:r>
+              <a:rPr lang="en-US" dirty="0" smtClean="0"/>
+              <a:t>, (4) </a:t>
+            </a:r>
+            <a:r>
+              <a:rPr lang="en-US" dirty="0" err="1" smtClean="0"/>
+              <a:t>curah</a:t>
+            </a:r>
+            <a:r>
+              <a:rPr lang="en-US" dirty="0" smtClean="0"/>
+              <a:t> </a:t>
+            </a:r>
+            <a:r>
+              <a:rPr lang="en-US" dirty="0" err="1" smtClean="0"/>
+              <a:t>hujan</a:t>
+            </a:r>
+            <a:r>
+              <a:rPr lang="en-US" dirty="0" smtClean="0"/>
+              <a:t> </a:t>
+            </a:r>
+            <a:r>
+              <a:rPr lang="en-US" dirty="0" err="1" smtClean="0"/>
+              <a:t>di</a:t>
+            </a:r>
+            <a:r>
+              <a:rPr lang="en-US" dirty="0" smtClean="0"/>
+              <a:t> </a:t>
+            </a:r>
+            <a:r>
+              <a:rPr lang="en-US" dirty="0" err="1" smtClean="0"/>
+              <a:t>lokasi</a:t>
+            </a:r>
+            <a:r>
+              <a:rPr lang="en-US" dirty="0" smtClean="0"/>
+              <a:t> </a:t>
+            </a:r>
+            <a:r>
+              <a:rPr lang="en-US" dirty="0" err="1" smtClean="0"/>
+              <a:t>penanaman</a:t>
+            </a:r>
+            <a:r>
+              <a:rPr lang="en-US" dirty="0" smtClean="0"/>
+              <a:t>.</a:t>
+            </a:r>
           </a:p>
         </p:txBody>
       </p:sp>
     </p:spTree>
     <p:extLst>
       <p:ext uri="{BB962C8B-B14F-4D97-AF65-F5344CB8AC3E}">
-        <p14:creationId xmlns:p14="http://schemas.microsoft.com/office/powerpoint/2010/main" val="3270640712"/>
+        <p14:creationId xmlns:p14="http://schemas.microsoft.com/office/powerpoint/2010/main" val="4017719703"/>
       </p:ext>
     </p:extLst>
   </p:cSld>
@@ -24551,35 +24666,12 @@
       </p:grpSpPr>
       <p:sp>
         <p:nvSpPr>
-          <p:cNvPr id="2" name="Title 1"/>
+          <p:cNvPr id="20483" name="Rectangle 2"/>
           <p:cNvSpPr>
-            <a:spLocks noGrp="1"/>
+            <a:spLocks noGrp="1" noChangeArrowheads="1"/>
           </p:cNvSpPr>
           <p:nvPr>
             <p:ph type="title"/>
-          </p:nvPr>
-        </p:nvSpPr>
-        <p:spPr/>
-        <p:txBody>
-          <a:bodyPr/>
-          <a:lstStyle/>
-          <a:p>
-            <a:r>
-              <a:rPr lang="en-US" dirty="0" err="1" smtClean="0"/>
-              <a:t>Pengantar</a:t>
-            </a:r>
-            <a:endParaRPr lang="en-US" dirty="0"/>
-          </a:p>
-        </p:txBody>
-      </p:sp>
-      <p:sp>
-        <p:nvSpPr>
-          <p:cNvPr id="3" name="Content Placeholder 2"/>
-          <p:cNvSpPr>
-            <a:spLocks noGrp="1"/>
-          </p:cNvSpPr>
-          <p:nvPr>
-            <p:ph idx="1"/>
           </p:nvPr>
         </p:nvSpPr>
         <p:spPr/>
@@ -24589,9 +24681,10 @@
           </a:bodyPr>
           <a:lstStyle/>
           <a:p>
+            <a:pPr eaLnBrk="1" hangingPunct="1"/>
             <a:r>
               <a:rPr lang="en-US" dirty="0" err="1" smtClean="0"/>
-              <a:t>Harga</a:t>
+              <a:t>Pengujian</a:t>
             </a:r>
             <a:r>
               <a:rPr lang="en-US" dirty="0" smtClean="0"/>
@@ -24599,7 +24692,7 @@
             </a:r>
             <a:r>
               <a:rPr lang="en-US" dirty="0" err="1" smtClean="0"/>
-              <a:t>jual</a:t>
+              <a:t>Pengaruh</a:t>
             </a:r>
             <a:r>
               <a:rPr lang="en-US" dirty="0" smtClean="0"/>
@@ -24607,7 +24700,7 @@
             </a:r>
             <a:r>
               <a:rPr lang="en-US" dirty="0" err="1" smtClean="0"/>
-              <a:t>rumah</a:t>
+              <a:t>Variabel</a:t>
             </a:r>
             <a:r>
               <a:rPr lang="en-US" dirty="0" smtClean="0"/>
@@ -24615,291 +24708,614 @@
             </a:r>
             <a:r>
               <a:rPr lang="en-US" dirty="0" err="1" smtClean="0"/>
-              <a:t>dipengaruhi</a:t>
-            </a:r>
-            <a:r>
-              <a:rPr lang="en-US" dirty="0" smtClean="0"/>
-              <a:t> </a:t>
-            </a:r>
-            <a:r>
-              <a:rPr lang="en-US" dirty="0" err="1" smtClean="0"/>
-              <a:t>oleh</a:t>
-            </a:r>
-            <a:r>
-              <a:rPr lang="en-US" dirty="0" smtClean="0"/>
-              <a:t> </a:t>
-            </a:r>
-            <a:r>
-              <a:rPr lang="en-US" dirty="0" err="1" smtClean="0"/>
-              <a:t>beberapa</a:t>
-            </a:r>
-            <a:r>
-              <a:rPr lang="en-US" dirty="0" smtClean="0"/>
-              <a:t> </a:t>
-            </a:r>
-            <a:r>
-              <a:rPr lang="en-US" dirty="0" err="1" smtClean="0"/>
-              <a:t>peubah</a:t>
-            </a:r>
-            <a:r>
-              <a:rPr lang="en-US" dirty="0" smtClean="0"/>
-              <a:t> </a:t>
-            </a:r>
-            <a:r>
-              <a:rPr lang="en-US" dirty="0" err="1" smtClean="0"/>
-              <a:t>penjelas</a:t>
-            </a:r>
-            <a:r>
-              <a:rPr lang="en-US" dirty="0" smtClean="0"/>
+              <a:t>Penjelas</a:t>
+            </a:r>
+            <a:endParaRPr lang="en-US" dirty="0" smtClean="0"/>
+          </a:p>
+        </p:txBody>
+      </p:sp>
+      <p:sp>
+        <p:nvSpPr>
+          <p:cNvPr id="20484" name="Rectangle 3"/>
+          <p:cNvSpPr>
+            <a:spLocks noGrp="1" noChangeArrowheads="1"/>
+          </p:cNvSpPr>
+          <p:nvPr>
+            <p:ph idx="1"/>
+          </p:nvPr>
+        </p:nvSpPr>
+        <p:spPr>
+          <a:xfrm>
+            <a:off x="1104900" y="1762115"/>
+            <a:ext cx="7848600" cy="4038600"/>
+          </a:xfrm>
+        </p:spPr>
+        <p:txBody>
+          <a:bodyPr>
+            <a:noAutofit/>
+          </a:bodyPr>
+          <a:lstStyle/>
+          <a:p>
+            <a:r>
+              <a:rPr lang="en-US" sz="2400" dirty="0" err="1"/>
+              <a:t>Uji</a:t>
+            </a:r>
+            <a:r>
+              <a:rPr lang="en-US" sz="2400" dirty="0"/>
+              <a:t> </a:t>
+            </a:r>
+            <a:r>
+              <a:rPr lang="en-US" sz="2400" dirty="0" err="1" smtClean="0"/>
+              <a:t>Simultan</a:t>
+            </a:r>
+            <a:r>
+              <a:rPr lang="en-US" sz="2400" dirty="0"/>
+              <a:t> </a:t>
+            </a:r>
+            <a:r>
+              <a:rPr lang="en-US" sz="2400" dirty="0">
+                <a:sym typeface="Wingdings" pitchFamily="2" charset="2"/>
+              </a:rPr>
+              <a:t></a:t>
+            </a:r>
+            <a:r>
+              <a:rPr lang="en-US" sz="2400" dirty="0" smtClean="0"/>
+              <a:t> </a:t>
+            </a:r>
+            <a:r>
+              <a:rPr lang="en-US" sz="2400" dirty="0" err="1" smtClean="0"/>
+              <a:t>uji</a:t>
+            </a:r>
+            <a:r>
+              <a:rPr lang="en-US" sz="2400" dirty="0" smtClean="0"/>
+              <a:t> F</a:t>
+            </a:r>
+            <a:endParaRPr lang="en-US" sz="2400" dirty="0"/>
+          </a:p>
+          <a:p>
+            <a:pPr lvl="1">
+              <a:lnSpc>
+                <a:spcPct val="90000"/>
+              </a:lnSpc>
+            </a:pPr>
+            <a:r>
+              <a:rPr lang="en-US" sz="2000" dirty="0"/>
+              <a:t>ANOVA </a:t>
+            </a:r>
+            <a:r>
+              <a:rPr lang="en-US" sz="2000" dirty="0" err="1"/>
+              <a:t>digunakan</a:t>
+            </a:r>
+            <a:r>
+              <a:rPr lang="en-US" sz="2000" dirty="0"/>
+              <a:t> </a:t>
+            </a:r>
+            <a:r>
+              <a:rPr lang="en-US" sz="2000" dirty="0" err="1"/>
+              <a:t>untuk</a:t>
+            </a:r>
+            <a:r>
+              <a:rPr lang="en-US" sz="2000" dirty="0"/>
+              <a:t> </a:t>
+            </a:r>
+            <a:r>
+              <a:rPr lang="en-US" sz="2000" dirty="0" err="1"/>
+              <a:t>menguji</a:t>
+            </a:r>
+            <a:r>
+              <a:rPr lang="en-US" sz="2000" dirty="0"/>
+              <a:t> </a:t>
+            </a:r>
+            <a:r>
+              <a:rPr lang="en-US" sz="2000" dirty="0" err="1"/>
+              <a:t>secara</a:t>
+            </a:r>
+            <a:r>
+              <a:rPr lang="en-US" sz="2000" dirty="0"/>
+              <a:t> </a:t>
+            </a:r>
+            <a:r>
+              <a:rPr lang="en-US" sz="2000" dirty="0" err="1"/>
+              <a:t>simultan</a:t>
+            </a:r>
+            <a:r>
+              <a:rPr lang="en-US" sz="2000" dirty="0"/>
+              <a:t> </a:t>
+            </a:r>
+            <a:r>
+              <a:rPr lang="en-US" sz="2000" dirty="0" err="1"/>
+              <a:t>pengaruh</a:t>
+            </a:r>
+            <a:r>
+              <a:rPr lang="en-US" sz="2000" dirty="0"/>
+              <a:t> </a:t>
+            </a:r>
+            <a:r>
+              <a:rPr lang="en-US" sz="2000" dirty="0" err="1"/>
+              <a:t>seluruh</a:t>
+            </a:r>
+            <a:r>
+              <a:rPr lang="en-US" sz="2000" dirty="0"/>
+              <a:t> X </a:t>
+            </a:r>
+            <a:r>
+              <a:rPr lang="en-US" sz="2000" dirty="0" err="1"/>
+              <a:t>terhadap</a:t>
+            </a:r>
+            <a:r>
+              <a:rPr lang="en-US" sz="2000" dirty="0"/>
+              <a:t> Y</a:t>
+            </a:r>
+          </a:p>
+          <a:p>
+            <a:pPr lvl="2">
+              <a:lnSpc>
+                <a:spcPct val="90000"/>
+              </a:lnSpc>
+            </a:pPr>
+            <a:r>
+              <a:rPr lang="en-US" sz="1800" dirty="0"/>
+              <a:t>H</a:t>
+            </a:r>
+            <a:r>
+              <a:rPr lang="en-US" sz="1800" baseline="-25000" dirty="0"/>
+              <a:t>0</a:t>
+            </a:r>
+            <a:r>
+              <a:rPr lang="en-US" sz="1800" dirty="0"/>
+              <a:t>: </a:t>
+            </a:r>
+            <a:r>
+              <a:rPr lang="en-US" sz="1800" dirty="0" err="1"/>
+              <a:t>semua</a:t>
+            </a:r>
+            <a:r>
+              <a:rPr lang="en-US" sz="1800" dirty="0"/>
+              <a:t> b</a:t>
+            </a:r>
+            <a:r>
+              <a:rPr lang="en-US" sz="1800" baseline="-25000" dirty="0"/>
+              <a:t>i</a:t>
+            </a:r>
+            <a:r>
+              <a:rPr lang="en-US" sz="1800" dirty="0"/>
+              <a:t> = 0 (</a:t>
+            </a:r>
+            <a:r>
+              <a:rPr lang="en-US" sz="1800" dirty="0" err="1"/>
+              <a:t>tidak</a:t>
+            </a:r>
+            <a:r>
+              <a:rPr lang="en-US" sz="1800" dirty="0"/>
+              <a:t> </a:t>
+            </a:r>
+            <a:r>
+              <a:rPr lang="en-US" sz="1800" dirty="0" err="1"/>
+              <a:t>ada</a:t>
+            </a:r>
+            <a:r>
+              <a:rPr lang="en-US" sz="1800" dirty="0"/>
+              <a:t> X yang </a:t>
+            </a:r>
+            <a:r>
+              <a:rPr lang="en-US" sz="1800" dirty="0" err="1"/>
+              <a:t>berpengaruh</a:t>
+            </a:r>
+            <a:r>
+              <a:rPr lang="en-US" sz="1800" dirty="0"/>
+              <a:t> </a:t>
+            </a:r>
+            <a:r>
+              <a:rPr lang="en-US" sz="1800" dirty="0" err="1"/>
+              <a:t>terhadap</a:t>
+            </a:r>
+            <a:r>
+              <a:rPr lang="en-US" sz="1800" dirty="0"/>
+              <a:t> Y)</a:t>
+            </a:r>
+          </a:p>
+          <a:p>
+            <a:pPr lvl="2">
+              <a:lnSpc>
+                <a:spcPct val="90000"/>
+              </a:lnSpc>
+            </a:pPr>
+            <a:r>
+              <a:rPr lang="en-US" sz="1800" dirty="0"/>
+              <a:t>H</a:t>
+            </a:r>
+            <a:r>
+              <a:rPr lang="en-US" sz="1800" baseline="-25000" dirty="0"/>
+              <a:t>1</a:t>
+            </a:r>
+            <a:r>
+              <a:rPr lang="en-US" sz="1800" dirty="0"/>
+              <a:t>: </a:t>
+            </a:r>
+            <a:r>
+              <a:rPr lang="en-US" sz="1800" dirty="0" err="1"/>
+              <a:t>ada</a:t>
+            </a:r>
+            <a:r>
+              <a:rPr lang="en-US" sz="1800" dirty="0"/>
+              <a:t> b</a:t>
+            </a:r>
+            <a:r>
+              <a:rPr lang="en-US" sz="1800" baseline="-25000" dirty="0"/>
+              <a:t>i</a:t>
+            </a:r>
+            <a:r>
+              <a:rPr lang="en-US" sz="1800" dirty="0"/>
+              <a:t> </a:t>
+            </a:r>
+            <a:r>
+              <a:rPr lang="en-US" sz="1800" dirty="0">
+                <a:sym typeface="Symbol" pitchFamily="18" charset="2"/>
+              </a:rPr>
+              <a:t> 0 (</a:t>
+            </a:r>
+            <a:r>
+              <a:rPr lang="en-US" sz="1800" dirty="0" err="1">
+                <a:sym typeface="Symbol" pitchFamily="18" charset="2"/>
+              </a:rPr>
+              <a:t>ada</a:t>
+            </a:r>
+            <a:r>
+              <a:rPr lang="en-US" sz="1800" dirty="0">
+                <a:sym typeface="Symbol" pitchFamily="18" charset="2"/>
+              </a:rPr>
+              <a:t> X yang </a:t>
+            </a:r>
+            <a:r>
+              <a:rPr lang="en-US" sz="1800" dirty="0" err="1">
+                <a:sym typeface="Symbol" pitchFamily="18" charset="2"/>
+              </a:rPr>
+              <a:t>berpengaruh</a:t>
+            </a:r>
+            <a:r>
+              <a:rPr lang="en-US" sz="1800" dirty="0">
+                <a:sym typeface="Symbol" pitchFamily="18" charset="2"/>
+              </a:rPr>
+              <a:t> </a:t>
+            </a:r>
+            <a:r>
+              <a:rPr lang="en-US" sz="1800" dirty="0" err="1">
+                <a:sym typeface="Symbol" pitchFamily="18" charset="2"/>
+              </a:rPr>
+              <a:t>terhadap</a:t>
+            </a:r>
+            <a:r>
+              <a:rPr lang="en-US" sz="1800" dirty="0">
+                <a:sym typeface="Symbol" pitchFamily="18" charset="2"/>
+              </a:rPr>
+              <a:t> Y)</a:t>
+            </a:r>
+          </a:p>
+          <a:p>
+            <a:pPr eaLnBrk="1" hangingPunct="1">
+              <a:lnSpc>
+                <a:spcPct val="90000"/>
+              </a:lnSpc>
+            </a:pPr>
+            <a:endParaRPr lang="en-US" sz="2400" dirty="0">
+              <a:sym typeface="Symbol" pitchFamily="18" charset="2"/>
+            </a:endParaRPr>
+          </a:p>
+          <a:p>
+            <a:pPr eaLnBrk="1" hangingPunct="1">
+              <a:lnSpc>
+                <a:spcPct val="90000"/>
+              </a:lnSpc>
+            </a:pPr>
+            <a:r>
+              <a:rPr lang="en-US" sz="2400" dirty="0" err="1">
+                <a:sym typeface="Symbol" pitchFamily="18" charset="2"/>
+              </a:rPr>
+              <a:t>Jika</a:t>
+            </a:r>
+            <a:r>
+              <a:rPr lang="en-US" sz="2400" dirty="0">
+                <a:sym typeface="Symbol" pitchFamily="18" charset="2"/>
+              </a:rPr>
+              <a:t> </a:t>
+            </a:r>
+            <a:r>
+              <a:rPr lang="en-US" sz="2400" dirty="0" err="1">
+                <a:sym typeface="Symbol" pitchFamily="18" charset="2"/>
+              </a:rPr>
+              <a:t>nilai</a:t>
+            </a:r>
+            <a:r>
+              <a:rPr lang="en-US" sz="2400" dirty="0">
+                <a:sym typeface="Symbol" pitchFamily="18" charset="2"/>
+              </a:rPr>
+              <a:t> </a:t>
+            </a:r>
+            <a:r>
+              <a:rPr lang="en-US" sz="2400" dirty="0">
+                <a:solidFill>
+                  <a:srgbClr val="FF0000"/>
+                </a:solidFill>
+                <a:sym typeface="Symbol" pitchFamily="18" charset="2"/>
+              </a:rPr>
+              <a:t>p-value </a:t>
+            </a:r>
+            <a:r>
+              <a:rPr lang="en-US" sz="2400" dirty="0" err="1">
+                <a:sym typeface="Symbol" pitchFamily="18" charset="2"/>
+              </a:rPr>
+              <a:t>kecil</a:t>
+            </a:r>
+            <a:r>
+              <a:rPr lang="en-US" sz="2400" dirty="0">
+                <a:sym typeface="Symbol" pitchFamily="18" charset="2"/>
+              </a:rPr>
               <a:t>, </a:t>
             </a:r>
             <a:r>
-              <a:rPr lang="en-US" dirty="0" err="1" smtClean="0"/>
-              <a:t>misalnya</a:t>
-            </a:r>
-            <a:r>
-              <a:rPr lang="en-US" dirty="0" smtClean="0"/>
-              <a:t>: (1) </a:t>
-            </a:r>
-            <a:r>
-              <a:rPr lang="en-US" dirty="0" err="1" smtClean="0"/>
-              <a:t>luas</a:t>
-            </a:r>
-            <a:r>
-              <a:rPr lang="en-US" dirty="0" smtClean="0"/>
-              <a:t> </a:t>
-            </a:r>
-            <a:r>
-              <a:rPr lang="en-US" dirty="0" err="1" smtClean="0"/>
-              <a:t>bangunan</a:t>
-            </a:r>
-            <a:r>
-              <a:rPr lang="en-US" dirty="0" smtClean="0"/>
-              <a:t>, (2) </a:t>
-            </a:r>
-            <a:r>
-              <a:rPr lang="en-US" dirty="0" err="1" smtClean="0"/>
-              <a:t>umur</a:t>
-            </a:r>
-            <a:r>
-              <a:rPr lang="en-US" dirty="0" smtClean="0"/>
-              <a:t> </a:t>
-            </a:r>
-            <a:r>
-              <a:rPr lang="en-US" dirty="0" err="1" smtClean="0"/>
-              <a:t>bangunan</a:t>
-            </a:r>
-            <a:r>
-              <a:rPr lang="en-US" dirty="0" smtClean="0"/>
-              <a:t>, (3) </a:t>
-            </a:r>
-            <a:r>
-              <a:rPr lang="en-US" dirty="0" err="1" smtClean="0"/>
-              <a:t>jarak</a:t>
-            </a:r>
-            <a:r>
-              <a:rPr lang="en-US" dirty="0" smtClean="0"/>
-              <a:t> </a:t>
-            </a:r>
-            <a:r>
-              <a:rPr lang="en-US" dirty="0" err="1" smtClean="0"/>
-              <a:t>lokasi</a:t>
-            </a:r>
-            <a:r>
-              <a:rPr lang="en-US" dirty="0" smtClean="0"/>
-              <a:t> </a:t>
-            </a:r>
-            <a:r>
-              <a:rPr lang="en-US" dirty="0" err="1" smtClean="0"/>
-              <a:t>rumah</a:t>
-            </a:r>
-            <a:r>
-              <a:rPr lang="en-US" dirty="0" smtClean="0"/>
-              <a:t> </a:t>
-            </a:r>
-            <a:r>
-              <a:rPr lang="en-US" dirty="0" err="1" smtClean="0"/>
-              <a:t>ke</a:t>
-            </a:r>
-            <a:r>
-              <a:rPr lang="en-US" dirty="0" smtClean="0"/>
-              <a:t> </a:t>
-            </a:r>
-            <a:r>
-              <a:rPr lang="en-US" dirty="0" err="1" smtClean="0"/>
-              <a:t>jalan</a:t>
-            </a:r>
-            <a:r>
-              <a:rPr lang="en-US" dirty="0" smtClean="0"/>
-              <a:t> </a:t>
-            </a:r>
-            <a:r>
-              <a:rPr lang="en-US" dirty="0" err="1" smtClean="0"/>
-              <a:t>raya</a:t>
-            </a:r>
-            <a:r>
-              <a:rPr lang="en-US" dirty="0" smtClean="0"/>
-              <a:t>.</a:t>
-            </a:r>
-          </a:p>
-          <a:p>
-            <a:endParaRPr lang="en-US" dirty="0"/>
-          </a:p>
-          <a:p>
-            <a:r>
-              <a:rPr lang="en-US" dirty="0" err="1" smtClean="0"/>
-              <a:t>Tinggi</a:t>
-            </a:r>
-            <a:r>
-              <a:rPr lang="en-US" dirty="0" smtClean="0"/>
-              <a:t> </a:t>
-            </a:r>
-            <a:r>
-              <a:rPr lang="en-US" dirty="0" err="1" smtClean="0"/>
-              <a:t>pohon</a:t>
-            </a:r>
-            <a:r>
-              <a:rPr lang="en-US" dirty="0" smtClean="0"/>
-              <a:t> </a:t>
-            </a:r>
-            <a:r>
-              <a:rPr lang="en-US" dirty="0" err="1" smtClean="0"/>
-              <a:t>tanaman</a:t>
-            </a:r>
-            <a:r>
-              <a:rPr lang="en-US" dirty="0" smtClean="0"/>
-              <a:t> </a:t>
-            </a:r>
-            <a:r>
-              <a:rPr lang="en-US" dirty="0" err="1" smtClean="0"/>
-              <a:t>tertentu</a:t>
-            </a:r>
-            <a:r>
-              <a:rPr lang="en-US" dirty="0" smtClean="0"/>
-              <a:t> </a:t>
-            </a:r>
-            <a:r>
-              <a:rPr lang="en-US" dirty="0" err="1" smtClean="0"/>
-              <a:t>dipengaruhi</a:t>
-            </a:r>
-            <a:r>
-              <a:rPr lang="en-US" dirty="0" smtClean="0"/>
-              <a:t> </a:t>
-            </a:r>
-            <a:r>
-              <a:rPr lang="en-US" dirty="0" err="1" smtClean="0"/>
-              <a:t>oleh</a:t>
-            </a:r>
-            <a:r>
-              <a:rPr lang="en-US" dirty="0"/>
-              <a:t> </a:t>
-            </a:r>
-            <a:r>
-              <a:rPr lang="en-US" dirty="0" smtClean="0"/>
-              <a:t>(1) </a:t>
-            </a:r>
-            <a:r>
-              <a:rPr lang="en-US" dirty="0" err="1" smtClean="0"/>
-              <a:t>umur</a:t>
-            </a:r>
-            <a:r>
-              <a:rPr lang="en-US" dirty="0" smtClean="0"/>
-              <a:t> </a:t>
-            </a:r>
-            <a:r>
-              <a:rPr lang="en-US" dirty="0" err="1" smtClean="0"/>
-              <a:t>tanaman</a:t>
-            </a:r>
-            <a:r>
-              <a:rPr lang="en-US" dirty="0" smtClean="0"/>
-              <a:t>, (2) </a:t>
-            </a:r>
-            <a:r>
-              <a:rPr lang="en-US" dirty="0" err="1" smtClean="0"/>
-              <a:t>dosis</a:t>
-            </a:r>
-            <a:r>
-              <a:rPr lang="en-US" dirty="0" smtClean="0"/>
-              <a:t> </a:t>
-            </a:r>
-            <a:r>
-              <a:rPr lang="en-US" dirty="0" err="1" smtClean="0"/>
-              <a:t>pupuk</a:t>
-            </a:r>
-            <a:r>
-              <a:rPr lang="en-US" dirty="0" smtClean="0"/>
-              <a:t> yang </a:t>
-            </a:r>
-            <a:r>
-              <a:rPr lang="en-US" dirty="0" err="1" smtClean="0"/>
-              <a:t>diberikan</a:t>
-            </a:r>
-            <a:r>
-              <a:rPr lang="en-US" dirty="0" smtClean="0"/>
-              <a:t>, (3) </a:t>
-            </a:r>
-            <a:r>
-              <a:rPr lang="en-US" dirty="0" err="1" smtClean="0"/>
-              <a:t>kandungan</a:t>
-            </a:r>
-            <a:r>
-              <a:rPr lang="en-US" dirty="0" smtClean="0"/>
-              <a:t> </a:t>
-            </a:r>
-            <a:r>
-              <a:rPr lang="en-US" dirty="0" err="1" smtClean="0"/>
-              <a:t>hara</a:t>
-            </a:r>
-            <a:r>
-              <a:rPr lang="en-US" dirty="0" smtClean="0"/>
-              <a:t> </a:t>
-            </a:r>
-            <a:r>
-              <a:rPr lang="en-US" dirty="0" err="1" smtClean="0"/>
-              <a:t>tanah</a:t>
-            </a:r>
-            <a:r>
-              <a:rPr lang="en-US" dirty="0" smtClean="0"/>
-              <a:t>, (4) </a:t>
-            </a:r>
-            <a:r>
-              <a:rPr lang="en-US" dirty="0" err="1" smtClean="0"/>
-              <a:t>curah</a:t>
-            </a:r>
-            <a:r>
-              <a:rPr lang="en-US" dirty="0" smtClean="0"/>
-              <a:t> </a:t>
-            </a:r>
-            <a:r>
-              <a:rPr lang="en-US" dirty="0" err="1" smtClean="0"/>
-              <a:t>hujan</a:t>
-            </a:r>
-            <a:r>
-              <a:rPr lang="en-US" dirty="0" smtClean="0"/>
-              <a:t> </a:t>
-            </a:r>
-            <a:r>
-              <a:rPr lang="en-US" dirty="0" err="1" smtClean="0"/>
-              <a:t>di</a:t>
-            </a:r>
-            <a:r>
-              <a:rPr lang="en-US" dirty="0" smtClean="0"/>
-              <a:t> </a:t>
-            </a:r>
-            <a:r>
-              <a:rPr lang="en-US" dirty="0" err="1" smtClean="0"/>
-              <a:t>lokasi</a:t>
-            </a:r>
-            <a:r>
-              <a:rPr lang="en-US" dirty="0" smtClean="0"/>
-              <a:t> </a:t>
-            </a:r>
-            <a:r>
-              <a:rPr lang="en-US" dirty="0" err="1" smtClean="0"/>
-              <a:t>penanaman</a:t>
-            </a:r>
-            <a:r>
-              <a:rPr lang="en-US" dirty="0" smtClean="0"/>
+              <a:rPr lang="en-US" sz="2400" dirty="0" err="1">
+                <a:sym typeface="Symbol" pitchFamily="18" charset="2"/>
+              </a:rPr>
+              <a:t>disimpulkan</a:t>
+            </a:r>
+            <a:r>
+              <a:rPr lang="en-US" sz="2400" dirty="0">
+                <a:sym typeface="Symbol" pitchFamily="18" charset="2"/>
+              </a:rPr>
+              <a:t> </a:t>
+            </a:r>
+            <a:r>
+              <a:rPr lang="en-US" sz="2400" dirty="0" err="1">
+                <a:sym typeface="Symbol" pitchFamily="18" charset="2"/>
+              </a:rPr>
+              <a:t>tolak</a:t>
+            </a:r>
+            <a:r>
+              <a:rPr lang="en-US" sz="2400" dirty="0">
+                <a:sym typeface="Symbol" pitchFamily="18" charset="2"/>
+              </a:rPr>
+              <a:t> H</a:t>
+            </a:r>
+            <a:r>
+              <a:rPr lang="en-US" sz="2400" baseline="-25000" dirty="0">
+                <a:sym typeface="Symbol" pitchFamily="18" charset="2"/>
+              </a:rPr>
+              <a:t>0</a:t>
+            </a:r>
+            <a:r>
+              <a:rPr lang="en-US" sz="2400" dirty="0">
+                <a:sym typeface="Symbol" pitchFamily="18" charset="2"/>
+              </a:rPr>
+              <a:t>. </a:t>
+            </a:r>
+            <a:r>
+              <a:rPr lang="en-US" sz="2400" dirty="0" err="1">
+                <a:sym typeface="Symbol" pitchFamily="18" charset="2"/>
+              </a:rPr>
+              <a:t>dengan</a:t>
+            </a:r>
+            <a:r>
+              <a:rPr lang="en-US" sz="2400" dirty="0">
+                <a:sym typeface="Symbol" pitchFamily="18" charset="2"/>
+              </a:rPr>
+              <a:t> </a:t>
+            </a:r>
+            <a:r>
+              <a:rPr lang="en-US" sz="2400" dirty="0" err="1">
+                <a:sym typeface="Symbol" pitchFamily="18" charset="2"/>
+              </a:rPr>
+              <a:t>kata</a:t>
+            </a:r>
+            <a:r>
+              <a:rPr lang="en-US" sz="2400" dirty="0">
+                <a:sym typeface="Symbol" pitchFamily="18" charset="2"/>
+              </a:rPr>
+              <a:t> lain, </a:t>
+            </a:r>
+            <a:r>
+              <a:rPr lang="en-US" sz="2400" dirty="0" err="1">
+                <a:sym typeface="Symbol" pitchFamily="18" charset="2"/>
+              </a:rPr>
+              <a:t>jika</a:t>
+            </a:r>
+            <a:r>
+              <a:rPr lang="en-US" sz="2400" dirty="0">
+                <a:sym typeface="Symbol" pitchFamily="18" charset="2"/>
+              </a:rPr>
+              <a:t> </a:t>
+            </a:r>
+            <a:r>
+              <a:rPr lang="en-US" sz="2400" dirty="0" err="1">
+                <a:sym typeface="Symbol" pitchFamily="18" charset="2"/>
+              </a:rPr>
+              <a:t>nilai</a:t>
+            </a:r>
+            <a:r>
+              <a:rPr lang="en-US" sz="2400" dirty="0">
+                <a:sym typeface="Symbol" pitchFamily="18" charset="2"/>
+              </a:rPr>
+              <a:t> </a:t>
+            </a:r>
+            <a:r>
+              <a:rPr lang="en-US" sz="2400" dirty="0">
+                <a:solidFill>
+                  <a:srgbClr val="FF0000"/>
+                </a:solidFill>
+                <a:sym typeface="Symbol" pitchFamily="18" charset="2"/>
+              </a:rPr>
+              <a:t>p-value </a:t>
+            </a:r>
+            <a:r>
+              <a:rPr lang="en-US" sz="2400" dirty="0" err="1">
+                <a:sym typeface="Symbol" pitchFamily="18" charset="2"/>
+              </a:rPr>
+              <a:t>kecil</a:t>
+            </a:r>
+            <a:r>
+              <a:rPr lang="en-US" sz="2400" dirty="0">
+                <a:sym typeface="Symbol" pitchFamily="18" charset="2"/>
+              </a:rPr>
+              <a:t> </a:t>
+            </a:r>
+            <a:r>
+              <a:rPr lang="en-US" sz="2400" dirty="0" err="1">
+                <a:sym typeface="Symbol" pitchFamily="18" charset="2"/>
+              </a:rPr>
+              <a:t>berarti</a:t>
+            </a:r>
+            <a:r>
+              <a:rPr lang="en-US" sz="2400" dirty="0">
+                <a:sym typeface="Symbol" pitchFamily="18" charset="2"/>
+              </a:rPr>
+              <a:t> </a:t>
+            </a:r>
+            <a:r>
+              <a:rPr lang="en-US" sz="2400" dirty="0" err="1">
+                <a:sym typeface="Symbol" pitchFamily="18" charset="2"/>
+              </a:rPr>
+              <a:t>ada</a:t>
+            </a:r>
+            <a:r>
+              <a:rPr lang="en-US" sz="2400" dirty="0">
+                <a:sym typeface="Symbol" pitchFamily="18" charset="2"/>
+              </a:rPr>
+              <a:t> X yang </a:t>
+            </a:r>
+            <a:r>
+              <a:rPr lang="en-US" sz="2400" dirty="0" err="1">
+                <a:sym typeface="Symbol" pitchFamily="18" charset="2"/>
+              </a:rPr>
+              <a:t>berpengaruh</a:t>
+            </a:r>
+            <a:r>
+              <a:rPr lang="en-US" sz="2400" dirty="0">
+                <a:sym typeface="Symbol" pitchFamily="18" charset="2"/>
+              </a:rPr>
+              <a:t> </a:t>
+            </a:r>
+            <a:r>
+              <a:rPr lang="en-US" sz="2400" dirty="0" err="1">
+                <a:sym typeface="Symbol" pitchFamily="18" charset="2"/>
+              </a:rPr>
+              <a:t>terhadap</a:t>
+            </a:r>
+            <a:r>
+              <a:rPr lang="en-US" sz="2400" dirty="0">
+                <a:sym typeface="Symbol" pitchFamily="18" charset="2"/>
+              </a:rPr>
+              <a:t> Y. </a:t>
+            </a:r>
+          </a:p>
+          <a:p>
+            <a:pPr eaLnBrk="1" hangingPunct="1">
+              <a:lnSpc>
+                <a:spcPct val="90000"/>
+              </a:lnSpc>
+            </a:pPr>
+            <a:endParaRPr lang="en-US" sz="2400" dirty="0">
+              <a:sym typeface="Symbol" pitchFamily="18" charset="2"/>
+            </a:endParaRPr>
+          </a:p>
+          <a:p>
+            <a:pPr eaLnBrk="1" hangingPunct="1">
+              <a:lnSpc>
+                <a:spcPct val="90000"/>
+              </a:lnSpc>
+            </a:pPr>
+            <a:r>
+              <a:rPr lang="en-US" sz="2400" dirty="0" err="1">
+                <a:sym typeface="Symbol" pitchFamily="18" charset="2"/>
+              </a:rPr>
+              <a:t>Sebaliknya</a:t>
+            </a:r>
+            <a:r>
+              <a:rPr lang="en-US" sz="2400" dirty="0">
+                <a:sym typeface="Symbol" pitchFamily="18" charset="2"/>
+              </a:rPr>
+              <a:t>, </a:t>
+            </a:r>
+            <a:r>
+              <a:rPr lang="en-US" sz="2400" dirty="0" err="1">
+                <a:sym typeface="Symbol" pitchFamily="18" charset="2"/>
+              </a:rPr>
+              <a:t>jika</a:t>
+            </a:r>
+            <a:r>
+              <a:rPr lang="en-US" sz="2400" dirty="0">
+                <a:sym typeface="Symbol" pitchFamily="18" charset="2"/>
+              </a:rPr>
+              <a:t> p-value </a:t>
+            </a:r>
+            <a:r>
+              <a:rPr lang="en-US" sz="2400" dirty="0" err="1">
+                <a:sym typeface="Symbol" pitchFamily="18" charset="2"/>
+              </a:rPr>
+              <a:t>besar</a:t>
+            </a:r>
+            <a:r>
+              <a:rPr lang="en-US" sz="2400" dirty="0">
+                <a:sym typeface="Symbol" pitchFamily="18" charset="2"/>
+              </a:rPr>
+              <a:t>, </a:t>
+            </a:r>
+            <a:r>
+              <a:rPr lang="en-US" sz="2400" dirty="0" err="1">
+                <a:sym typeface="Symbol" pitchFamily="18" charset="2"/>
+              </a:rPr>
+              <a:t>maka</a:t>
+            </a:r>
+            <a:r>
+              <a:rPr lang="en-US" sz="2400" dirty="0">
+                <a:sym typeface="Symbol" pitchFamily="18" charset="2"/>
+              </a:rPr>
+              <a:t> </a:t>
+            </a:r>
+            <a:r>
+              <a:rPr lang="en-US" sz="2400" dirty="0" err="1">
+                <a:sym typeface="Symbol" pitchFamily="18" charset="2"/>
+              </a:rPr>
+              <a:t>tidak</a:t>
+            </a:r>
+            <a:r>
+              <a:rPr lang="en-US" sz="2400" dirty="0">
+                <a:sym typeface="Symbol" pitchFamily="18" charset="2"/>
+              </a:rPr>
+              <a:t> </a:t>
+            </a:r>
+            <a:r>
+              <a:rPr lang="en-US" sz="2400" dirty="0" err="1">
+                <a:sym typeface="Symbol" pitchFamily="18" charset="2"/>
+              </a:rPr>
+              <a:t>ada</a:t>
+            </a:r>
+            <a:r>
+              <a:rPr lang="en-US" sz="2400" dirty="0">
+                <a:sym typeface="Symbol" pitchFamily="18" charset="2"/>
+              </a:rPr>
+              <a:t> X yang </a:t>
+            </a:r>
+            <a:r>
+              <a:rPr lang="en-US" sz="2400" dirty="0" err="1">
+                <a:sym typeface="Symbol" pitchFamily="18" charset="2"/>
+              </a:rPr>
+              <a:t>pengaruhnya</a:t>
+            </a:r>
+            <a:r>
+              <a:rPr lang="en-US" sz="2400" dirty="0">
+                <a:sym typeface="Symbol" pitchFamily="18" charset="2"/>
+              </a:rPr>
+              <a:t> </a:t>
+            </a:r>
+            <a:r>
+              <a:rPr lang="en-US" sz="2400" dirty="0" err="1">
+                <a:sym typeface="Symbol" pitchFamily="18" charset="2"/>
+              </a:rPr>
+              <a:t>signifikan</a:t>
+            </a:r>
+            <a:r>
+              <a:rPr lang="en-US" sz="2400" dirty="0">
+                <a:sym typeface="Symbol" pitchFamily="18" charset="2"/>
+              </a:rPr>
               <a:t>.</a:t>
             </a:r>
           </a:p>
@@ -24908,7 +25324,7 @@
     </p:spTree>
     <p:extLst>
       <p:ext uri="{BB962C8B-B14F-4D97-AF65-F5344CB8AC3E}">
-        <p14:creationId xmlns:p14="http://schemas.microsoft.com/office/powerpoint/2010/main" val="4017719703"/>
+        <p14:creationId xmlns:p14="http://schemas.microsoft.com/office/powerpoint/2010/main" val="2186515253"/>
       </p:ext>
     </p:extLst>
   </p:cSld>
@@ -24956,9 +25372,9 @@
       </p:grpSpPr>
       <p:sp>
         <p:nvSpPr>
-          <p:cNvPr id="20483" name="Rectangle 2"/>
+          <p:cNvPr id="2" name="Title 1"/>
           <p:cNvSpPr>
-            <a:spLocks noGrp="1" noChangeArrowheads="1"/>
+            <a:spLocks noGrp="1"/>
           </p:cNvSpPr>
           <p:nvPr>
             <p:ph type="title"/>
@@ -24971,7 +25387,6 @@
           </a:bodyPr>
           <a:lstStyle/>
           <a:p>
-            <a:pPr eaLnBrk="1" hangingPunct="1"/>
             <a:r>
               <a:rPr lang="en-US" dirty="0" err="1" smtClean="0"/>
               <a:t>Pengujian</a:t>
@@ -25000,144 +25415,68 @@
               <a:rPr lang="en-US" dirty="0" err="1" smtClean="0"/>
               <a:t>Penjelas</a:t>
             </a:r>
-            <a:endParaRPr lang="en-US" dirty="0" smtClean="0"/>
+            <a:endParaRPr lang="en-US" dirty="0"/>
           </a:p>
         </p:txBody>
       </p:sp>
       <p:sp>
         <p:nvSpPr>
-          <p:cNvPr id="20484" name="Rectangle 3"/>
+          <p:cNvPr id="3" name="Content Placeholder 2"/>
           <p:cNvSpPr>
-            <a:spLocks noGrp="1" noChangeArrowheads="1"/>
+            <a:spLocks noGrp="1"/>
           </p:cNvSpPr>
           <p:nvPr>
             <p:ph idx="1"/>
           </p:nvPr>
         </p:nvSpPr>
-        <p:spPr>
-          <a:xfrm>
-            <a:off x="1104900" y="1762115"/>
-            <a:ext cx="7848600" cy="4038600"/>
-          </a:xfrm>
-        </p:spPr>
+        <p:spPr/>
         <p:txBody>
-          <a:bodyPr>
-            <a:noAutofit/>
-          </a:bodyPr>
+          <a:bodyPr/>
           <a:lstStyle/>
           <a:p>
-            <a:pPr eaLnBrk="1" hangingPunct="1">
-              <a:lnSpc>
-                <a:spcPct val="90000"/>
-              </a:lnSpc>
-            </a:pPr>
-            <a:r>
-              <a:rPr lang="en-US" sz="2400" dirty="0" err="1"/>
+            <a:r>
+              <a:rPr lang="en-US" dirty="0" err="1" smtClean="0"/>
               <a:t>Uji</a:t>
             </a:r>
             <a:r>
-              <a:rPr lang="en-US" sz="2400" dirty="0"/>
-              <a:t> </a:t>
-            </a:r>
-            <a:r>
-              <a:rPr lang="en-US" sz="2400" dirty="0" err="1" smtClean="0"/>
-              <a:t>Simultan</a:t>
-            </a:r>
-            <a:r>
-              <a:rPr lang="en-US" sz="2400" dirty="0" smtClean="0"/>
-              <a:t>- </a:t>
-            </a:r>
-            <a:r>
-              <a:rPr lang="en-US" sz="2400" dirty="0" err="1" smtClean="0"/>
+              <a:rPr lang="en-US" dirty="0" smtClean="0"/>
+              <a:t> </a:t>
+            </a:r>
+            <a:r>
+              <a:rPr lang="en-US" dirty="0" err="1" smtClean="0"/>
+              <a:t>Parsial</a:t>
+            </a:r>
+            <a:r>
+              <a:rPr lang="en-US" dirty="0" smtClean="0"/>
+              <a:t> </a:t>
+            </a:r>
+            <a:r>
+              <a:rPr lang="en-US" dirty="0" smtClean="0">
+                <a:sym typeface="Wingdings" pitchFamily="2" charset="2"/>
+              </a:rPr>
+              <a:t> </a:t>
+            </a:r>
+            <a:r>
+              <a:rPr lang="en-US" dirty="0" err="1" smtClean="0">
+                <a:sym typeface="Wingdings" pitchFamily="2" charset="2"/>
+              </a:rPr>
               <a:t>uji</a:t>
             </a:r>
             <a:r>
-              <a:rPr lang="en-US" sz="2400" dirty="0" smtClean="0"/>
-              <a:t> F</a:t>
-            </a:r>
-            <a:endParaRPr lang="en-US" sz="2400" dirty="0"/>
-          </a:p>
-          <a:p>
-            <a:pPr lvl="1">
-              <a:lnSpc>
-                <a:spcPct val="90000"/>
-              </a:lnSpc>
-            </a:pPr>
-            <a:r>
-              <a:rPr lang="en-US" sz="2000" dirty="0"/>
-              <a:t>ANOVA </a:t>
-            </a:r>
-            <a:r>
-              <a:rPr lang="en-US" sz="2000" dirty="0" err="1"/>
-              <a:t>digunakan</a:t>
-            </a:r>
-            <a:r>
-              <a:rPr lang="en-US" sz="2000" dirty="0"/>
-              <a:t> </a:t>
-            </a:r>
-            <a:r>
-              <a:rPr lang="en-US" sz="2000" dirty="0" err="1"/>
-              <a:t>untuk</a:t>
-            </a:r>
-            <a:r>
-              <a:rPr lang="en-US" sz="2000" dirty="0"/>
-              <a:t> </a:t>
-            </a:r>
-            <a:r>
-              <a:rPr lang="en-US" sz="2000" dirty="0" err="1"/>
-              <a:t>menguji</a:t>
-            </a:r>
-            <a:r>
-              <a:rPr lang="en-US" sz="2000" dirty="0"/>
-              <a:t> </a:t>
-            </a:r>
-            <a:r>
-              <a:rPr lang="en-US" sz="2000" dirty="0" err="1"/>
-              <a:t>secara</a:t>
-            </a:r>
-            <a:r>
-              <a:rPr lang="en-US" sz="2000" dirty="0"/>
-              <a:t> </a:t>
-            </a:r>
-            <a:r>
-              <a:rPr lang="en-US" sz="2000" dirty="0" err="1"/>
-              <a:t>simultan</a:t>
-            </a:r>
-            <a:r>
-              <a:rPr lang="en-US" sz="2000" dirty="0"/>
-              <a:t> </a:t>
-            </a:r>
-            <a:r>
-              <a:rPr lang="en-US" sz="2000" dirty="0" err="1"/>
-              <a:t>pengaruh</a:t>
-            </a:r>
-            <a:r>
-              <a:rPr lang="en-US" sz="2000" dirty="0"/>
-              <a:t> </a:t>
-            </a:r>
-            <a:r>
-              <a:rPr lang="en-US" sz="2000" dirty="0" err="1"/>
-              <a:t>seluruh</a:t>
-            </a:r>
-            <a:r>
-              <a:rPr lang="en-US" sz="2000" dirty="0"/>
-              <a:t> X </a:t>
-            </a:r>
-            <a:r>
-              <a:rPr lang="en-US" sz="2000" dirty="0" err="1"/>
-              <a:t>terhadap</a:t>
-            </a:r>
-            <a:r>
-              <a:rPr lang="en-US" sz="2000" dirty="0"/>
-              <a:t> Y</a:t>
-            </a:r>
-          </a:p>
-          <a:p>
-            <a:pPr lvl="2">
-              <a:lnSpc>
-                <a:spcPct val="90000"/>
-              </a:lnSpc>
-            </a:pPr>
+              <a:rPr lang="en-US" dirty="0" smtClean="0">
+                <a:sym typeface="Wingdings" pitchFamily="2" charset="2"/>
+              </a:rPr>
+              <a:t> </a:t>
+            </a:r>
+            <a:r>
+              <a:rPr lang="en-US" dirty="0" smtClean="0">
+                <a:sym typeface="Wingdings" pitchFamily="2" charset="2"/>
+              </a:rPr>
+              <a:t>t</a:t>
+            </a:r>
+          </a:p>
+          <a:p>
+            <a:pPr marL="628650" lvl="2"/>
             <a:r>
               <a:rPr lang="en-US" sz="1800" dirty="0"/>
               <a:t>H</a:t>
@@ -25151,60 +25490,37 @@
               <a:t>: </a:t>
             </a:r>
             <a:r>
-              <a:rPr lang="en-US" sz="1800" dirty="0" err="1"/>
-              <a:t>semua</a:t>
-            </a:r>
-            <a:r>
-              <a:rPr lang="en-US" sz="1800" dirty="0"/>
-              <a:t> b</a:t>
-            </a:r>
-            <a:r>
-              <a:rPr lang="en-US" sz="1800" baseline="-25000" dirty="0"/>
-              <a:t>i</a:t>
-            </a:r>
-            <a:r>
-              <a:rPr lang="en-US" sz="1800" dirty="0"/>
-              <a:t> = 0 (</a:t>
-            </a:r>
-            <a:r>
-              <a:rPr lang="en-US" sz="1800" dirty="0" err="1"/>
+              <a:rPr lang="en-US" sz="1800" dirty="0" smtClean="0"/>
+              <a:t>X </a:t>
+            </a:r>
+            <a:r>
+              <a:rPr lang="en-US" sz="1800" dirty="0" err="1" smtClean="0"/>
               <a:t>tidak</a:t>
             </a:r>
             <a:r>
-              <a:rPr lang="en-US" sz="1800" dirty="0"/>
-              <a:t> </a:t>
-            </a:r>
-            <a:r>
-              <a:rPr lang="en-US" sz="1800" dirty="0" err="1"/>
-              <a:t>ada</a:t>
-            </a:r>
-            <a:r>
-              <a:rPr lang="en-US" sz="1800" dirty="0"/>
-              <a:t> X yang </a:t>
-            </a:r>
-            <a:r>
-              <a:rPr lang="en-US" sz="1800" dirty="0" err="1"/>
+              <a:rPr lang="en-US" sz="1800" dirty="0" smtClean="0"/>
+              <a:t> </a:t>
+            </a:r>
+            <a:r>
+              <a:rPr lang="en-US" sz="1800" dirty="0" err="1" smtClean="0"/>
               <a:t>berpengaruh</a:t>
             </a:r>
             <a:r>
-              <a:rPr lang="en-US" sz="1800" dirty="0"/>
-              <a:t> </a:t>
-            </a:r>
-            <a:r>
-              <a:rPr lang="en-US" sz="1800" dirty="0" err="1"/>
+              <a:rPr lang="en-US" sz="1800" dirty="0" smtClean="0"/>
+              <a:t> </a:t>
+            </a:r>
+            <a:r>
+              <a:rPr lang="en-US" sz="1800" dirty="0" err="1" smtClean="0"/>
               <a:t>terhadap</a:t>
             </a:r>
             <a:r>
-              <a:rPr lang="en-US" sz="1800" dirty="0"/>
-              <a:t> Y)</a:t>
-            </a:r>
-          </a:p>
-          <a:p>
-            <a:pPr lvl="2">
-              <a:lnSpc>
-                <a:spcPct val="90000"/>
-              </a:lnSpc>
-            </a:pPr>
+              <a:rPr lang="en-US" sz="1800" dirty="0" smtClean="0"/>
+              <a:t> Y</a:t>
+            </a:r>
+            <a:endParaRPr lang="en-US" sz="1800" dirty="0"/>
+          </a:p>
+          <a:p>
+            <a:pPr marL="628650" lvl="2"/>
             <a:r>
               <a:rPr lang="en-US" sz="1800" dirty="0"/>
               <a:t>H</a:t>
@@ -25218,398 +25534,189 @@
               <a:t>: </a:t>
             </a:r>
             <a:r>
-              <a:rPr lang="en-US" sz="1800" dirty="0" err="1"/>
-              <a:t>ada</a:t>
-            </a:r>
-            <a:r>
-              <a:rPr lang="en-US" sz="1800" dirty="0"/>
-              <a:t> b</a:t>
-            </a:r>
-            <a:r>
-              <a:rPr lang="en-US" sz="1800" baseline="-25000" dirty="0"/>
-              <a:t>i</a:t>
-            </a:r>
-            <a:r>
-              <a:rPr lang="en-US" sz="1800" dirty="0"/>
-              <a:t> </a:t>
-            </a:r>
-            <a:r>
-              <a:rPr lang="en-US" sz="1800" dirty="0">
-                <a:sym typeface="Symbol" pitchFamily="18" charset="2"/>
-              </a:rPr>
-              <a:t> 0 (</a:t>
-            </a:r>
-            <a:r>
-              <a:rPr lang="en-US" sz="1800" dirty="0" err="1">
-                <a:sym typeface="Symbol" pitchFamily="18" charset="2"/>
-              </a:rPr>
-              <a:t>ada</a:t>
-            </a:r>
-            <a:r>
-              <a:rPr lang="en-US" sz="1800" dirty="0">
-                <a:sym typeface="Symbol" pitchFamily="18" charset="2"/>
-              </a:rPr>
-              <a:t> X yang </a:t>
-            </a:r>
-            <a:r>
-              <a:rPr lang="en-US" sz="1800" dirty="0" err="1">
-                <a:sym typeface="Symbol" pitchFamily="18" charset="2"/>
-              </a:rPr>
+              <a:rPr lang="en-US" sz="1800" dirty="0" smtClean="0"/>
+              <a:t>X </a:t>
+            </a:r>
+            <a:r>
+              <a:rPr lang="en-US" sz="1800" dirty="0" err="1" smtClean="0"/>
               <a:t>berpengaruh</a:t>
             </a:r>
             <a:r>
-              <a:rPr lang="en-US" sz="1800" dirty="0">
-                <a:sym typeface="Symbol" pitchFamily="18" charset="2"/>
-              </a:rPr>
-              <a:t> </a:t>
-            </a:r>
-            <a:r>
-              <a:rPr lang="en-US" sz="1800" dirty="0" err="1">
-                <a:sym typeface="Symbol" pitchFamily="18" charset="2"/>
-              </a:rPr>
+              <a:rPr lang="en-US" sz="1800" dirty="0" smtClean="0"/>
+              <a:t> </a:t>
+            </a:r>
+            <a:r>
+              <a:rPr lang="en-US" sz="1800" dirty="0" err="1" smtClean="0"/>
               <a:t>terhadap</a:t>
             </a:r>
             <a:r>
-              <a:rPr lang="en-US" sz="1800" dirty="0">
-                <a:sym typeface="Symbol" pitchFamily="18" charset="2"/>
-              </a:rPr>
-              <a:t> Y)</a:t>
-            </a:r>
-          </a:p>
-          <a:p>
-            <a:pPr eaLnBrk="1" hangingPunct="1">
-              <a:lnSpc>
-                <a:spcPct val="90000"/>
-              </a:lnSpc>
-            </a:pPr>
-            <a:endParaRPr lang="en-US" sz="2400" dirty="0">
+              <a:rPr lang="en-US" sz="1800" dirty="0" smtClean="0"/>
+              <a:t> Y</a:t>
+            </a:r>
+            <a:endParaRPr lang="en-US" sz="1800" dirty="0">
               <a:sym typeface="Symbol" pitchFamily="18" charset="2"/>
             </a:endParaRPr>
           </a:p>
           <a:p>
-            <a:pPr eaLnBrk="1" hangingPunct="1">
-              <a:lnSpc>
-                <a:spcPct val="90000"/>
-              </a:lnSpc>
+            <a:pPr marL="0" indent="0">
+              <a:buNone/>
             </a:pPr>
-            <a:r>
-              <a:rPr lang="en-US" sz="2400" dirty="0" err="1">
-                <a:sym typeface="Symbol" pitchFamily="18" charset="2"/>
-              </a:rPr>
-              <a:t>Jika</a:t>
-            </a:r>
-            <a:r>
-              <a:rPr lang="en-US" sz="2400" dirty="0">
-                <a:sym typeface="Symbol" pitchFamily="18" charset="2"/>
-              </a:rPr>
-              <a:t> </a:t>
-            </a:r>
-            <a:r>
-              <a:rPr lang="en-US" sz="2400" dirty="0" err="1">
-                <a:sym typeface="Symbol" pitchFamily="18" charset="2"/>
-              </a:rPr>
-              <a:t>nilai</a:t>
-            </a:r>
-            <a:r>
-              <a:rPr lang="en-US" sz="2400" dirty="0">
-                <a:sym typeface="Symbol" pitchFamily="18" charset="2"/>
-              </a:rPr>
-              <a:t> </a:t>
-            </a:r>
-            <a:r>
-              <a:rPr lang="en-US" sz="2400" dirty="0">
-                <a:solidFill>
-                  <a:srgbClr val="FF0000"/>
-                </a:solidFill>
-                <a:sym typeface="Symbol" pitchFamily="18" charset="2"/>
-              </a:rPr>
-              <a:t>p-value </a:t>
-            </a:r>
-            <a:r>
-              <a:rPr lang="en-US" sz="2400" dirty="0" err="1">
-                <a:sym typeface="Symbol" pitchFamily="18" charset="2"/>
-              </a:rPr>
-              <a:t>kecil</a:t>
-            </a:r>
-            <a:r>
-              <a:rPr lang="en-US" sz="2400" dirty="0">
-                <a:sym typeface="Symbol" pitchFamily="18" charset="2"/>
-              </a:rPr>
-              <a:t>, </a:t>
-            </a:r>
-            <a:r>
-              <a:rPr lang="en-US" sz="2400" dirty="0" err="1">
-                <a:sym typeface="Symbol" pitchFamily="18" charset="2"/>
-              </a:rPr>
-              <a:t>disimpulkan</a:t>
-            </a:r>
-            <a:r>
-              <a:rPr lang="en-US" sz="2400" dirty="0">
-                <a:sym typeface="Symbol" pitchFamily="18" charset="2"/>
-              </a:rPr>
-              <a:t> </a:t>
-            </a:r>
-            <a:r>
-              <a:rPr lang="en-US" sz="2400" dirty="0" err="1">
-                <a:sym typeface="Symbol" pitchFamily="18" charset="2"/>
-              </a:rPr>
-              <a:t>tolak</a:t>
-            </a:r>
-            <a:r>
-              <a:rPr lang="en-US" sz="2400" dirty="0">
-                <a:sym typeface="Symbol" pitchFamily="18" charset="2"/>
-              </a:rPr>
-              <a:t> H</a:t>
-            </a:r>
-            <a:r>
-              <a:rPr lang="en-US" sz="2400" baseline="-25000" dirty="0">
-                <a:sym typeface="Symbol" pitchFamily="18" charset="2"/>
-              </a:rPr>
-              <a:t>0</a:t>
-            </a:r>
-            <a:r>
-              <a:rPr lang="en-US" sz="2400" dirty="0">
-                <a:sym typeface="Symbol" pitchFamily="18" charset="2"/>
-              </a:rPr>
-              <a:t>. </a:t>
-            </a:r>
-            <a:r>
-              <a:rPr lang="en-US" sz="2400" dirty="0" err="1">
-                <a:sym typeface="Symbol" pitchFamily="18" charset="2"/>
-              </a:rPr>
-              <a:t>dengan</a:t>
-            </a:r>
-            <a:r>
-              <a:rPr lang="en-US" sz="2400" dirty="0">
-                <a:sym typeface="Symbol" pitchFamily="18" charset="2"/>
-              </a:rPr>
-              <a:t> </a:t>
-            </a:r>
-            <a:r>
-              <a:rPr lang="en-US" sz="2400" dirty="0" err="1">
-                <a:sym typeface="Symbol" pitchFamily="18" charset="2"/>
-              </a:rPr>
-              <a:t>kata</a:t>
-            </a:r>
-            <a:r>
-              <a:rPr lang="en-US" sz="2400" dirty="0">
-                <a:sym typeface="Symbol" pitchFamily="18" charset="2"/>
-              </a:rPr>
-              <a:t> lain, </a:t>
-            </a:r>
-            <a:r>
-              <a:rPr lang="en-US" sz="2400" dirty="0" err="1">
-                <a:sym typeface="Symbol" pitchFamily="18" charset="2"/>
-              </a:rPr>
-              <a:t>jika</a:t>
-            </a:r>
-            <a:r>
-              <a:rPr lang="en-US" sz="2400" dirty="0">
-                <a:sym typeface="Symbol" pitchFamily="18" charset="2"/>
-              </a:rPr>
-              <a:t> </a:t>
-            </a:r>
-            <a:r>
-              <a:rPr lang="en-US" sz="2400" dirty="0" err="1">
-                <a:sym typeface="Symbol" pitchFamily="18" charset="2"/>
-              </a:rPr>
-              <a:t>nilai</a:t>
-            </a:r>
-            <a:r>
-              <a:rPr lang="en-US" sz="2400" dirty="0">
-                <a:sym typeface="Symbol" pitchFamily="18" charset="2"/>
-              </a:rPr>
-              <a:t> </a:t>
-            </a:r>
-            <a:r>
-              <a:rPr lang="en-US" sz="2400" dirty="0">
-                <a:solidFill>
-                  <a:srgbClr val="FF0000"/>
-                </a:solidFill>
-                <a:sym typeface="Symbol" pitchFamily="18" charset="2"/>
-              </a:rPr>
-              <a:t>p-value </a:t>
-            </a:r>
-            <a:r>
-              <a:rPr lang="en-US" sz="2400" dirty="0" err="1">
-                <a:sym typeface="Symbol" pitchFamily="18" charset="2"/>
-              </a:rPr>
-              <a:t>kecil</a:t>
-            </a:r>
-            <a:r>
-              <a:rPr lang="en-US" sz="2400" dirty="0">
-                <a:sym typeface="Symbol" pitchFamily="18" charset="2"/>
-              </a:rPr>
-              <a:t> </a:t>
-            </a:r>
-            <a:r>
-              <a:rPr lang="en-US" sz="2400" dirty="0" err="1">
-                <a:sym typeface="Symbol" pitchFamily="18" charset="2"/>
-              </a:rPr>
-              <a:t>berarti</a:t>
-            </a:r>
-            <a:r>
-              <a:rPr lang="en-US" sz="2400" dirty="0">
-                <a:sym typeface="Symbol" pitchFamily="18" charset="2"/>
-              </a:rPr>
-              <a:t> </a:t>
-            </a:r>
-            <a:r>
-              <a:rPr lang="en-US" sz="2400" dirty="0" err="1">
-                <a:sym typeface="Symbol" pitchFamily="18" charset="2"/>
-              </a:rPr>
-              <a:t>ada</a:t>
-            </a:r>
-            <a:r>
-              <a:rPr lang="en-US" sz="2400" dirty="0">
-                <a:sym typeface="Symbol" pitchFamily="18" charset="2"/>
-              </a:rPr>
-              <a:t> X yang </a:t>
-            </a:r>
-            <a:r>
-              <a:rPr lang="en-US" sz="2400" dirty="0" err="1">
-                <a:sym typeface="Symbol" pitchFamily="18" charset="2"/>
-              </a:rPr>
-              <a:t>berpengaruh</a:t>
-            </a:r>
-            <a:r>
-              <a:rPr lang="en-US" sz="2400" dirty="0">
-                <a:sym typeface="Symbol" pitchFamily="18" charset="2"/>
-              </a:rPr>
-              <a:t> </a:t>
-            </a:r>
-            <a:r>
-              <a:rPr lang="en-US" sz="2400" dirty="0" err="1">
-                <a:sym typeface="Symbol" pitchFamily="18" charset="2"/>
-              </a:rPr>
-              <a:t>terhadap</a:t>
-            </a:r>
-            <a:r>
-              <a:rPr lang="en-US" sz="2400" dirty="0">
-                <a:sym typeface="Symbol" pitchFamily="18" charset="2"/>
-              </a:rPr>
-              <a:t> Y. </a:t>
-            </a:r>
-          </a:p>
-          <a:p>
-            <a:pPr eaLnBrk="1" hangingPunct="1">
-              <a:lnSpc>
-                <a:spcPct val="90000"/>
-              </a:lnSpc>
-            </a:pPr>
-            <a:endParaRPr lang="en-US" sz="2400" dirty="0">
-              <a:sym typeface="Symbol" pitchFamily="18" charset="2"/>
+            <a:endParaRPr lang="en-US" dirty="0" smtClean="0">
+              <a:sym typeface="Wingdings" pitchFamily="2" charset="2"/>
             </a:endParaRPr>
           </a:p>
           <a:p>
-            <a:pPr eaLnBrk="1" hangingPunct="1">
-              <a:lnSpc>
-                <a:spcPct val="90000"/>
-              </a:lnSpc>
-            </a:pPr>
-            <a:r>
-              <a:rPr lang="en-US" sz="2400" dirty="0" err="1">
-                <a:sym typeface="Symbol" pitchFamily="18" charset="2"/>
-              </a:rPr>
-              <a:t>Sebaliknya</a:t>
-            </a:r>
-            <a:r>
-              <a:rPr lang="en-US" sz="2400" dirty="0">
-                <a:sym typeface="Symbol" pitchFamily="18" charset="2"/>
-              </a:rPr>
-              <a:t>, </a:t>
-            </a:r>
-            <a:r>
-              <a:rPr lang="en-US" sz="2400" dirty="0" err="1">
-                <a:sym typeface="Symbol" pitchFamily="18" charset="2"/>
-              </a:rPr>
-              <a:t>jika</a:t>
-            </a:r>
-            <a:r>
-              <a:rPr lang="en-US" sz="2400" dirty="0">
-                <a:sym typeface="Symbol" pitchFamily="18" charset="2"/>
-              </a:rPr>
-              <a:t> p-value </a:t>
-            </a:r>
-            <a:r>
-              <a:rPr lang="en-US" sz="2400" dirty="0" err="1">
-                <a:sym typeface="Symbol" pitchFamily="18" charset="2"/>
-              </a:rPr>
-              <a:t>besar</a:t>
-            </a:r>
-            <a:r>
-              <a:rPr lang="en-US" sz="2400" dirty="0">
-                <a:sym typeface="Symbol" pitchFamily="18" charset="2"/>
-              </a:rPr>
-              <a:t>, </a:t>
-            </a:r>
-            <a:r>
-              <a:rPr lang="en-US" sz="2400" dirty="0" err="1">
-                <a:sym typeface="Symbol" pitchFamily="18" charset="2"/>
-              </a:rPr>
-              <a:t>maka</a:t>
-            </a:r>
-            <a:r>
-              <a:rPr lang="en-US" sz="2400" dirty="0">
-                <a:sym typeface="Symbol" pitchFamily="18" charset="2"/>
-              </a:rPr>
-              <a:t> </a:t>
-            </a:r>
-            <a:r>
-              <a:rPr lang="en-US" sz="2400" dirty="0" err="1">
-                <a:sym typeface="Symbol" pitchFamily="18" charset="2"/>
-              </a:rPr>
-              <a:t>tidak</a:t>
-            </a:r>
-            <a:r>
-              <a:rPr lang="en-US" sz="2400" dirty="0">
-                <a:sym typeface="Symbol" pitchFamily="18" charset="2"/>
-              </a:rPr>
-              <a:t> </a:t>
-            </a:r>
-            <a:r>
-              <a:rPr lang="en-US" sz="2400" dirty="0" err="1">
-                <a:sym typeface="Symbol" pitchFamily="18" charset="2"/>
-              </a:rPr>
-              <a:t>ada</a:t>
-            </a:r>
-            <a:r>
-              <a:rPr lang="en-US" sz="2400" dirty="0">
-                <a:sym typeface="Symbol" pitchFamily="18" charset="2"/>
-              </a:rPr>
-              <a:t> X yang </a:t>
-            </a:r>
-            <a:r>
-              <a:rPr lang="en-US" sz="2400" dirty="0" err="1">
-                <a:sym typeface="Symbol" pitchFamily="18" charset="2"/>
-              </a:rPr>
-              <a:t>pengaruhnya</a:t>
-            </a:r>
-            <a:r>
-              <a:rPr lang="en-US" sz="2400" dirty="0">
-                <a:sym typeface="Symbol" pitchFamily="18" charset="2"/>
-              </a:rPr>
-              <a:t> </a:t>
-            </a:r>
-            <a:r>
-              <a:rPr lang="en-US" sz="2400" dirty="0" err="1">
-                <a:sym typeface="Symbol" pitchFamily="18" charset="2"/>
-              </a:rPr>
-              <a:t>signifikan</a:t>
-            </a:r>
-            <a:r>
-              <a:rPr lang="en-US" sz="2400" dirty="0">
-                <a:sym typeface="Symbol" pitchFamily="18" charset="2"/>
-              </a:rPr>
+            <a:endParaRPr lang="en-US" dirty="0" smtClean="0"/>
+          </a:p>
+          <a:p>
+            <a:endParaRPr lang="en-US" dirty="0" smtClean="0"/>
+          </a:p>
+          <a:p>
+            <a:endParaRPr lang="en-US" dirty="0" smtClean="0"/>
+          </a:p>
+          <a:p>
+            <a:r>
+              <a:rPr lang="en-US" dirty="0" err="1" smtClean="0"/>
+              <a:t>Menguji</a:t>
+            </a:r>
+            <a:r>
+              <a:rPr lang="en-US" dirty="0" smtClean="0"/>
+              <a:t> </a:t>
+            </a:r>
+            <a:r>
+              <a:rPr lang="en-US" dirty="0" err="1" smtClean="0"/>
+              <a:t>pengaruh</a:t>
+            </a:r>
+            <a:r>
+              <a:rPr lang="en-US" dirty="0" smtClean="0"/>
+              <a:t> </a:t>
+            </a:r>
+            <a:r>
+              <a:rPr lang="en-US" dirty="0" err="1" smtClean="0"/>
+              <a:t>setiap</a:t>
+            </a:r>
+            <a:r>
+              <a:rPr lang="en-US" dirty="0" smtClean="0"/>
+              <a:t> </a:t>
+            </a:r>
+            <a:r>
+              <a:rPr lang="en-US" dirty="0" err="1" smtClean="0"/>
+              <a:t>variabel</a:t>
+            </a:r>
+            <a:r>
+              <a:rPr lang="en-US" dirty="0" smtClean="0"/>
+              <a:t> </a:t>
+            </a:r>
+            <a:r>
+              <a:rPr lang="en-US" dirty="0" err="1" smtClean="0"/>
+              <a:t>penjelas</a:t>
+            </a:r>
+            <a:r>
+              <a:rPr lang="en-US" dirty="0" smtClean="0"/>
+              <a:t> </a:t>
+            </a:r>
+            <a:r>
+              <a:rPr lang="en-US" dirty="0" err="1" smtClean="0"/>
+              <a:t>satu</a:t>
+            </a:r>
+            <a:r>
+              <a:rPr lang="en-US" dirty="0" smtClean="0"/>
+              <a:t> </a:t>
+            </a:r>
+            <a:r>
+              <a:rPr lang="en-US" dirty="0" err="1" smtClean="0"/>
+              <a:t>persatu</a:t>
+            </a:r>
+            <a:r>
+              <a:rPr lang="en-US" dirty="0" smtClean="0"/>
               <a:t>.</a:t>
             </a:r>
+          </a:p>
+          <a:p>
+            <a:endParaRPr lang="en-US" dirty="0" smtClean="0"/>
           </a:p>
         </p:txBody>
       </p:sp>
+      <p:graphicFrame>
+        <p:nvGraphicFramePr>
+          <p:cNvPr id="3074" name="Object 2"/>
+          <p:cNvGraphicFramePr>
+            <a:graphicFrameLocks noChangeAspect="1"/>
+          </p:cNvGraphicFramePr>
+          <p:nvPr>
+            <p:extLst>
+              <p:ext uri="{D42A27DB-BD31-4B8C-83A1-F6EECF244321}">
+                <p14:modId xmlns:p14="http://schemas.microsoft.com/office/powerpoint/2010/main" val="1063946700"/>
+              </p:ext>
+            </p:extLst>
+          </p:nvPr>
+        </p:nvGraphicFramePr>
+        <p:xfrm>
+          <a:off x="3503613" y="3019425"/>
+          <a:ext cx="1687513" cy="1573213"/>
+        </p:xfrm>
+        <a:graphic>
+          <a:graphicData uri="http://schemas.openxmlformats.org/presentationml/2006/ole">
+            <mc:AlternateContent xmlns:mc="http://schemas.openxmlformats.org/markup-compatibility/2006">
+              <mc:Choice xmlns:v="urn:schemas-microsoft-com:vml" Requires="v">
+                <p:oleObj spid="_x0000_s20502" name="Equation" r:id="rId3" imgW="761760" imgH="711000" progId="Equation.3">
+                  <p:embed/>
+                </p:oleObj>
+              </mc:Choice>
+              <mc:Fallback>
+                <p:oleObj name="Equation" r:id="rId3" imgW="761760" imgH="711000" progId="Equation.3">
+                  <p:embed/>
+                  <p:pic>
+                    <p:nvPicPr>
+                      <p:cNvPr id="0" name=""/>
+                      <p:cNvPicPr>
+                        <a:picLocks noChangeAspect="1" noChangeArrowheads="1"/>
+                      </p:cNvPicPr>
+                      <p:nvPr/>
+                    </p:nvPicPr>
+                    <p:blipFill>
+                      <a:blip r:embed="rId4">
+                        <a:extLst>
+                          <a:ext uri="{28A0092B-C50C-407E-A947-70E740481C1C}">
+                            <a14:useLocalDpi xmlns:a14="http://schemas.microsoft.com/office/drawing/2010/main" val="0"/>
+                          </a:ext>
+                        </a:extLst>
+                      </a:blip>
+                      <a:srcRect/>
+                      <a:stretch>
+                        <a:fillRect/>
+                      </a:stretch>
+                    </p:blipFill>
+                    <p:spPr bwMode="auto">
+                      <a:xfrm>
+                        <a:off x="3503613" y="3019425"/>
+                        <a:ext cx="1687513" cy="1573213"/>
+                      </a:xfrm>
+                      <a:prstGeom prst="rect">
+                        <a:avLst/>
+                      </a:prstGeom>
+                      <a:noFill/>
+                      <a:extLst>
+                        <a:ext uri="{909E8E84-426E-40DD-AFC4-6F175D3DCCD1}">
+                          <a14:hiddenFill xmlns:a14="http://schemas.microsoft.com/office/drawing/2010/main">
+                            <a:solidFill>
+                              <a:schemeClr val="tx1"/>
+                            </a:solidFill>
+                          </a14:hiddenFill>
+                        </a:ext>
+                      </a:extLst>
+                    </p:spPr>
+                  </p:pic>
+                </p:oleObj>
+              </mc:Fallback>
+            </mc:AlternateContent>
+          </a:graphicData>
+        </a:graphic>
+      </p:graphicFrame>
     </p:spTree>
     <p:extLst>
       <p:ext uri="{BB962C8B-B14F-4D97-AF65-F5344CB8AC3E}">
-        <p14:creationId xmlns:p14="http://schemas.microsoft.com/office/powerpoint/2010/main" val="2186515253"/>
+        <p14:creationId xmlns:p14="http://schemas.microsoft.com/office/powerpoint/2010/main" val="3673215333"/>
       </p:ext>
     </p:extLst>
   </p:cSld>
@@ -25667,369 +25774,6 @@
         </p:nvSpPr>
         <p:spPr/>
         <p:txBody>
-          <a:bodyPr>
-            <a:normAutofit/>
-          </a:bodyPr>
-          <a:lstStyle/>
-          <a:p>
-            <a:r>
-              <a:rPr lang="en-US" dirty="0" err="1" smtClean="0"/>
-              <a:t>Pengujian</a:t>
-            </a:r>
-            <a:r>
-              <a:rPr lang="en-US" dirty="0" smtClean="0"/>
-              <a:t> </a:t>
-            </a:r>
-            <a:r>
-              <a:rPr lang="en-US" dirty="0" err="1" smtClean="0"/>
-              <a:t>Pengaruh</a:t>
-            </a:r>
-            <a:r>
-              <a:rPr lang="en-US" dirty="0" smtClean="0"/>
-              <a:t> </a:t>
-            </a:r>
-            <a:r>
-              <a:rPr lang="en-US" dirty="0" err="1" smtClean="0"/>
-              <a:t>Variabel</a:t>
-            </a:r>
-            <a:r>
-              <a:rPr lang="en-US" dirty="0" smtClean="0"/>
-              <a:t> </a:t>
-            </a:r>
-            <a:r>
-              <a:rPr lang="en-US" dirty="0" err="1" smtClean="0"/>
-              <a:t>Penjelas</a:t>
-            </a:r>
-            <a:endParaRPr lang="en-US" dirty="0"/>
-          </a:p>
-        </p:txBody>
-      </p:sp>
-      <p:sp>
-        <p:nvSpPr>
-          <p:cNvPr id="3" name="Content Placeholder 2"/>
-          <p:cNvSpPr>
-            <a:spLocks noGrp="1"/>
-          </p:cNvSpPr>
-          <p:nvPr>
-            <p:ph idx="1"/>
-          </p:nvPr>
-        </p:nvSpPr>
-        <p:spPr/>
-        <p:txBody>
-          <a:bodyPr/>
-          <a:lstStyle/>
-          <a:p>
-            <a:r>
-              <a:rPr lang="en-US" dirty="0" err="1" smtClean="0"/>
-              <a:t>Uji</a:t>
-            </a:r>
-            <a:r>
-              <a:rPr lang="en-US" dirty="0" smtClean="0"/>
-              <a:t> </a:t>
-            </a:r>
-            <a:r>
-              <a:rPr lang="en-US" dirty="0" err="1" smtClean="0"/>
-              <a:t>Parsial</a:t>
-            </a:r>
-            <a:r>
-              <a:rPr lang="en-US" dirty="0" smtClean="0"/>
-              <a:t> </a:t>
-            </a:r>
-            <a:r>
-              <a:rPr lang="en-US" dirty="0" smtClean="0">
-                <a:sym typeface="Wingdings" pitchFamily="2" charset="2"/>
-              </a:rPr>
-              <a:t> </a:t>
-            </a:r>
-            <a:r>
-              <a:rPr lang="en-US" dirty="0" err="1" smtClean="0">
-                <a:sym typeface="Wingdings" pitchFamily="2" charset="2"/>
-              </a:rPr>
-              <a:t>uji</a:t>
-            </a:r>
-            <a:r>
-              <a:rPr lang="en-US" dirty="0" smtClean="0">
-                <a:sym typeface="Wingdings" pitchFamily="2" charset="2"/>
-              </a:rPr>
-              <a:t> t</a:t>
-            </a:r>
-          </a:p>
-          <a:p>
-            <a:endParaRPr lang="en-US" dirty="0" smtClean="0"/>
-          </a:p>
-          <a:p>
-            <a:endParaRPr lang="en-US" dirty="0" smtClean="0"/>
-          </a:p>
-          <a:p>
-            <a:endParaRPr lang="en-US" dirty="0" smtClean="0"/>
-          </a:p>
-          <a:p>
-            <a:r>
-              <a:rPr lang="en-US" dirty="0" err="1" smtClean="0"/>
-              <a:t>Menguji</a:t>
-            </a:r>
-            <a:r>
-              <a:rPr lang="en-US" dirty="0" smtClean="0"/>
-              <a:t> </a:t>
-            </a:r>
-            <a:r>
-              <a:rPr lang="en-US" dirty="0" err="1" smtClean="0"/>
-              <a:t>pengaruh</a:t>
-            </a:r>
-            <a:r>
-              <a:rPr lang="en-US" dirty="0" smtClean="0"/>
-              <a:t> </a:t>
-            </a:r>
-            <a:r>
-              <a:rPr lang="en-US" dirty="0" err="1" smtClean="0"/>
-              <a:t>setiap</a:t>
-            </a:r>
-            <a:r>
-              <a:rPr lang="en-US" dirty="0" smtClean="0"/>
-              <a:t> </a:t>
-            </a:r>
-            <a:r>
-              <a:rPr lang="en-US" dirty="0" err="1" smtClean="0"/>
-              <a:t>variabel</a:t>
-            </a:r>
-            <a:r>
-              <a:rPr lang="en-US" dirty="0" smtClean="0"/>
-              <a:t> </a:t>
-            </a:r>
-            <a:r>
-              <a:rPr lang="en-US" dirty="0" err="1" smtClean="0"/>
-              <a:t>penjelas</a:t>
-            </a:r>
-            <a:r>
-              <a:rPr lang="en-US" dirty="0" smtClean="0"/>
-              <a:t> </a:t>
-            </a:r>
-            <a:r>
-              <a:rPr lang="en-US" dirty="0" err="1" smtClean="0"/>
-              <a:t>satu</a:t>
-            </a:r>
-            <a:r>
-              <a:rPr lang="en-US" dirty="0" smtClean="0"/>
-              <a:t> </a:t>
-            </a:r>
-            <a:r>
-              <a:rPr lang="en-US" dirty="0" err="1" smtClean="0"/>
-              <a:t>persatu</a:t>
-            </a:r>
-            <a:r>
-              <a:rPr lang="en-US" dirty="0" smtClean="0"/>
-              <a:t>.</a:t>
-            </a:r>
-          </a:p>
-          <a:p>
-            <a:endParaRPr lang="en-US" dirty="0" smtClean="0"/>
-          </a:p>
-          <a:p>
-            <a:r>
-              <a:rPr lang="en-US" dirty="0" err="1" smtClean="0"/>
-              <a:t>Dilakukan</a:t>
-            </a:r>
-            <a:r>
-              <a:rPr lang="en-US" dirty="0" smtClean="0"/>
-              <a:t> </a:t>
-            </a:r>
-            <a:r>
-              <a:rPr lang="en-US" dirty="0" err="1" smtClean="0"/>
-              <a:t>jika</a:t>
-            </a:r>
-            <a:r>
-              <a:rPr lang="en-US" dirty="0" smtClean="0"/>
-              <a:t> </a:t>
-            </a:r>
-            <a:r>
-              <a:rPr lang="en-US" dirty="0" err="1" smtClean="0"/>
-              <a:t>uji</a:t>
-            </a:r>
-            <a:r>
-              <a:rPr lang="en-US" dirty="0" smtClean="0"/>
-              <a:t> </a:t>
-            </a:r>
-            <a:r>
-              <a:rPr lang="en-US" dirty="0" err="1" smtClean="0"/>
-              <a:t>simultan</a:t>
-            </a:r>
-            <a:r>
-              <a:rPr lang="en-US" dirty="0" smtClean="0"/>
-              <a:t> </a:t>
-            </a:r>
-            <a:r>
-              <a:rPr lang="en-US" dirty="0" err="1" smtClean="0"/>
-              <a:t>menyatakan</a:t>
-            </a:r>
-            <a:r>
-              <a:rPr lang="en-US" dirty="0" smtClean="0"/>
-              <a:t> </a:t>
-            </a:r>
-            <a:r>
-              <a:rPr lang="en-US" dirty="0" err="1" smtClean="0"/>
-              <a:t>tolak</a:t>
-            </a:r>
-            <a:r>
-              <a:rPr lang="en-US" dirty="0" smtClean="0"/>
-              <a:t> H</a:t>
-            </a:r>
-            <a:r>
-              <a:rPr lang="en-US" baseline="-25000" dirty="0" smtClean="0"/>
-              <a:t>0</a:t>
-            </a:r>
-            <a:r>
-              <a:rPr lang="en-US" dirty="0" smtClean="0"/>
-              <a:t> (</a:t>
-            </a:r>
-            <a:r>
-              <a:rPr lang="en-US" dirty="0" err="1" smtClean="0"/>
-              <a:t>signifikan</a:t>
-            </a:r>
-            <a:r>
-              <a:rPr lang="en-US" dirty="0" smtClean="0"/>
-              <a:t>)</a:t>
-            </a:r>
-            <a:endParaRPr lang="en-US" dirty="0"/>
-          </a:p>
-        </p:txBody>
-      </p:sp>
-      <p:graphicFrame>
-        <p:nvGraphicFramePr>
-          <p:cNvPr id="3074" name="Object 2"/>
-          <p:cNvGraphicFramePr>
-            <a:graphicFrameLocks noChangeAspect="1"/>
-          </p:cNvGraphicFramePr>
-          <p:nvPr>
-            <p:extLst>
-              <p:ext uri="{D42A27DB-BD31-4B8C-83A1-F6EECF244321}">
-                <p14:modId xmlns:p14="http://schemas.microsoft.com/office/powerpoint/2010/main" val="1716102383"/>
-              </p:ext>
-            </p:extLst>
-          </p:nvPr>
-        </p:nvGraphicFramePr>
-        <p:xfrm>
-          <a:off x="3055938" y="2085975"/>
-          <a:ext cx="1687513" cy="1573213"/>
-        </p:xfrm>
-        <a:graphic>
-          <a:graphicData uri="http://schemas.openxmlformats.org/presentationml/2006/ole">
-            <mc:AlternateContent xmlns:mc="http://schemas.openxmlformats.org/markup-compatibility/2006">
-              <mc:Choice xmlns:v="urn:schemas-microsoft-com:vml" Requires="v">
-                <p:oleObj spid="_x0000_s20498" name="Equation" r:id="rId3" imgW="761760" imgH="711000" progId="Equation.3">
-                  <p:embed/>
-                </p:oleObj>
-              </mc:Choice>
-              <mc:Fallback>
-                <p:oleObj name="Equation" r:id="rId3" imgW="761760" imgH="711000" progId="Equation.3">
-                  <p:embed/>
-                  <p:pic>
-                    <p:nvPicPr>
-                      <p:cNvPr id="0" name=""/>
-                      <p:cNvPicPr>
-                        <a:picLocks noChangeAspect="1" noChangeArrowheads="1"/>
-                      </p:cNvPicPr>
-                      <p:nvPr/>
-                    </p:nvPicPr>
-                    <p:blipFill>
-                      <a:blip r:embed="rId4">
-                        <a:extLst>
-                          <a:ext uri="{28A0092B-C50C-407E-A947-70E740481C1C}">
-                            <a14:useLocalDpi xmlns:a14="http://schemas.microsoft.com/office/drawing/2010/main" val="0"/>
-                          </a:ext>
-                        </a:extLst>
-                      </a:blip>
-                      <a:srcRect/>
-                      <a:stretch>
-                        <a:fillRect/>
-                      </a:stretch>
-                    </p:blipFill>
-                    <p:spPr bwMode="auto">
-                      <a:xfrm>
-                        <a:off x="3055938" y="2085975"/>
-                        <a:ext cx="1687513" cy="1573213"/>
-                      </a:xfrm>
-                      <a:prstGeom prst="rect">
-                        <a:avLst/>
-                      </a:prstGeom>
-                      <a:noFill/>
-                      <a:extLst>
-                        <a:ext uri="{909E8E84-426E-40DD-AFC4-6F175D3DCCD1}">
-                          <a14:hiddenFill xmlns:a14="http://schemas.microsoft.com/office/drawing/2010/main">
-                            <a:solidFill>
-                              <a:schemeClr val="tx1"/>
-                            </a:solidFill>
-                          </a14:hiddenFill>
-                        </a:ext>
-                      </a:extLst>
-                    </p:spPr>
-                  </p:pic>
-                </p:oleObj>
-              </mc:Fallback>
-            </mc:AlternateContent>
-          </a:graphicData>
-        </a:graphic>
-      </p:graphicFrame>
-    </p:spTree>
-    <p:extLst>
-      <p:ext uri="{BB962C8B-B14F-4D97-AF65-F5344CB8AC3E}">
-        <p14:creationId xmlns:p14="http://schemas.microsoft.com/office/powerpoint/2010/main" val="3673215333"/>
-      </p:ext>
-    </p:extLst>
-  </p:cSld>
-  <p:clrMapOvr>
-    <a:masterClrMapping/>
-  </p:clrMapOvr>
-  <mc:AlternateContent xmlns:mc="http://schemas.openxmlformats.org/markup-compatibility/2006" xmlns:p14="http://schemas.microsoft.com/office/powerpoint/2010/main">
-    <mc:Choice Requires="p14">
-      <p:transition spd="med" p14:dur="700">
-        <p:fade/>
-      </p:transition>
-    </mc:Choice>
-    <mc:Fallback xmlns="">
-      <p:transition spd="med">
-        <p:fade/>
-      </p:transition>
-    </mc:Fallback>
-  </mc:AlternateContent>
-  <p:timing>
-    <p:tnLst>
-      <p:par>
-        <p:cTn id="1" dur="indefinite" restart="never" nodeType="tmRoot"/>
-      </p:par>
-    </p:tnLst>
-  </p:timing>
-</p:sld>
-</file>
-
-<file path=ppt/slides/slide38.xml><?xml version="1.0" encoding="utf-8"?>
-<p:sld xmlns:a="http://schemas.openxmlformats.org/drawingml/2006/main" xmlns:r="http://schemas.openxmlformats.org/officeDocument/2006/relationships" xmlns:p="http://schemas.openxmlformats.org/presentationml/2006/main">
-  <p:cSld>
-    <p:spTree>
-      <p:nvGrpSpPr>
-        <p:cNvPr id="1" name=""/>
-        <p:cNvGrpSpPr/>
-        <p:nvPr/>
-      </p:nvGrpSpPr>
-      <p:grpSpPr>
-        <a:xfrm>
-          <a:off x="0" y="0"/>
-          <a:ext cx="0" cy="0"/>
-          <a:chOff x="0" y="0"/>
-          <a:chExt cx="0" cy="0"/>
-        </a:xfrm>
-      </p:grpSpPr>
-      <p:sp>
-        <p:nvSpPr>
-          <p:cNvPr id="2" name="Title 1"/>
-          <p:cNvSpPr>
-            <a:spLocks noGrp="1"/>
-          </p:cNvSpPr>
-          <p:nvPr>
-            <p:ph type="title"/>
-          </p:nvPr>
-        </p:nvSpPr>
-        <p:spPr/>
-        <p:txBody>
           <a:bodyPr/>
           <a:lstStyle/>
           <a:p>
@@ -26392,7 +26136,7 @@
           <a:graphicData uri="http://schemas.openxmlformats.org/presentationml/2006/ole">
             <mc:AlternateContent xmlns:mc="http://schemas.openxmlformats.org/markup-compatibility/2006">
               <mc:Choice xmlns:v="urn:schemas-microsoft-com:vml" Requires="v">
-                <p:oleObj spid="_x0000_s21538" name="Equation" r:id="rId4" imgW="660240" imgH="393480" progId="Equation.3">
+                <p:oleObj spid="_x0000_s21546" name="Equation" r:id="rId4" imgW="660240" imgH="393480" progId="Equation.3">
                   <p:embed/>
                 </p:oleObj>
               </mc:Choice>
@@ -26462,7 +26206,7 @@
           <a:graphicData uri="http://schemas.openxmlformats.org/presentationml/2006/ole">
             <mc:AlternateContent xmlns:mc="http://schemas.openxmlformats.org/markup-compatibility/2006">
               <mc:Choice xmlns:v="urn:schemas-microsoft-com:vml" Requires="v">
-                <p:oleObj spid="_x0000_s21539" name="Equation" r:id="rId6" imgW="1904760" imgH="419040" progId="Equation.3">
+                <p:oleObj spid="_x0000_s21547" name="Equation" r:id="rId6" imgW="1904760" imgH="419040" progId="Equation.3">
                   <p:embed/>
                 </p:oleObj>
               </mc:Choice>
@@ -26548,6 +26292,464 @@
 </p:sld>
 </file>
 
+<file path=ppt/slides/slide38.xml><?xml version="1.0" encoding="utf-8"?>
+<p:sld xmlns:a="http://schemas.openxmlformats.org/drawingml/2006/main" xmlns:r="http://schemas.openxmlformats.org/officeDocument/2006/relationships" xmlns:p="http://schemas.openxmlformats.org/presentationml/2006/main">
+  <p:cSld>
+    <p:spTree>
+      <p:nvGrpSpPr>
+        <p:cNvPr id="1" name=""/>
+        <p:cNvGrpSpPr/>
+        <p:nvPr/>
+      </p:nvGrpSpPr>
+      <p:grpSpPr>
+        <a:xfrm>
+          <a:off x="0" y="0"/>
+          <a:ext cx="0" cy="0"/>
+          <a:chOff x="0" y="0"/>
+          <a:chExt cx="0" cy="0"/>
+        </a:xfrm>
+      </p:grpSpPr>
+      <p:sp>
+        <p:nvSpPr>
+          <p:cNvPr id="2" name="Title 1"/>
+          <p:cNvSpPr>
+            <a:spLocks noGrp="1"/>
+          </p:cNvSpPr>
+          <p:nvPr>
+            <p:ph type="title"/>
+          </p:nvPr>
+        </p:nvSpPr>
+        <p:spPr/>
+        <p:txBody>
+          <a:bodyPr/>
+          <a:lstStyle/>
+          <a:p>
+            <a:r>
+              <a:rPr lang="en-US" dirty="0" err="1" smtClean="0"/>
+              <a:t>Praktek</a:t>
+            </a:r>
+            <a:r>
+              <a:rPr lang="en-US" dirty="0" smtClean="0"/>
+              <a:t> #2 </a:t>
+            </a:r>
+            <a:r>
+              <a:rPr lang="en-US" dirty="0" err="1"/>
+              <a:t>R</a:t>
+            </a:r>
+            <a:r>
+              <a:rPr lang="en-US" dirty="0" err="1" smtClean="0"/>
+              <a:t>egresi</a:t>
+            </a:r>
+            <a:r>
+              <a:rPr lang="en-US" dirty="0" smtClean="0"/>
+              <a:t> </a:t>
+            </a:r>
+            <a:r>
+              <a:rPr lang="en-US" dirty="0" err="1" smtClean="0"/>
+              <a:t>Berganda</a:t>
+            </a:r>
+            <a:endParaRPr lang="en-US" dirty="0"/>
+          </a:p>
+        </p:txBody>
+      </p:sp>
+      <p:sp>
+        <p:nvSpPr>
+          <p:cNvPr id="3" name="Content Placeholder 2"/>
+          <p:cNvSpPr>
+            <a:spLocks noGrp="1"/>
+          </p:cNvSpPr>
+          <p:nvPr>
+            <p:ph idx="1"/>
+          </p:nvPr>
+        </p:nvSpPr>
+        <p:spPr/>
+        <p:txBody>
+          <a:bodyPr>
+            <a:normAutofit/>
+          </a:bodyPr>
+          <a:lstStyle/>
+          <a:p>
+            <a:r>
+              <a:rPr lang="en-US" sz="3200" dirty="0" smtClean="0"/>
+              <a:t>Model</a:t>
+            </a:r>
+          </a:p>
+          <a:p>
+            <a:pPr lvl="1"/>
+            <a:r>
+              <a:rPr lang="en-US" sz="2400" dirty="0" err="1" smtClean="0"/>
+              <a:t>Variabel</a:t>
+            </a:r>
+            <a:r>
+              <a:rPr lang="en-US" sz="2400" dirty="0" smtClean="0"/>
+              <a:t> </a:t>
+            </a:r>
+            <a:r>
+              <a:rPr lang="en-US" sz="2400" dirty="0" err="1" smtClean="0"/>
+              <a:t>Respon</a:t>
+            </a:r>
+            <a:r>
+              <a:rPr lang="en-US" sz="2400" dirty="0" smtClean="0"/>
+              <a:t>: </a:t>
+            </a:r>
+            <a:r>
+              <a:rPr lang="en-US" sz="2400" dirty="0" err="1" smtClean="0"/>
+              <a:t>Harga</a:t>
+            </a:r>
+            <a:r>
+              <a:rPr lang="en-US" sz="2400" dirty="0" smtClean="0"/>
+              <a:t> (</a:t>
+            </a:r>
+            <a:r>
+              <a:rPr lang="en-US" sz="2400" dirty="0" err="1" smtClean="0"/>
+              <a:t>harga</a:t>
+            </a:r>
+            <a:r>
+              <a:rPr lang="en-US" sz="2400" dirty="0" smtClean="0"/>
+              <a:t> </a:t>
+            </a:r>
+            <a:r>
+              <a:rPr lang="en-US" sz="2400" dirty="0" err="1" smtClean="0"/>
+              <a:t>jual</a:t>
+            </a:r>
+            <a:r>
+              <a:rPr lang="en-US" sz="2400" dirty="0" smtClean="0"/>
+              <a:t> </a:t>
+            </a:r>
+            <a:r>
+              <a:rPr lang="en-US" sz="2400" dirty="0" err="1" smtClean="0"/>
+              <a:t>rumah</a:t>
+            </a:r>
+            <a:r>
+              <a:rPr lang="en-US" sz="2400" dirty="0" smtClean="0"/>
+              <a:t> </a:t>
+            </a:r>
+            <a:r>
+              <a:rPr lang="en-US" sz="2400" dirty="0" err="1" smtClean="0"/>
+              <a:t>dalam</a:t>
+            </a:r>
+            <a:r>
+              <a:rPr lang="en-US" sz="2400" dirty="0" smtClean="0"/>
+              <a:t> </a:t>
+            </a:r>
+            <a:r>
+              <a:rPr lang="en-US" sz="2400" dirty="0" err="1" smtClean="0"/>
+              <a:t>satuan</a:t>
+            </a:r>
+            <a:r>
+              <a:rPr lang="en-US" sz="2400" dirty="0" smtClean="0"/>
+              <a:t> </a:t>
+            </a:r>
+            <a:r>
+              <a:rPr lang="en-US" sz="2400" dirty="0" err="1" smtClean="0"/>
+              <a:t>juta</a:t>
+            </a:r>
+            <a:r>
+              <a:rPr lang="en-US" sz="2400" dirty="0" smtClean="0"/>
+              <a:t> rupiah)</a:t>
+            </a:r>
+          </a:p>
+          <a:p>
+            <a:pPr lvl="1"/>
+            <a:r>
+              <a:rPr lang="en-US" sz="2400" dirty="0" err="1" smtClean="0"/>
+              <a:t>Variabel</a:t>
+            </a:r>
+            <a:r>
+              <a:rPr lang="en-US" sz="2400" dirty="0" smtClean="0"/>
+              <a:t> </a:t>
+            </a:r>
+            <a:r>
+              <a:rPr lang="en-US" sz="2400" dirty="0" err="1" smtClean="0"/>
+              <a:t>Penjelas</a:t>
+            </a:r>
+            <a:r>
+              <a:rPr lang="en-US" sz="2400" dirty="0" smtClean="0"/>
+              <a:t>:</a:t>
+            </a:r>
+          </a:p>
+          <a:p>
+            <a:pPr lvl="2"/>
+            <a:r>
+              <a:rPr lang="en-US" sz="2000" dirty="0" err="1" smtClean="0"/>
+              <a:t>Luasbangunan</a:t>
+            </a:r>
+            <a:r>
+              <a:rPr lang="en-US" sz="2000" dirty="0" smtClean="0"/>
+              <a:t> (</a:t>
+            </a:r>
+            <a:r>
+              <a:rPr lang="en-US" sz="2000" dirty="0" err="1" smtClean="0"/>
+              <a:t>luas</a:t>
+            </a:r>
+            <a:r>
+              <a:rPr lang="en-US" sz="2000" dirty="0" smtClean="0"/>
+              <a:t> </a:t>
+            </a:r>
+            <a:r>
+              <a:rPr lang="en-US" sz="2000" dirty="0" err="1" smtClean="0"/>
+              <a:t>bangunan</a:t>
+            </a:r>
+            <a:r>
+              <a:rPr lang="en-US" sz="2000" dirty="0" smtClean="0"/>
+              <a:t> </a:t>
+            </a:r>
+            <a:r>
+              <a:rPr lang="en-US" sz="2000" dirty="0" err="1" smtClean="0"/>
+              <a:t>rumah</a:t>
+            </a:r>
+            <a:r>
+              <a:rPr lang="en-US" sz="2000" dirty="0" smtClean="0"/>
+              <a:t> </a:t>
+            </a:r>
+            <a:r>
+              <a:rPr lang="en-US" sz="2000" dirty="0" err="1" smtClean="0"/>
+              <a:t>dalam</a:t>
+            </a:r>
+            <a:r>
+              <a:rPr lang="en-US" sz="2000" dirty="0" smtClean="0"/>
+              <a:t> </a:t>
+            </a:r>
+            <a:r>
+              <a:rPr lang="en-US" sz="2000" dirty="0" err="1" smtClean="0"/>
+              <a:t>satuan</a:t>
+            </a:r>
+            <a:r>
+              <a:rPr lang="en-US" sz="2000" dirty="0" smtClean="0"/>
+              <a:t> meter </a:t>
+            </a:r>
+            <a:r>
+              <a:rPr lang="en-US" sz="2000" dirty="0" err="1" smtClean="0"/>
+              <a:t>persegi</a:t>
+            </a:r>
+            <a:r>
+              <a:rPr lang="en-US" sz="2000" dirty="0" smtClean="0"/>
+              <a:t>)</a:t>
+            </a:r>
+          </a:p>
+          <a:p>
+            <a:pPr lvl="2"/>
+            <a:r>
+              <a:rPr lang="en-US" sz="2000" dirty="0" err="1" smtClean="0"/>
+              <a:t>Luastanah</a:t>
+            </a:r>
+            <a:r>
+              <a:rPr lang="en-US" sz="2000" dirty="0" smtClean="0"/>
+              <a:t> (</a:t>
+            </a:r>
+            <a:r>
+              <a:rPr lang="en-US" sz="2000" dirty="0" err="1" smtClean="0"/>
+              <a:t>luas</a:t>
+            </a:r>
+            <a:r>
+              <a:rPr lang="en-US" sz="2000" dirty="0" smtClean="0"/>
+              <a:t> </a:t>
+            </a:r>
+            <a:r>
+              <a:rPr lang="en-US" sz="2000" dirty="0" err="1" smtClean="0"/>
+              <a:t>tanah</a:t>
+            </a:r>
+            <a:r>
+              <a:rPr lang="en-US" sz="2000" dirty="0" smtClean="0"/>
+              <a:t> </a:t>
+            </a:r>
+            <a:r>
+              <a:rPr lang="en-US" sz="2000" dirty="0" err="1" smtClean="0"/>
+              <a:t>dalam</a:t>
+            </a:r>
+            <a:r>
+              <a:rPr lang="en-US" sz="2000" dirty="0" smtClean="0"/>
+              <a:t> </a:t>
+            </a:r>
+            <a:r>
+              <a:rPr lang="en-US" sz="2000" dirty="0" err="1" smtClean="0"/>
+              <a:t>satuan</a:t>
+            </a:r>
+            <a:r>
+              <a:rPr lang="en-US" sz="2000" dirty="0" smtClean="0"/>
+              <a:t> meter </a:t>
+            </a:r>
+            <a:r>
+              <a:rPr lang="en-US" sz="2000" dirty="0" err="1" smtClean="0"/>
+              <a:t>persegi</a:t>
+            </a:r>
+            <a:r>
+              <a:rPr lang="en-US" sz="2000" dirty="0" smtClean="0"/>
+              <a:t>)</a:t>
+            </a:r>
+          </a:p>
+          <a:p>
+            <a:pPr lvl="2"/>
+            <a:r>
+              <a:rPr lang="en-US" sz="2000" dirty="0" err="1" smtClean="0"/>
+              <a:t>Umur</a:t>
+            </a:r>
+            <a:r>
+              <a:rPr lang="en-US" sz="2000" dirty="0" smtClean="0"/>
+              <a:t> (</a:t>
+            </a:r>
+            <a:r>
+              <a:rPr lang="en-US" sz="2000" dirty="0" err="1" smtClean="0"/>
+              <a:t>umur</a:t>
+            </a:r>
+            <a:r>
+              <a:rPr lang="en-US" sz="2000" dirty="0" smtClean="0"/>
+              <a:t> </a:t>
+            </a:r>
+            <a:r>
+              <a:rPr lang="en-US" sz="2000" dirty="0" err="1" smtClean="0"/>
+              <a:t>bangunan</a:t>
+            </a:r>
+            <a:r>
+              <a:rPr lang="en-US" sz="2000" dirty="0" smtClean="0"/>
+              <a:t> </a:t>
+            </a:r>
+            <a:r>
+              <a:rPr lang="en-US" sz="2000" dirty="0" err="1" smtClean="0"/>
+              <a:t>dalam</a:t>
+            </a:r>
+            <a:r>
+              <a:rPr lang="en-US" sz="2000" dirty="0" smtClean="0"/>
+              <a:t> </a:t>
+            </a:r>
+            <a:r>
+              <a:rPr lang="en-US" sz="2000" dirty="0" err="1" smtClean="0"/>
+              <a:t>satuan</a:t>
+            </a:r>
+            <a:r>
+              <a:rPr lang="en-US" sz="2000" dirty="0" smtClean="0"/>
+              <a:t> </a:t>
+            </a:r>
+            <a:r>
+              <a:rPr lang="en-US" sz="2000" dirty="0" err="1" smtClean="0"/>
+              <a:t>tahun</a:t>
+            </a:r>
+            <a:r>
+              <a:rPr lang="en-US" sz="2000" dirty="0" smtClean="0"/>
+              <a:t>)</a:t>
+            </a:r>
+          </a:p>
+          <a:p>
+            <a:pPr lvl="2"/>
+            <a:r>
+              <a:rPr lang="en-US" sz="2000" dirty="0" err="1" smtClean="0"/>
+              <a:t>Kamarmandi</a:t>
+            </a:r>
+            <a:r>
+              <a:rPr lang="en-US" sz="2000" dirty="0" smtClean="0"/>
+              <a:t> (</a:t>
+            </a:r>
+            <a:r>
+              <a:rPr lang="en-US" sz="2000" dirty="0" err="1" smtClean="0"/>
+              <a:t>banyaknya</a:t>
+            </a:r>
+            <a:r>
+              <a:rPr lang="en-US" sz="2000" dirty="0" smtClean="0"/>
+              <a:t> </a:t>
+            </a:r>
+            <a:r>
+              <a:rPr lang="en-US" sz="2000" dirty="0" err="1" smtClean="0"/>
+              <a:t>kamar</a:t>
+            </a:r>
+            <a:r>
+              <a:rPr lang="en-US" sz="2000" dirty="0" smtClean="0"/>
+              <a:t> </a:t>
+            </a:r>
+            <a:r>
+              <a:rPr lang="en-US" sz="2000" dirty="0" err="1" smtClean="0"/>
+              <a:t>mandi</a:t>
+            </a:r>
+            <a:r>
+              <a:rPr lang="en-US" sz="2000" dirty="0" smtClean="0"/>
+              <a:t> di </a:t>
+            </a:r>
+            <a:r>
+              <a:rPr lang="en-US" sz="2000" dirty="0" err="1" smtClean="0"/>
+              <a:t>dalam</a:t>
+            </a:r>
+            <a:r>
+              <a:rPr lang="en-US" sz="2000" dirty="0" smtClean="0"/>
+              <a:t> </a:t>
+            </a:r>
+            <a:r>
+              <a:rPr lang="en-US" sz="2000" dirty="0" err="1" smtClean="0"/>
+              <a:t>rumah</a:t>
+            </a:r>
+            <a:r>
+              <a:rPr lang="en-US" sz="2000" dirty="0" smtClean="0"/>
+              <a:t>)</a:t>
+            </a:r>
+          </a:p>
+          <a:p>
+            <a:pPr lvl="2"/>
+            <a:r>
+              <a:rPr lang="en-US" sz="2000" dirty="0" err="1" smtClean="0"/>
+              <a:t>Dekattol</a:t>
+            </a:r>
+            <a:r>
+              <a:rPr lang="en-US" sz="2000" dirty="0" smtClean="0"/>
+              <a:t> (0 </a:t>
+            </a:r>
+            <a:r>
+              <a:rPr lang="en-US" sz="2000" dirty="0" err="1" smtClean="0"/>
+              <a:t>tidak</a:t>
+            </a:r>
+            <a:r>
+              <a:rPr lang="en-US" sz="2000" dirty="0" smtClean="0"/>
+              <a:t>, 1 </a:t>
+            </a:r>
+            <a:r>
+              <a:rPr lang="en-US" sz="2000" dirty="0" err="1" smtClean="0"/>
+              <a:t>untuk</a:t>
+            </a:r>
+            <a:r>
+              <a:rPr lang="en-US" sz="2000" dirty="0" smtClean="0"/>
+              <a:t> </a:t>
+            </a:r>
+            <a:r>
+              <a:rPr lang="en-US" sz="2000" dirty="0" err="1" smtClean="0"/>
+              <a:t>ya</a:t>
+            </a:r>
+            <a:r>
+              <a:rPr lang="en-US" sz="2000" dirty="0" smtClean="0"/>
+              <a:t>)</a:t>
+            </a:r>
+            <a:endParaRPr lang="en-US" sz="2000" dirty="0"/>
+          </a:p>
+        </p:txBody>
+      </p:sp>
+    </p:spTree>
+    <p:extLst>
+      <p:ext uri="{BB962C8B-B14F-4D97-AF65-F5344CB8AC3E}">
+        <p14:creationId xmlns:p14="http://schemas.microsoft.com/office/powerpoint/2010/main" val="2923186029"/>
+      </p:ext>
+    </p:extLst>
+  </p:cSld>
+  <p:clrMapOvr>
+    <a:masterClrMapping/>
+  </p:clrMapOvr>
+  <mc:AlternateContent xmlns:mc="http://schemas.openxmlformats.org/markup-compatibility/2006" xmlns:p14="http://schemas.microsoft.com/office/powerpoint/2010/main">
+    <mc:Choice Requires="p14">
+      <p:transition spd="med" p14:dur="700">
+        <p:fade/>
+      </p:transition>
+    </mc:Choice>
+    <mc:Fallback xmlns="">
+      <p:transition spd="med">
+        <p:fade/>
+      </p:transition>
+    </mc:Fallback>
+  </mc:AlternateContent>
+  <p:timing>
+    <p:tnLst>
+      <p:par>
+        <p:cTn id="1" dur="indefinite" restart="never" nodeType="tmRoot"/>
+      </p:par>
+    </p:tnLst>
+  </p:timing>
+</p:sld>
+</file>
+
 <file path=ppt/slides/slide39.xml><?xml version="1.0" encoding="utf-8"?>
 <p:sld xmlns:a="http://schemas.openxmlformats.org/drawingml/2006/main" xmlns:r="http://schemas.openxmlformats.org/officeDocument/2006/relationships" xmlns:p="http://schemas.openxmlformats.org/presentationml/2006/main">
   <p:cSld>
@@ -26581,27 +26783,23 @@
           <a:lstStyle/>
           <a:p>
             <a:r>
-              <a:rPr lang="en-US" dirty="0" err="1" smtClean="0"/>
+              <a:rPr lang="en-US" dirty="0" err="1"/>
               <a:t>Praktek</a:t>
             </a:r>
             <a:r>
-              <a:rPr lang="en-US" dirty="0" smtClean="0"/>
+              <a:rPr lang="en-US" dirty="0"/>
               <a:t> #2 </a:t>
             </a:r>
             <a:r>
               <a:rPr lang="en-US" dirty="0" err="1"/>
-              <a:t>R</a:t>
-            </a:r>
-            <a:r>
-              <a:rPr lang="en-US" dirty="0" err="1" smtClean="0"/>
-              <a:t>egresi</a:t>
-            </a:r>
-            <a:r>
-              <a:rPr lang="en-US" dirty="0" smtClean="0"/>
-              <a:t> </a:t>
-            </a:r>
-            <a:r>
-              <a:rPr lang="en-US" dirty="0" err="1" smtClean="0"/>
+              <a:t>Regresi</a:t>
+            </a:r>
+            <a:r>
+              <a:rPr lang="en-US" dirty="0"/>
+              <a:t> </a:t>
+            </a:r>
+            <a:r>
+              <a:rPr lang="en-US" dirty="0" err="1"/>
               <a:t>Berganda</a:t>
             </a:r>
             <a:endParaRPr lang="en-US" dirty="0"/>
@@ -26620,365 +26818,41 @@
         </p:nvSpPr>
         <p:spPr/>
         <p:txBody>
-          <a:bodyPr>
-            <a:normAutofit/>
-          </a:bodyPr>
+          <a:bodyPr/>
           <a:lstStyle/>
           <a:p>
-            <a:r>
-              <a:rPr lang="en-US" sz="3200" dirty="0" smtClean="0"/>
-              <a:t>Model</a:t>
-            </a:r>
-          </a:p>
-          <a:p>
-            <a:pPr lvl="1"/>
-            <a:r>
-              <a:rPr lang="en-US" sz="2400" dirty="0" err="1" smtClean="0"/>
-              <a:t>Variabel</a:t>
-            </a:r>
-            <a:r>
-              <a:rPr lang="en-US" sz="2400" dirty="0" smtClean="0"/>
-              <a:t> </a:t>
-            </a:r>
-            <a:r>
-              <a:rPr lang="en-US" sz="2400" dirty="0" err="1" smtClean="0"/>
-              <a:t>Respon</a:t>
-            </a:r>
-            <a:r>
-              <a:rPr lang="en-US" sz="2400" dirty="0" smtClean="0"/>
-              <a:t>: </a:t>
-            </a:r>
-            <a:r>
-              <a:rPr lang="en-US" sz="2400" dirty="0" err="1" smtClean="0"/>
-              <a:t>Harga</a:t>
-            </a:r>
-            <a:r>
-              <a:rPr lang="en-US" sz="2400" dirty="0" smtClean="0"/>
-              <a:t> (</a:t>
-            </a:r>
-            <a:r>
-              <a:rPr lang="en-US" sz="2400" dirty="0" err="1" smtClean="0"/>
-              <a:t>harga</a:t>
-            </a:r>
-            <a:r>
-              <a:rPr lang="en-US" sz="2400" dirty="0" smtClean="0"/>
-              <a:t> </a:t>
-            </a:r>
-            <a:r>
-              <a:rPr lang="en-US" sz="2400" dirty="0" err="1" smtClean="0"/>
-              <a:t>jual</a:t>
-            </a:r>
-            <a:r>
-              <a:rPr lang="en-US" sz="2400" dirty="0" smtClean="0"/>
-              <a:t> </a:t>
-            </a:r>
-            <a:r>
-              <a:rPr lang="en-US" sz="2400" dirty="0" err="1" smtClean="0"/>
-              <a:t>rumah</a:t>
-            </a:r>
-            <a:r>
-              <a:rPr lang="en-US" sz="2400" dirty="0" smtClean="0"/>
-              <a:t> </a:t>
-            </a:r>
-            <a:r>
-              <a:rPr lang="en-US" sz="2400" dirty="0" err="1" smtClean="0"/>
-              <a:t>dalam</a:t>
-            </a:r>
-            <a:r>
-              <a:rPr lang="en-US" sz="2400" dirty="0" smtClean="0"/>
-              <a:t> </a:t>
-            </a:r>
-            <a:r>
-              <a:rPr lang="en-US" sz="2400" dirty="0" err="1" smtClean="0"/>
-              <a:t>satuan</a:t>
-            </a:r>
-            <a:r>
-              <a:rPr lang="en-US" sz="2400" dirty="0" smtClean="0"/>
-              <a:t> </a:t>
-            </a:r>
-            <a:r>
-              <a:rPr lang="en-US" sz="2400" dirty="0" err="1" smtClean="0"/>
-              <a:t>juta</a:t>
-            </a:r>
-            <a:r>
-              <a:rPr lang="en-US" sz="2400" dirty="0" smtClean="0"/>
-              <a:t> rupiah)</a:t>
-            </a:r>
-          </a:p>
-          <a:p>
-            <a:pPr lvl="1"/>
-            <a:r>
-              <a:rPr lang="en-US" sz="2400" dirty="0" err="1" smtClean="0"/>
-              <a:t>Variabel</a:t>
-            </a:r>
-            <a:r>
-              <a:rPr lang="en-US" sz="2400" dirty="0" smtClean="0"/>
-              <a:t> </a:t>
-            </a:r>
-            <a:r>
-              <a:rPr lang="en-US" sz="2400" dirty="0" err="1" smtClean="0"/>
-              <a:t>Penjelas</a:t>
-            </a:r>
-            <a:r>
-              <a:rPr lang="en-US" sz="2400" dirty="0" smtClean="0"/>
-              <a:t>:</a:t>
-            </a:r>
-          </a:p>
-          <a:p>
-            <a:pPr lvl="2"/>
-            <a:r>
-              <a:rPr lang="en-US" sz="2000" dirty="0" err="1" smtClean="0"/>
-              <a:t>Luasbangunan</a:t>
-            </a:r>
-            <a:r>
-              <a:rPr lang="en-US" sz="2000" dirty="0" smtClean="0"/>
-              <a:t> (</a:t>
-            </a:r>
-            <a:r>
-              <a:rPr lang="en-US" sz="2000" dirty="0" err="1" smtClean="0"/>
-              <a:t>luas</a:t>
-            </a:r>
-            <a:r>
-              <a:rPr lang="en-US" sz="2000" dirty="0" smtClean="0"/>
-              <a:t> </a:t>
-            </a:r>
-            <a:r>
-              <a:rPr lang="en-US" sz="2000" dirty="0" err="1" smtClean="0"/>
-              <a:t>bangunan</a:t>
-            </a:r>
-            <a:r>
-              <a:rPr lang="en-US" sz="2000" dirty="0" smtClean="0"/>
-              <a:t> </a:t>
-            </a:r>
-            <a:r>
-              <a:rPr lang="en-US" sz="2000" dirty="0" err="1" smtClean="0"/>
-              <a:t>rumah</a:t>
-            </a:r>
-            <a:r>
-              <a:rPr lang="en-US" sz="2000" dirty="0" smtClean="0"/>
-              <a:t> </a:t>
-            </a:r>
-            <a:r>
-              <a:rPr lang="en-US" sz="2000" dirty="0" err="1" smtClean="0"/>
-              <a:t>dalam</a:t>
-            </a:r>
-            <a:r>
-              <a:rPr lang="en-US" sz="2000" dirty="0" smtClean="0"/>
-              <a:t> </a:t>
-            </a:r>
-            <a:r>
-              <a:rPr lang="en-US" sz="2000" dirty="0" err="1" smtClean="0"/>
-              <a:t>satuan</a:t>
-            </a:r>
-            <a:r>
-              <a:rPr lang="en-US" sz="2000" dirty="0" smtClean="0"/>
-              <a:t> meter </a:t>
-            </a:r>
-            <a:r>
-              <a:rPr lang="en-US" sz="2000" dirty="0" err="1" smtClean="0"/>
-              <a:t>persegi</a:t>
-            </a:r>
-            <a:r>
-              <a:rPr lang="en-US" sz="2000" dirty="0" smtClean="0"/>
-              <a:t>)</a:t>
-            </a:r>
-          </a:p>
-          <a:p>
-            <a:pPr lvl="2"/>
-            <a:r>
-              <a:rPr lang="en-US" sz="2000" dirty="0" err="1" smtClean="0"/>
-              <a:t>Luastanah</a:t>
-            </a:r>
-            <a:r>
-              <a:rPr lang="en-US" sz="2000" dirty="0" smtClean="0"/>
-              <a:t> (</a:t>
-            </a:r>
-            <a:r>
-              <a:rPr lang="en-US" sz="2000" dirty="0" err="1" smtClean="0"/>
-              <a:t>luas</a:t>
-            </a:r>
-            <a:r>
-              <a:rPr lang="en-US" sz="2000" dirty="0" smtClean="0"/>
-              <a:t> </a:t>
-            </a:r>
-            <a:r>
-              <a:rPr lang="en-US" sz="2000" dirty="0" err="1" smtClean="0"/>
-              <a:t>tanah</a:t>
-            </a:r>
-            <a:r>
-              <a:rPr lang="en-US" sz="2000" dirty="0" smtClean="0"/>
-              <a:t> </a:t>
-            </a:r>
-            <a:r>
-              <a:rPr lang="en-US" sz="2000" dirty="0" err="1" smtClean="0"/>
-              <a:t>dalam</a:t>
-            </a:r>
-            <a:r>
-              <a:rPr lang="en-US" sz="2000" dirty="0" smtClean="0"/>
-              <a:t> </a:t>
-            </a:r>
-            <a:r>
-              <a:rPr lang="en-US" sz="2000" dirty="0" err="1" smtClean="0"/>
-              <a:t>satuan</a:t>
-            </a:r>
-            <a:r>
-              <a:rPr lang="en-US" sz="2000" dirty="0" smtClean="0"/>
-              <a:t> meter </a:t>
-            </a:r>
-            <a:r>
-              <a:rPr lang="en-US" sz="2000" dirty="0" err="1" smtClean="0"/>
-              <a:t>persegi</a:t>
-            </a:r>
-            <a:r>
-              <a:rPr lang="en-US" sz="2000" dirty="0" smtClean="0"/>
-              <a:t>)</a:t>
-            </a:r>
-            <a:endParaRPr lang="en-US" sz="2000" dirty="0" smtClean="0"/>
-          </a:p>
-          <a:p>
-            <a:pPr lvl="2"/>
-            <a:r>
-              <a:rPr lang="en-US" sz="2000" dirty="0" err="1" smtClean="0"/>
-              <a:t>Umur</a:t>
-            </a:r>
-            <a:r>
-              <a:rPr lang="en-US" sz="2000" dirty="0" smtClean="0"/>
-              <a:t> (</a:t>
-            </a:r>
-            <a:r>
-              <a:rPr lang="en-US" sz="2000" dirty="0" err="1" smtClean="0"/>
-              <a:t>umur</a:t>
-            </a:r>
-            <a:r>
-              <a:rPr lang="en-US" sz="2000" dirty="0" smtClean="0"/>
-              <a:t> </a:t>
-            </a:r>
-            <a:r>
-              <a:rPr lang="en-US" sz="2000" dirty="0" err="1" smtClean="0"/>
-              <a:t>bangunan</a:t>
-            </a:r>
-            <a:r>
-              <a:rPr lang="en-US" sz="2000" dirty="0" smtClean="0"/>
-              <a:t> </a:t>
-            </a:r>
-            <a:r>
-              <a:rPr lang="en-US" sz="2000" dirty="0" err="1" smtClean="0"/>
-              <a:t>dalam</a:t>
-            </a:r>
-            <a:r>
-              <a:rPr lang="en-US" sz="2000" dirty="0" smtClean="0"/>
-              <a:t> </a:t>
-            </a:r>
-            <a:r>
-              <a:rPr lang="en-US" sz="2000" dirty="0" err="1" smtClean="0"/>
-              <a:t>satuan</a:t>
-            </a:r>
-            <a:r>
-              <a:rPr lang="en-US" sz="2000" dirty="0" smtClean="0"/>
-              <a:t> </a:t>
-            </a:r>
-            <a:r>
-              <a:rPr lang="en-US" sz="2000" dirty="0" err="1" smtClean="0"/>
-              <a:t>tahun</a:t>
-            </a:r>
-            <a:r>
-              <a:rPr lang="en-US" sz="2000" dirty="0" smtClean="0"/>
-              <a:t>)</a:t>
-            </a:r>
-          </a:p>
-          <a:p>
-            <a:pPr lvl="2"/>
-            <a:r>
-              <a:rPr lang="en-US" sz="2000" dirty="0" err="1" smtClean="0"/>
-              <a:t>Kamarmandi</a:t>
-            </a:r>
-            <a:r>
-              <a:rPr lang="en-US" sz="2000" dirty="0" smtClean="0"/>
-              <a:t> (</a:t>
-            </a:r>
-            <a:r>
-              <a:rPr lang="en-US" sz="2000" dirty="0" err="1" smtClean="0"/>
-              <a:t>banyaknya</a:t>
-            </a:r>
-            <a:r>
-              <a:rPr lang="en-US" sz="2000" dirty="0" smtClean="0"/>
-              <a:t> </a:t>
-            </a:r>
-            <a:r>
-              <a:rPr lang="en-US" sz="2000" dirty="0" err="1" smtClean="0"/>
-              <a:t>kamar</a:t>
-            </a:r>
-            <a:r>
-              <a:rPr lang="en-US" sz="2000" dirty="0" smtClean="0"/>
-              <a:t> </a:t>
-            </a:r>
-            <a:r>
-              <a:rPr lang="en-US" sz="2000" dirty="0" err="1" smtClean="0"/>
-              <a:t>mandi</a:t>
-            </a:r>
-            <a:r>
-              <a:rPr lang="en-US" sz="2000" dirty="0" smtClean="0"/>
-              <a:t> di </a:t>
-            </a:r>
-            <a:r>
-              <a:rPr lang="en-US" sz="2000" dirty="0" err="1" smtClean="0"/>
-              <a:t>dalam</a:t>
-            </a:r>
-            <a:r>
-              <a:rPr lang="en-US" sz="2000" dirty="0" smtClean="0"/>
-              <a:t> </a:t>
-            </a:r>
-            <a:r>
-              <a:rPr lang="en-US" sz="2000" dirty="0" err="1" smtClean="0"/>
-              <a:t>rumah</a:t>
-            </a:r>
-            <a:r>
-              <a:rPr lang="en-US" sz="2000" dirty="0" smtClean="0"/>
-              <a:t>)</a:t>
-            </a:r>
-          </a:p>
-          <a:p>
-            <a:pPr lvl="2"/>
-            <a:r>
-              <a:rPr lang="en-US" sz="2000" dirty="0" err="1" smtClean="0"/>
-              <a:t>Dekattol</a:t>
-            </a:r>
-            <a:r>
-              <a:rPr lang="en-US" sz="2000" dirty="0" smtClean="0"/>
-              <a:t> (0 </a:t>
-            </a:r>
-            <a:r>
-              <a:rPr lang="en-US" sz="2000" dirty="0" err="1" smtClean="0"/>
-              <a:t>tidak</a:t>
-            </a:r>
-            <a:r>
-              <a:rPr lang="en-US" sz="2000" dirty="0" smtClean="0"/>
-              <a:t>, 1 </a:t>
-            </a:r>
-            <a:r>
-              <a:rPr lang="en-US" sz="2000" dirty="0" err="1" smtClean="0"/>
-              <a:t>untuk</a:t>
-            </a:r>
-            <a:r>
-              <a:rPr lang="en-US" sz="2000" dirty="0" smtClean="0"/>
-              <a:t> </a:t>
-            </a:r>
-            <a:r>
-              <a:rPr lang="en-US" sz="2000" dirty="0" err="1" smtClean="0"/>
-              <a:t>ya</a:t>
-            </a:r>
-            <a:r>
-              <a:rPr lang="en-US" sz="2000" dirty="0" smtClean="0"/>
-              <a:t>)</a:t>
-            </a:r>
-            <a:endParaRPr lang="en-US" sz="2000" dirty="0"/>
+            <a:endParaRPr lang="en-US"/>
           </a:p>
         </p:txBody>
       </p:sp>
+      <p:pic>
+        <p:nvPicPr>
+          <p:cNvPr id="5" name="Picture 4"/>
+          <p:cNvPicPr>
+            <a:picLocks noChangeAspect="1"/>
+          </p:cNvPicPr>
+          <p:nvPr/>
+        </p:nvPicPr>
+        <p:blipFill>
+          <a:blip r:embed="rId2"/>
+          <a:stretch>
+            <a:fillRect/>
+          </a:stretch>
+        </p:blipFill>
+        <p:spPr>
+          <a:xfrm>
+            <a:off x="3048001" y="1600200"/>
+            <a:ext cx="6314131" cy="4829175"/>
+          </a:xfrm>
+          <a:prstGeom prst="rect">
+            <a:avLst/>
+          </a:prstGeom>
+        </p:spPr>
+      </p:pic>
     </p:spTree>
     <p:extLst>
       <p:ext uri="{BB962C8B-B14F-4D97-AF65-F5344CB8AC3E}">
-        <p14:creationId xmlns:p14="http://schemas.microsoft.com/office/powerpoint/2010/main" val="2923186029"/>
+        <p14:creationId xmlns:p14="http://schemas.microsoft.com/office/powerpoint/2010/main" val="292163522"/>
       </p:ext>
     </p:extLst>
   </p:cSld>
@@ -27263,137 +27137,6 @@
         </p:nvSpPr>
         <p:spPr/>
         <p:txBody>
-          <a:bodyPr/>
-          <a:lstStyle/>
-          <a:p>
-            <a:endParaRPr lang="en-US"/>
-          </a:p>
-        </p:txBody>
-      </p:sp>
-      <p:pic>
-        <p:nvPicPr>
-          <p:cNvPr id="5" name="Picture 4"/>
-          <p:cNvPicPr>
-            <a:picLocks noChangeAspect="1"/>
-          </p:cNvPicPr>
-          <p:nvPr/>
-        </p:nvPicPr>
-        <p:blipFill>
-          <a:blip r:embed="rId2"/>
-          <a:stretch>
-            <a:fillRect/>
-          </a:stretch>
-        </p:blipFill>
-        <p:spPr>
-          <a:xfrm>
-            <a:off x="3048001" y="1600200"/>
-            <a:ext cx="6314131" cy="4829175"/>
-          </a:xfrm>
-          <a:prstGeom prst="rect">
-            <a:avLst/>
-          </a:prstGeom>
-        </p:spPr>
-      </p:pic>
-    </p:spTree>
-    <p:extLst>
-      <p:ext uri="{BB962C8B-B14F-4D97-AF65-F5344CB8AC3E}">
-        <p14:creationId xmlns:p14="http://schemas.microsoft.com/office/powerpoint/2010/main" val="292163522"/>
-      </p:ext>
-    </p:extLst>
-  </p:cSld>
-  <p:clrMapOvr>
-    <a:masterClrMapping/>
-  </p:clrMapOvr>
-  <mc:AlternateContent xmlns:mc="http://schemas.openxmlformats.org/markup-compatibility/2006" xmlns:p14="http://schemas.microsoft.com/office/powerpoint/2010/main">
-    <mc:Choice Requires="p14">
-      <p:transition spd="med" p14:dur="700">
-        <p:fade/>
-      </p:transition>
-    </mc:Choice>
-    <mc:Fallback xmlns="">
-      <p:transition spd="med">
-        <p:fade/>
-      </p:transition>
-    </mc:Fallback>
-  </mc:AlternateContent>
-  <p:timing>
-    <p:tnLst>
-      <p:par>
-        <p:cTn id="1" dur="indefinite" restart="never" nodeType="tmRoot"/>
-      </p:par>
-    </p:tnLst>
-  </p:timing>
-</p:sld>
-</file>
-
-<file path=ppt/slides/slide41.xml><?xml version="1.0" encoding="utf-8"?>
-<p:sld xmlns:a="http://schemas.openxmlformats.org/drawingml/2006/main" xmlns:r="http://schemas.openxmlformats.org/officeDocument/2006/relationships" xmlns:p="http://schemas.openxmlformats.org/presentationml/2006/main">
-  <p:cSld>
-    <p:spTree>
-      <p:nvGrpSpPr>
-        <p:cNvPr id="1" name=""/>
-        <p:cNvGrpSpPr/>
-        <p:nvPr/>
-      </p:nvGrpSpPr>
-      <p:grpSpPr>
-        <a:xfrm>
-          <a:off x="0" y="0"/>
-          <a:ext cx="0" cy="0"/>
-          <a:chOff x="0" y="0"/>
-          <a:chExt cx="0" cy="0"/>
-        </a:xfrm>
-      </p:grpSpPr>
-      <p:sp>
-        <p:nvSpPr>
-          <p:cNvPr id="2" name="Title 1"/>
-          <p:cNvSpPr>
-            <a:spLocks noGrp="1"/>
-          </p:cNvSpPr>
-          <p:nvPr>
-            <p:ph type="title"/>
-          </p:nvPr>
-        </p:nvSpPr>
-        <p:spPr/>
-        <p:txBody>
-          <a:bodyPr/>
-          <a:lstStyle/>
-          <a:p>
-            <a:r>
-              <a:rPr lang="en-US" dirty="0" err="1"/>
-              <a:t>Praktek</a:t>
-            </a:r>
-            <a:r>
-              <a:rPr lang="en-US" dirty="0"/>
-              <a:t> #2 </a:t>
-            </a:r>
-            <a:r>
-              <a:rPr lang="en-US" dirty="0" err="1"/>
-              <a:t>Regresi</a:t>
-            </a:r>
-            <a:r>
-              <a:rPr lang="en-US" dirty="0"/>
-              <a:t> </a:t>
-            </a:r>
-            <a:r>
-              <a:rPr lang="en-US" dirty="0" err="1"/>
-              <a:t>Berganda</a:t>
-            </a:r>
-            <a:endParaRPr lang="en-US" dirty="0"/>
-          </a:p>
-        </p:txBody>
-      </p:sp>
-      <p:sp>
-        <p:nvSpPr>
-          <p:cNvPr id="3" name="Content Placeholder 2"/>
-          <p:cNvSpPr>
-            <a:spLocks noGrp="1"/>
-          </p:cNvSpPr>
-          <p:nvPr>
-            <p:ph idx="1"/>
-          </p:nvPr>
-        </p:nvSpPr>
-        <p:spPr/>
-        <p:txBody>
           <a:bodyPr>
             <a:normAutofit/>
           </a:bodyPr>
@@ -27667,7 +27410,7 @@
 </p:sld>
 </file>
 
-<file path=ppt/slides/slide42.xml><?xml version="1.0" encoding="utf-8"?>
+<file path=ppt/slides/slide41.xml><?xml version="1.0" encoding="utf-8"?>
 <p:sld xmlns:a="http://schemas.openxmlformats.org/drawingml/2006/main" xmlns:r="http://schemas.openxmlformats.org/officeDocument/2006/relationships" xmlns:p="http://schemas.openxmlformats.org/presentationml/2006/main">
   <p:cSld>
     <p:spTree>
@@ -27911,8 +27654,8 @@
           </a:p>
         </p:txBody>
       </p:sp>
-      <mc:AlternateContent xmlns:mc="http://schemas.openxmlformats.org/markup-compatibility/2006">
-        <mc:Choice xmlns:a14="http://schemas.microsoft.com/office/drawing/2010/main" Requires="a14">
+      <mc:AlternateContent xmlns:mc="http://schemas.openxmlformats.org/markup-compatibility/2006" xmlns:a14="http://schemas.microsoft.com/office/drawing/2010/main">
+        <mc:Choice Requires="a14">
           <p:sp>
             <p:nvSpPr>
               <p:cNvPr id="7" name="Rectangle 6"/>
@@ -27981,7 +27724,7 @@
             </p:txBody>
           </p:sp>
         </mc:Choice>
-        <mc:Fallback>
+        <mc:Fallback xmlns="">
           <p:sp>
             <p:nvSpPr>
               <p:cNvPr id="7" name="Rectangle 6"/>
@@ -28023,8 +27766,8 @@
           </p:sp>
         </mc:Fallback>
       </mc:AlternateContent>
-      <mc:AlternateContent xmlns:mc="http://schemas.openxmlformats.org/markup-compatibility/2006">
-        <mc:Choice xmlns:a14="http://schemas.microsoft.com/office/drawing/2010/main" Requires="a14">
+      <mc:AlternateContent xmlns:mc="http://schemas.openxmlformats.org/markup-compatibility/2006" xmlns:a14="http://schemas.microsoft.com/office/drawing/2010/main">
+        <mc:Choice Requires="a14">
           <p:sp>
             <p:nvSpPr>
               <p:cNvPr id="8" name="Rectangle 7"/>
@@ -28093,7 +27836,7 @@
             </p:txBody>
           </p:sp>
         </mc:Choice>
-        <mc:Fallback>
+        <mc:Fallback xmlns="">
           <p:sp>
             <p:nvSpPr>
               <p:cNvPr id="8" name="Rectangle 7"/>
@@ -28135,8 +27878,8 @@
           </p:sp>
         </mc:Fallback>
       </mc:AlternateContent>
-      <mc:AlternateContent xmlns:mc="http://schemas.openxmlformats.org/markup-compatibility/2006">
-        <mc:Choice xmlns:a14="http://schemas.microsoft.com/office/drawing/2010/main" Requires="a14">
+      <mc:AlternateContent xmlns:mc="http://schemas.openxmlformats.org/markup-compatibility/2006" xmlns:a14="http://schemas.microsoft.com/office/drawing/2010/main">
+        <mc:Choice Requires="a14">
           <p:sp>
             <p:nvSpPr>
               <p:cNvPr id="9" name="Rectangle 8"/>
@@ -28205,7 +27948,7 @@
             </p:txBody>
           </p:sp>
         </mc:Choice>
-        <mc:Fallback>
+        <mc:Fallback xmlns="">
           <p:sp>
             <p:nvSpPr>
               <p:cNvPr id="9" name="Rectangle 8"/>
@@ -28247,8 +27990,8 @@
           </p:sp>
         </mc:Fallback>
       </mc:AlternateContent>
-      <mc:AlternateContent xmlns:mc="http://schemas.openxmlformats.org/markup-compatibility/2006">
-        <mc:Choice xmlns:a14="http://schemas.microsoft.com/office/drawing/2010/main" Requires="a14">
+      <mc:AlternateContent xmlns:mc="http://schemas.openxmlformats.org/markup-compatibility/2006" xmlns:a14="http://schemas.microsoft.com/office/drawing/2010/main">
+        <mc:Choice Requires="a14">
           <p:sp>
             <p:nvSpPr>
               <p:cNvPr id="10" name="Rectangle 9"/>
@@ -28317,7 +28060,7 @@
             </p:txBody>
           </p:sp>
         </mc:Choice>
-        <mc:Fallback>
+        <mc:Fallback xmlns="">
           <p:sp>
             <p:nvSpPr>
               <p:cNvPr id="10" name="Rectangle 9"/>
@@ -28359,8 +28102,8 @@
           </p:sp>
         </mc:Fallback>
       </mc:AlternateContent>
-      <mc:AlternateContent xmlns:mc="http://schemas.openxmlformats.org/markup-compatibility/2006">
-        <mc:Choice xmlns:a14="http://schemas.microsoft.com/office/drawing/2010/main" Requires="a14">
+      <mc:AlternateContent xmlns:mc="http://schemas.openxmlformats.org/markup-compatibility/2006" xmlns:a14="http://schemas.microsoft.com/office/drawing/2010/main">
+        <mc:Choice Requires="a14">
           <p:sp>
             <p:nvSpPr>
               <p:cNvPr id="11" name="Rectangle 10"/>
@@ -28429,7 +28172,7 @@
             </p:txBody>
           </p:sp>
         </mc:Choice>
-        <mc:Fallback>
+        <mc:Fallback xmlns="">
           <p:sp>
             <p:nvSpPr>
               <p:cNvPr id="11" name="Rectangle 10"/>
@@ -28471,8 +28214,8 @@
           </p:sp>
         </mc:Fallback>
       </mc:AlternateContent>
-      <mc:AlternateContent xmlns:mc="http://schemas.openxmlformats.org/markup-compatibility/2006">
-        <mc:Choice xmlns:a14="http://schemas.microsoft.com/office/drawing/2010/main" Requires="a14">
+      <mc:AlternateContent xmlns:mc="http://schemas.openxmlformats.org/markup-compatibility/2006" xmlns:a14="http://schemas.microsoft.com/office/drawing/2010/main">
+        <mc:Choice Requires="a14">
           <p:sp>
             <p:nvSpPr>
               <p:cNvPr id="12" name="Rectangle 11"/>
@@ -28541,7 +28284,7 @@
             </p:txBody>
           </p:sp>
         </mc:Choice>
-        <mc:Fallback>
+        <mc:Fallback xmlns="">
           <p:sp>
             <p:nvSpPr>
               <p:cNvPr id="12" name="Rectangle 11"/>
@@ -28583,8 +28326,8 @@
           </p:sp>
         </mc:Fallback>
       </mc:AlternateContent>
-      <mc:AlternateContent xmlns:mc="http://schemas.openxmlformats.org/markup-compatibility/2006">
-        <mc:Choice xmlns:a14="http://schemas.microsoft.com/office/drawing/2010/main" Requires="a14">
+      <mc:AlternateContent xmlns:mc="http://schemas.openxmlformats.org/markup-compatibility/2006" xmlns:a14="http://schemas.microsoft.com/office/drawing/2010/main">
+        <mc:Choice Requires="a14">
           <p:sp>
             <p:nvSpPr>
               <p:cNvPr id="13" name="Rectangle 12"/>
@@ -28653,7 +28396,7 @@
             </p:txBody>
           </p:sp>
         </mc:Choice>
-        <mc:Fallback>
+        <mc:Fallback xmlns="">
           <p:sp>
             <p:nvSpPr>
               <p:cNvPr id="13" name="Rectangle 12"/>
@@ -28727,7 +28470,7 @@
 </p:sld>
 </file>
 
-<file path=ppt/slides/slide43.xml><?xml version="1.0" encoding="utf-8"?>
+<file path=ppt/slides/slide42.xml><?xml version="1.0" encoding="utf-8"?>
 <p:sld xmlns:a="http://schemas.openxmlformats.org/drawingml/2006/main" xmlns:r="http://schemas.openxmlformats.org/officeDocument/2006/relationships" xmlns:p="http://schemas.openxmlformats.org/presentationml/2006/main">
   <p:cSld>
     <p:spTree>
@@ -29371,7 +29114,7 @@
 </p:sld>
 </file>
 
-<file path=ppt/slides/slide44.xml><?xml version="1.0" encoding="utf-8"?>
+<file path=ppt/slides/slide43.xml><?xml version="1.0" encoding="utf-8"?>
 <p:sld xmlns:a="http://schemas.openxmlformats.org/drawingml/2006/main" xmlns:r="http://schemas.openxmlformats.org/officeDocument/2006/relationships" xmlns:p="http://schemas.openxmlformats.org/presentationml/2006/main">
   <p:cSld>
     <p:spTree>
@@ -29513,15 +29256,7 @@
             </a:r>
             <a:r>
               <a:rPr lang="en-US" dirty="0" smtClean="0"/>
-              <a:t>203.88 </a:t>
-            </a:r>
-            <a:r>
-              <a:rPr lang="en-US" dirty="0" smtClean="0"/>
-              <a:t>–</a:t>
-            </a:r>
-            <a:r>
-              <a:rPr lang="en-US" dirty="0" smtClean="0"/>
-              <a:t> 0.17 </a:t>
+              <a:t>203.88 – 0.17 </a:t>
             </a:r>
             <a:r>
               <a:rPr lang="en-US" dirty="0" err="1" smtClean="0"/>
@@ -29529,11 +29264,7 @@
             </a:r>
             <a:r>
               <a:rPr lang="en-US" dirty="0" smtClean="0"/>
-              <a:t> </a:t>
-            </a:r>
-            <a:r>
-              <a:rPr lang="en-US" dirty="0" smtClean="0"/>
-              <a:t>+ 1.29 </a:t>
+              <a:t> + 1.29 </a:t>
             </a:r>
             <a:r>
               <a:rPr lang="en-US" dirty="0" err="1" smtClean="0"/>
@@ -29631,7 +29362,7 @@
 </p:sld>
 </file>
 
-<file path=ppt/slides/slide45.xml><?xml version="1.0" encoding="utf-8"?>
+<file path=ppt/slides/slide44.xml><?xml version="1.0" encoding="utf-8"?>
 <p:sld xmlns:a="http://schemas.openxmlformats.org/drawingml/2006/main" xmlns:r="http://schemas.openxmlformats.org/officeDocument/2006/relationships" xmlns:p="http://schemas.openxmlformats.org/presentationml/2006/main">
   <p:cSld>
     <p:spTree>
@@ -30062,7 +29793,7 @@
 </p:sld>
 </file>
 
-<file path=ppt/slides/slide46.xml><?xml version="1.0" encoding="utf-8"?>
+<file path=ppt/slides/slide45.xml><?xml version="1.0" encoding="utf-8"?>
 <p:sld xmlns:a="http://schemas.openxmlformats.org/drawingml/2006/main" xmlns:r="http://schemas.openxmlformats.org/officeDocument/2006/relationships" xmlns:p="http://schemas.openxmlformats.org/presentationml/2006/main">
   <p:cSld>
     <p:spTree>
@@ -30496,7 +30227,7 @@
 </p:sld>
 </file>
 
-<file path=ppt/slides/slide47.xml><?xml version="1.0" encoding="utf-8"?>
+<file path=ppt/slides/slide46.xml><?xml version="1.0" encoding="utf-8"?>
 <p:sld xmlns:a="http://schemas.openxmlformats.org/drawingml/2006/main" xmlns:r="http://schemas.openxmlformats.org/officeDocument/2006/relationships" xmlns:p="http://schemas.openxmlformats.org/presentationml/2006/main">
   <p:cSld>
     <p:spTree>
@@ -30725,7 +30456,7 @@
 </p:sld>
 </file>
 
-<file path=ppt/slides/slide48.xml><?xml version="1.0" encoding="utf-8"?>
+<file path=ppt/slides/slide47.xml><?xml version="1.0" encoding="utf-8"?>
 <p:sld xmlns:a="http://schemas.openxmlformats.org/drawingml/2006/main" xmlns:r="http://schemas.openxmlformats.org/officeDocument/2006/relationships" xmlns:p="http://schemas.openxmlformats.org/presentationml/2006/main">
   <p:cSld>
     <p:spTree>
@@ -32208,7 +31939,7 @@
           <a:graphicData uri="http://schemas.openxmlformats.org/presentationml/2006/ole">
             <mc:AlternateContent xmlns:mc="http://schemas.openxmlformats.org/markup-compatibility/2006">
               <mc:Choice xmlns:v="urn:schemas-microsoft-com:vml" Requires="v">
-                <p:oleObj spid="_x0000_s11282" name="Equation" r:id="rId3" imgW="1434960" imgH="241200" progId="Equation.3">
+                <p:oleObj spid="_x0000_s11286" name="Equation" r:id="rId3" imgW="1434960" imgH="241200" progId="Equation.3">
                   <p:embed/>
                 </p:oleObj>
               </mc:Choice>
@@ -32784,14 +32515,14 @@
                 <a:gridCol w="2362200">
                   <a:extLst>
                     <a:ext uri="{9D8B030D-6E8A-4147-A177-3AD203B41FA5}">
-                      <a16:colId xmlns="" xmlns:a16="http://schemas.microsoft.com/office/drawing/2014/main" val="20000"/>
+                      <a16:colId xmlns:a16="http://schemas.microsoft.com/office/drawing/2014/main" xmlns="" val="20000"/>
                     </a:ext>
                   </a:extLst>
                 </a:gridCol>
                 <a:gridCol w="4876800">
                   <a:extLst>
                     <a:ext uri="{9D8B030D-6E8A-4147-A177-3AD203B41FA5}">
-                      <a16:colId xmlns="" xmlns:a16="http://schemas.microsoft.com/office/drawing/2014/main" val="20001"/>
+                      <a16:colId xmlns:a16="http://schemas.microsoft.com/office/drawing/2014/main" xmlns="" val="20001"/>
                     </a:ext>
                   </a:extLst>
                 </a:gridCol>
@@ -32843,7 +32574,7 @@
                 </a:tc>
                 <a:extLst>
                   <a:ext uri="{0D108BD9-81ED-4DB2-BD59-A6C34878D82A}">
-                    <a16:rowId xmlns="" xmlns:a16="http://schemas.microsoft.com/office/drawing/2014/main" val="10000"/>
+                    <a16:rowId xmlns:a16="http://schemas.microsoft.com/office/drawing/2014/main" xmlns="" val="10000"/>
                   </a:ext>
                 </a:extLst>
               </a:tr>
@@ -32887,7 +32618,7 @@
                 </a:tc>
                 <a:extLst>
                   <a:ext uri="{0D108BD9-81ED-4DB2-BD59-A6C34878D82A}">
-                    <a16:rowId xmlns="" xmlns:a16="http://schemas.microsoft.com/office/drawing/2014/main" val="10001"/>
+                    <a16:rowId xmlns:a16="http://schemas.microsoft.com/office/drawing/2014/main" xmlns="" val="10001"/>
                   </a:ext>
                 </a:extLst>
               </a:tr>
@@ -32955,7 +32686,7 @@
                 </a:tc>
                 <a:extLst>
                   <a:ext uri="{0D108BD9-81ED-4DB2-BD59-A6C34878D82A}">
-                    <a16:rowId xmlns="" xmlns:a16="http://schemas.microsoft.com/office/drawing/2014/main" val="10002"/>
+                    <a16:rowId xmlns:a16="http://schemas.microsoft.com/office/drawing/2014/main" xmlns="" val="10002"/>
                   </a:ext>
                 </a:extLst>
               </a:tr>
@@ -33767,6 +33498,141 @@
 </file>
 
 <file path=customXml/item1.xml><?xml version="1.0" encoding="utf-8"?>
+<?mso-contentType ?>
+<FormTemplates xmlns="http://schemas.microsoft.com/sharepoint/v3/contenttype/forms">
+  <Display>DocumentLibraryForm</Display>
+  <Edit>AssetEditForm</Edit>
+  <New>DocumentLibraryForm</New>
+</FormTemplates>
+</file>
+
+<file path=customXml/item2.xml><?xml version="1.0" encoding="utf-8"?>
+<p:properties xmlns:p="http://schemas.microsoft.com/office/2006/metadata/properties" xmlns:xsi="http://www.w3.org/2001/XMLSchema-instance" xmlns:pc="http://schemas.microsoft.com/office/infopath/2007/PartnerControls">
+  <documentManagement>
+    <APDescription xmlns="4873beb7-5857-4685-be1f-d57550cc96cc" xsi:nil="true"/>
+    <AssetExpire xmlns="4873beb7-5857-4685-be1f-d57550cc96cc">2029-01-01T08:00:00+00:00</AssetExpire>
+    <CampaignTagsTaxHTField0 xmlns="4873beb7-5857-4685-be1f-d57550cc96cc">
+      <Terms xmlns="http://schemas.microsoft.com/office/infopath/2007/PartnerControls"/>
+    </CampaignTagsTaxHTField0>
+    <IntlLangReviewDate xmlns="4873beb7-5857-4685-be1f-d57550cc96cc" xsi:nil="true"/>
+    <TPFriendlyName xmlns="4873beb7-5857-4685-be1f-d57550cc96cc" xsi:nil="true"/>
+    <IntlLangReview xmlns="4873beb7-5857-4685-be1f-d57550cc96cc">false</IntlLangReview>
+    <LocLastLocAttemptVersionLookup xmlns="4873beb7-5857-4685-be1f-d57550cc96cc">855024</LocLastLocAttemptVersionLookup>
+    <PolicheckWords xmlns="4873beb7-5857-4685-be1f-d57550cc96cc" xsi:nil="true"/>
+    <SubmitterId xmlns="4873beb7-5857-4685-be1f-d57550cc96cc" xsi:nil="true"/>
+    <AcquiredFrom xmlns="4873beb7-5857-4685-be1f-d57550cc96cc">Internal MS</AcquiredFrom>
+    <EditorialStatus xmlns="4873beb7-5857-4685-be1f-d57550cc96cc">Complete</EditorialStatus>
+    <Markets xmlns="4873beb7-5857-4685-be1f-d57550cc96cc"/>
+    <OriginAsset xmlns="4873beb7-5857-4685-be1f-d57550cc96cc" xsi:nil="true"/>
+    <AssetStart xmlns="4873beb7-5857-4685-be1f-d57550cc96cc">2012-08-31T08:50:00+00:00</AssetStart>
+    <FriendlyTitle xmlns="4873beb7-5857-4685-be1f-d57550cc96cc" xsi:nil="true"/>
+    <MarketSpecific xmlns="4873beb7-5857-4685-be1f-d57550cc96cc">false</MarketSpecific>
+    <TPNamespace xmlns="4873beb7-5857-4685-be1f-d57550cc96cc" xsi:nil="true"/>
+    <PublishStatusLookup xmlns="4873beb7-5857-4685-be1f-d57550cc96cc">
+      <Value>1616423</Value>
+    </PublishStatusLookup>
+    <APAuthor xmlns="4873beb7-5857-4685-be1f-d57550cc96cc">
+      <UserInfo>
+        <DisplayName>REDMOND\kristaa</DisplayName>
+        <AccountId>136</AccountId>
+        <AccountType/>
+      </UserInfo>
+    </APAuthor>
+    <TPCommandLine xmlns="4873beb7-5857-4685-be1f-d57550cc96cc" xsi:nil="true"/>
+    <IntlLangReviewer xmlns="4873beb7-5857-4685-be1f-d57550cc96cc" xsi:nil="true"/>
+    <OpenTemplate xmlns="4873beb7-5857-4685-be1f-d57550cc96cc">true</OpenTemplate>
+    <CSXSubmissionDate xmlns="4873beb7-5857-4685-be1f-d57550cc96cc" xsi:nil="true"/>
+    <TaxCatchAll xmlns="4873beb7-5857-4685-be1f-d57550cc96cc"/>
+    <Manager xmlns="4873beb7-5857-4685-be1f-d57550cc96cc" xsi:nil="true"/>
+    <NumericId xmlns="4873beb7-5857-4685-be1f-d57550cc96cc" xsi:nil="true"/>
+    <ParentAssetId xmlns="4873beb7-5857-4685-be1f-d57550cc96cc" xsi:nil="true"/>
+    <OriginalSourceMarket xmlns="4873beb7-5857-4685-be1f-d57550cc96cc" xsi:nil="true"/>
+    <ApprovalStatus xmlns="4873beb7-5857-4685-be1f-d57550cc96cc">InProgress</ApprovalStatus>
+    <TPComponent xmlns="4873beb7-5857-4685-be1f-d57550cc96cc" xsi:nil="true"/>
+    <EditorialTags xmlns="4873beb7-5857-4685-be1f-d57550cc96cc" xsi:nil="true"/>
+    <TPExecutable xmlns="4873beb7-5857-4685-be1f-d57550cc96cc" xsi:nil="true"/>
+    <TPLaunchHelpLink xmlns="4873beb7-5857-4685-be1f-d57550cc96cc" xsi:nil="true"/>
+    <LocComments xmlns="4873beb7-5857-4685-be1f-d57550cc96cc" xsi:nil="true"/>
+    <LocRecommendedHandoff xmlns="4873beb7-5857-4685-be1f-d57550cc96cc" xsi:nil="true"/>
+    <SourceTitle xmlns="4873beb7-5857-4685-be1f-d57550cc96cc" xsi:nil="true"/>
+    <CSXUpdate xmlns="4873beb7-5857-4685-be1f-d57550cc96cc">false</CSXUpdate>
+    <IntlLocPriority xmlns="4873beb7-5857-4685-be1f-d57550cc96cc" xsi:nil="true"/>
+    <UAProjectedTotalWords xmlns="4873beb7-5857-4685-be1f-d57550cc96cc" xsi:nil="true"/>
+    <AssetType xmlns="4873beb7-5857-4685-be1f-d57550cc96cc">TP</AssetType>
+    <MachineTranslated xmlns="4873beb7-5857-4685-be1f-d57550cc96cc">false</MachineTranslated>
+    <OutputCachingOn xmlns="4873beb7-5857-4685-be1f-d57550cc96cc">false</OutputCachingOn>
+    <TemplateStatus xmlns="4873beb7-5857-4685-be1f-d57550cc96cc">Complete</TemplateStatus>
+    <IsSearchable xmlns="4873beb7-5857-4685-be1f-d57550cc96cc">true</IsSearchable>
+    <ContentItem xmlns="4873beb7-5857-4685-be1f-d57550cc96cc" xsi:nil="true"/>
+    <HandoffToMSDN xmlns="4873beb7-5857-4685-be1f-d57550cc96cc" xsi:nil="true"/>
+    <ShowIn xmlns="4873beb7-5857-4685-be1f-d57550cc96cc">Show everywhere</ShowIn>
+    <ThumbnailAssetId xmlns="4873beb7-5857-4685-be1f-d57550cc96cc" xsi:nil="true"/>
+    <UALocComments xmlns="4873beb7-5857-4685-be1f-d57550cc96cc" xsi:nil="true"/>
+    <UALocRecommendation xmlns="4873beb7-5857-4685-be1f-d57550cc96cc">Localize</UALocRecommendation>
+    <LastModifiedDateTime xmlns="4873beb7-5857-4685-be1f-d57550cc96cc" xsi:nil="true"/>
+    <LegacyData xmlns="4873beb7-5857-4685-be1f-d57550cc96cc" xsi:nil="true"/>
+    <LocManualTestRequired xmlns="4873beb7-5857-4685-be1f-d57550cc96cc">false</LocManualTestRequired>
+    <LocMarketGroupTiers2 xmlns="4873beb7-5857-4685-be1f-d57550cc96cc" xsi:nil="true"/>
+    <ClipArtFilename xmlns="4873beb7-5857-4685-be1f-d57550cc96cc" xsi:nil="true"/>
+    <TPApplication xmlns="4873beb7-5857-4685-be1f-d57550cc96cc" xsi:nil="true"/>
+    <CSXHash xmlns="4873beb7-5857-4685-be1f-d57550cc96cc" xsi:nil="true"/>
+    <DirectSourceMarket xmlns="4873beb7-5857-4685-be1f-d57550cc96cc" xsi:nil="true"/>
+    <PrimaryImageGen xmlns="4873beb7-5857-4685-be1f-d57550cc96cc">true</PrimaryImageGen>
+    <PlannedPubDate xmlns="4873beb7-5857-4685-be1f-d57550cc96cc" xsi:nil="true"/>
+    <CSXSubmissionMarket xmlns="4873beb7-5857-4685-be1f-d57550cc96cc" xsi:nil="true"/>
+    <Downloads xmlns="4873beb7-5857-4685-be1f-d57550cc96cc">0</Downloads>
+    <ArtSampleDocs xmlns="4873beb7-5857-4685-be1f-d57550cc96cc" xsi:nil="true"/>
+    <TrustLevel xmlns="4873beb7-5857-4685-be1f-d57550cc96cc">1 Microsoft Managed Content</TrustLevel>
+    <BlockPublish xmlns="4873beb7-5857-4685-be1f-d57550cc96cc">false</BlockPublish>
+    <TPLaunchHelpLinkType xmlns="4873beb7-5857-4685-be1f-d57550cc96cc">Template</TPLaunchHelpLinkType>
+    <LocalizationTagsTaxHTField0 xmlns="4873beb7-5857-4685-be1f-d57550cc96cc">
+      <Terms xmlns="http://schemas.microsoft.com/office/infopath/2007/PartnerControls"/>
+    </LocalizationTagsTaxHTField0>
+    <BusinessGroup xmlns="4873beb7-5857-4685-be1f-d57550cc96cc" xsi:nil="true"/>
+    <Providers xmlns="4873beb7-5857-4685-be1f-d57550cc96cc" xsi:nil="true"/>
+    <TemplateTemplateType xmlns="4873beb7-5857-4685-be1f-d57550cc96cc">PowerPoint Presentation Template</TemplateTemplateType>
+    <TimesCloned xmlns="4873beb7-5857-4685-be1f-d57550cc96cc" xsi:nil="true"/>
+    <TPAppVersion xmlns="4873beb7-5857-4685-be1f-d57550cc96cc" xsi:nil="true"/>
+    <VoteCount xmlns="4873beb7-5857-4685-be1f-d57550cc96cc" xsi:nil="true"/>
+    <AverageRating xmlns="4873beb7-5857-4685-be1f-d57550cc96cc" xsi:nil="true"/>
+    <FeatureTagsTaxHTField0 xmlns="4873beb7-5857-4685-be1f-d57550cc96cc">
+      <Terms xmlns="http://schemas.microsoft.com/office/infopath/2007/PartnerControls"/>
+    </FeatureTagsTaxHTField0>
+    <Provider xmlns="4873beb7-5857-4685-be1f-d57550cc96cc" xsi:nil="true"/>
+    <UACurrentWords xmlns="4873beb7-5857-4685-be1f-d57550cc96cc" xsi:nil="true"/>
+    <AssetId xmlns="4873beb7-5857-4685-be1f-d57550cc96cc">TP103431361</AssetId>
+    <TPClientViewer xmlns="4873beb7-5857-4685-be1f-d57550cc96cc" xsi:nil="true"/>
+    <DSATActionTaken xmlns="4873beb7-5857-4685-be1f-d57550cc96cc" xsi:nil="true"/>
+    <APEditor xmlns="4873beb7-5857-4685-be1f-d57550cc96cc">
+      <UserInfo>
+        <DisplayName/>
+        <AccountId xsi:nil="true"/>
+        <AccountType/>
+      </UserInfo>
+    </APEditor>
+    <TPInstallLocation xmlns="4873beb7-5857-4685-be1f-d57550cc96cc" xsi:nil="true"/>
+    <OOCacheId xmlns="4873beb7-5857-4685-be1f-d57550cc96cc" xsi:nil="true"/>
+    <IsDeleted xmlns="4873beb7-5857-4685-be1f-d57550cc96cc">false</IsDeleted>
+    <PublishTargets xmlns="4873beb7-5857-4685-be1f-d57550cc96cc">OfficeOnlineVNext</PublishTargets>
+    <ApprovalLog xmlns="4873beb7-5857-4685-be1f-d57550cc96cc" xsi:nil="true"/>
+    <BugNumber xmlns="4873beb7-5857-4685-be1f-d57550cc96cc" xsi:nil="true"/>
+    <CrawlForDependencies xmlns="4873beb7-5857-4685-be1f-d57550cc96cc">false</CrawlForDependencies>
+    <InternalTagsTaxHTField0 xmlns="4873beb7-5857-4685-be1f-d57550cc96cc">
+      <Terms xmlns="http://schemas.microsoft.com/office/infopath/2007/PartnerControls"/>
+    </InternalTagsTaxHTField0>
+    <LastHandOff xmlns="4873beb7-5857-4685-be1f-d57550cc96cc" xsi:nil="true"/>
+    <Milestone xmlns="4873beb7-5857-4685-be1f-d57550cc96cc" xsi:nil="true"/>
+    <OriginalRelease xmlns="4873beb7-5857-4685-be1f-d57550cc96cc">15</OriginalRelease>
+    <RecommendationsModifier xmlns="4873beb7-5857-4685-be1f-d57550cc96cc" xsi:nil="true"/>
+    <ScenarioTagsTaxHTField0 xmlns="4873beb7-5857-4685-be1f-d57550cc96cc">
+      <Terms xmlns="http://schemas.microsoft.com/office/infopath/2007/PartnerControls"/>
+    </ScenarioTagsTaxHTField0>
+    <UANotes xmlns="4873beb7-5857-4685-be1f-d57550cc96cc" xsi:nil="true"/>
+  </documentManagement>
+</p:properties>
+</file>
+
+<file path=customXml/item3.xml><?xml version="1.0" encoding="utf-8"?>
 <ct:contentTypeSchema xmlns:ct="http://schemas.microsoft.com/office/2006/metadata/contentType" xmlns:ma="http://schemas.microsoft.com/office/2006/metadata/properties/metaAttributes" ct:_="" ma:_="" ma:contentTypeName="TemplateFile" ma:contentTypeID="0x0101006EDDDB5EE6D98C44930B742096920B300400F5B6D36B3EF94B4E9A635CDF2A18F5B8" ma:contentTypeVersion="72" ma:contentTypeDescription="Create a new document." ma:contentTypeScope="" ma:versionID="a23e56308344d904b51738559c3d67c9">
   <xsd:schema xmlns:xsd="http://www.w3.org/2001/XMLSchema" xmlns:xs="http://www.w3.org/2001/XMLSchema" xmlns:p="http://schemas.microsoft.com/office/2006/metadata/properties" xmlns:ns2="4873beb7-5857-4685-be1f-d57550cc96cc" targetNamespace="http://schemas.microsoft.com/office/2006/metadata/properties" ma:root="true" ma:fieldsID="cd0908cc4600e77bf5da051303e00c8d" ns2:_="">
     <xsd:import namespace="4873beb7-5857-4685-be1f-d57550cc96cc"/>
@@ -34806,142 +34672,31 @@
 </ct:contentTypeSchema>
 </file>
 
-<file path=customXml/item2.xml><?xml version="1.0" encoding="utf-8"?>
-<?mso-contentType ?>
-<FormTemplates xmlns="http://schemas.microsoft.com/sharepoint/v3/contenttype/forms">
-  <Display>DocumentLibraryForm</Display>
-  <Edit>AssetEditForm</Edit>
-  <New>DocumentLibraryForm</New>
-</FormTemplates>
+<file path=customXml/itemProps1.xml><?xml version="1.0" encoding="utf-8"?>
+<ds:datastoreItem xmlns:ds="http://schemas.openxmlformats.org/officeDocument/2006/customXml" ds:itemID="{561E720F-F05D-4536-9C34-0CFCED65D3B7}">
+  <ds:schemaRefs>
+    <ds:schemaRef ds:uri="http://schemas.microsoft.com/sharepoint/v3/contenttype/forms"/>
+  </ds:schemaRefs>
+</ds:datastoreItem>
 </file>
 
-<file path=customXml/item3.xml><?xml version="1.0" encoding="utf-8"?>
-<p:properties xmlns:p="http://schemas.microsoft.com/office/2006/metadata/properties" xmlns:xsi="http://www.w3.org/2001/XMLSchema-instance" xmlns:pc="http://schemas.microsoft.com/office/infopath/2007/PartnerControls">
-  <documentManagement>
-    <APDescription xmlns="4873beb7-5857-4685-be1f-d57550cc96cc" xsi:nil="true"/>
-    <AssetExpire xmlns="4873beb7-5857-4685-be1f-d57550cc96cc">2029-01-01T08:00:00+00:00</AssetExpire>
-    <CampaignTagsTaxHTField0 xmlns="4873beb7-5857-4685-be1f-d57550cc96cc">
-      <Terms xmlns="http://schemas.microsoft.com/office/infopath/2007/PartnerControls"/>
-    </CampaignTagsTaxHTField0>
-    <IntlLangReviewDate xmlns="4873beb7-5857-4685-be1f-d57550cc96cc" xsi:nil="true"/>
-    <TPFriendlyName xmlns="4873beb7-5857-4685-be1f-d57550cc96cc" xsi:nil="true"/>
-    <IntlLangReview xmlns="4873beb7-5857-4685-be1f-d57550cc96cc">false</IntlLangReview>
-    <LocLastLocAttemptVersionLookup xmlns="4873beb7-5857-4685-be1f-d57550cc96cc">855024</LocLastLocAttemptVersionLookup>
-    <PolicheckWords xmlns="4873beb7-5857-4685-be1f-d57550cc96cc" xsi:nil="true"/>
-    <SubmitterId xmlns="4873beb7-5857-4685-be1f-d57550cc96cc" xsi:nil="true"/>
-    <AcquiredFrom xmlns="4873beb7-5857-4685-be1f-d57550cc96cc">Internal MS</AcquiredFrom>
-    <EditorialStatus xmlns="4873beb7-5857-4685-be1f-d57550cc96cc">Complete</EditorialStatus>
-    <Markets xmlns="4873beb7-5857-4685-be1f-d57550cc96cc"/>
-    <OriginAsset xmlns="4873beb7-5857-4685-be1f-d57550cc96cc" xsi:nil="true"/>
-    <AssetStart xmlns="4873beb7-5857-4685-be1f-d57550cc96cc">2012-08-31T08:50:00+00:00</AssetStart>
-    <FriendlyTitle xmlns="4873beb7-5857-4685-be1f-d57550cc96cc" xsi:nil="true"/>
-    <MarketSpecific xmlns="4873beb7-5857-4685-be1f-d57550cc96cc">false</MarketSpecific>
-    <TPNamespace xmlns="4873beb7-5857-4685-be1f-d57550cc96cc" xsi:nil="true"/>
-    <PublishStatusLookup xmlns="4873beb7-5857-4685-be1f-d57550cc96cc">
-      <Value>1616423</Value>
-    </PublishStatusLookup>
-    <APAuthor xmlns="4873beb7-5857-4685-be1f-d57550cc96cc">
-      <UserInfo>
-        <DisplayName>REDMOND\kristaa</DisplayName>
-        <AccountId>136</AccountId>
-        <AccountType/>
-      </UserInfo>
-    </APAuthor>
-    <TPCommandLine xmlns="4873beb7-5857-4685-be1f-d57550cc96cc" xsi:nil="true"/>
-    <IntlLangReviewer xmlns="4873beb7-5857-4685-be1f-d57550cc96cc" xsi:nil="true"/>
-    <OpenTemplate xmlns="4873beb7-5857-4685-be1f-d57550cc96cc">true</OpenTemplate>
-    <CSXSubmissionDate xmlns="4873beb7-5857-4685-be1f-d57550cc96cc" xsi:nil="true"/>
-    <TaxCatchAll xmlns="4873beb7-5857-4685-be1f-d57550cc96cc"/>
-    <Manager xmlns="4873beb7-5857-4685-be1f-d57550cc96cc" xsi:nil="true"/>
-    <NumericId xmlns="4873beb7-5857-4685-be1f-d57550cc96cc" xsi:nil="true"/>
-    <ParentAssetId xmlns="4873beb7-5857-4685-be1f-d57550cc96cc" xsi:nil="true"/>
-    <OriginalSourceMarket xmlns="4873beb7-5857-4685-be1f-d57550cc96cc" xsi:nil="true"/>
-    <ApprovalStatus xmlns="4873beb7-5857-4685-be1f-d57550cc96cc">InProgress</ApprovalStatus>
-    <TPComponent xmlns="4873beb7-5857-4685-be1f-d57550cc96cc" xsi:nil="true"/>
-    <EditorialTags xmlns="4873beb7-5857-4685-be1f-d57550cc96cc" xsi:nil="true"/>
-    <TPExecutable xmlns="4873beb7-5857-4685-be1f-d57550cc96cc" xsi:nil="true"/>
-    <TPLaunchHelpLink xmlns="4873beb7-5857-4685-be1f-d57550cc96cc" xsi:nil="true"/>
-    <LocComments xmlns="4873beb7-5857-4685-be1f-d57550cc96cc" xsi:nil="true"/>
-    <LocRecommendedHandoff xmlns="4873beb7-5857-4685-be1f-d57550cc96cc" xsi:nil="true"/>
-    <SourceTitle xmlns="4873beb7-5857-4685-be1f-d57550cc96cc" xsi:nil="true"/>
-    <CSXUpdate xmlns="4873beb7-5857-4685-be1f-d57550cc96cc">false</CSXUpdate>
-    <IntlLocPriority xmlns="4873beb7-5857-4685-be1f-d57550cc96cc" xsi:nil="true"/>
-    <UAProjectedTotalWords xmlns="4873beb7-5857-4685-be1f-d57550cc96cc" xsi:nil="true"/>
-    <AssetType xmlns="4873beb7-5857-4685-be1f-d57550cc96cc">TP</AssetType>
-    <MachineTranslated xmlns="4873beb7-5857-4685-be1f-d57550cc96cc">false</MachineTranslated>
-    <OutputCachingOn xmlns="4873beb7-5857-4685-be1f-d57550cc96cc">false</OutputCachingOn>
-    <TemplateStatus xmlns="4873beb7-5857-4685-be1f-d57550cc96cc">Complete</TemplateStatus>
-    <IsSearchable xmlns="4873beb7-5857-4685-be1f-d57550cc96cc">true</IsSearchable>
-    <ContentItem xmlns="4873beb7-5857-4685-be1f-d57550cc96cc" xsi:nil="true"/>
-    <HandoffToMSDN xmlns="4873beb7-5857-4685-be1f-d57550cc96cc" xsi:nil="true"/>
-    <ShowIn xmlns="4873beb7-5857-4685-be1f-d57550cc96cc">Show everywhere</ShowIn>
-    <ThumbnailAssetId xmlns="4873beb7-5857-4685-be1f-d57550cc96cc" xsi:nil="true"/>
-    <UALocComments xmlns="4873beb7-5857-4685-be1f-d57550cc96cc" xsi:nil="true"/>
-    <UALocRecommendation xmlns="4873beb7-5857-4685-be1f-d57550cc96cc">Localize</UALocRecommendation>
-    <LastModifiedDateTime xmlns="4873beb7-5857-4685-be1f-d57550cc96cc" xsi:nil="true"/>
-    <LegacyData xmlns="4873beb7-5857-4685-be1f-d57550cc96cc" xsi:nil="true"/>
-    <LocManualTestRequired xmlns="4873beb7-5857-4685-be1f-d57550cc96cc">false</LocManualTestRequired>
-    <LocMarketGroupTiers2 xmlns="4873beb7-5857-4685-be1f-d57550cc96cc" xsi:nil="true"/>
-    <ClipArtFilename xmlns="4873beb7-5857-4685-be1f-d57550cc96cc" xsi:nil="true"/>
-    <TPApplication xmlns="4873beb7-5857-4685-be1f-d57550cc96cc" xsi:nil="true"/>
-    <CSXHash xmlns="4873beb7-5857-4685-be1f-d57550cc96cc" xsi:nil="true"/>
-    <DirectSourceMarket xmlns="4873beb7-5857-4685-be1f-d57550cc96cc" xsi:nil="true"/>
-    <PrimaryImageGen xmlns="4873beb7-5857-4685-be1f-d57550cc96cc">true</PrimaryImageGen>
-    <PlannedPubDate xmlns="4873beb7-5857-4685-be1f-d57550cc96cc" xsi:nil="true"/>
-    <CSXSubmissionMarket xmlns="4873beb7-5857-4685-be1f-d57550cc96cc" xsi:nil="true"/>
-    <Downloads xmlns="4873beb7-5857-4685-be1f-d57550cc96cc">0</Downloads>
-    <ArtSampleDocs xmlns="4873beb7-5857-4685-be1f-d57550cc96cc" xsi:nil="true"/>
-    <TrustLevel xmlns="4873beb7-5857-4685-be1f-d57550cc96cc">1 Microsoft Managed Content</TrustLevel>
-    <BlockPublish xmlns="4873beb7-5857-4685-be1f-d57550cc96cc">false</BlockPublish>
-    <TPLaunchHelpLinkType xmlns="4873beb7-5857-4685-be1f-d57550cc96cc">Template</TPLaunchHelpLinkType>
-    <LocalizationTagsTaxHTField0 xmlns="4873beb7-5857-4685-be1f-d57550cc96cc">
-      <Terms xmlns="http://schemas.microsoft.com/office/infopath/2007/PartnerControls"/>
-    </LocalizationTagsTaxHTField0>
-    <BusinessGroup xmlns="4873beb7-5857-4685-be1f-d57550cc96cc" xsi:nil="true"/>
-    <Providers xmlns="4873beb7-5857-4685-be1f-d57550cc96cc" xsi:nil="true"/>
-    <TemplateTemplateType xmlns="4873beb7-5857-4685-be1f-d57550cc96cc">PowerPoint Presentation Template</TemplateTemplateType>
-    <TimesCloned xmlns="4873beb7-5857-4685-be1f-d57550cc96cc" xsi:nil="true"/>
-    <TPAppVersion xmlns="4873beb7-5857-4685-be1f-d57550cc96cc" xsi:nil="true"/>
-    <VoteCount xmlns="4873beb7-5857-4685-be1f-d57550cc96cc" xsi:nil="true"/>
-    <AverageRating xmlns="4873beb7-5857-4685-be1f-d57550cc96cc" xsi:nil="true"/>
-    <FeatureTagsTaxHTField0 xmlns="4873beb7-5857-4685-be1f-d57550cc96cc">
-      <Terms xmlns="http://schemas.microsoft.com/office/infopath/2007/PartnerControls"/>
-    </FeatureTagsTaxHTField0>
-    <Provider xmlns="4873beb7-5857-4685-be1f-d57550cc96cc" xsi:nil="true"/>
-    <UACurrentWords xmlns="4873beb7-5857-4685-be1f-d57550cc96cc" xsi:nil="true"/>
-    <AssetId xmlns="4873beb7-5857-4685-be1f-d57550cc96cc">TP103431361</AssetId>
-    <TPClientViewer xmlns="4873beb7-5857-4685-be1f-d57550cc96cc" xsi:nil="true"/>
-    <DSATActionTaken xmlns="4873beb7-5857-4685-be1f-d57550cc96cc" xsi:nil="true"/>
-    <APEditor xmlns="4873beb7-5857-4685-be1f-d57550cc96cc">
-      <UserInfo>
-        <DisplayName/>
-        <AccountId xsi:nil="true"/>
-        <AccountType/>
-      </UserInfo>
-    </APEditor>
-    <TPInstallLocation xmlns="4873beb7-5857-4685-be1f-d57550cc96cc" xsi:nil="true"/>
-    <OOCacheId xmlns="4873beb7-5857-4685-be1f-d57550cc96cc" xsi:nil="true"/>
-    <IsDeleted xmlns="4873beb7-5857-4685-be1f-d57550cc96cc">false</IsDeleted>
-    <PublishTargets xmlns="4873beb7-5857-4685-be1f-d57550cc96cc">OfficeOnlineVNext</PublishTargets>
-    <ApprovalLog xmlns="4873beb7-5857-4685-be1f-d57550cc96cc" xsi:nil="true"/>
-    <BugNumber xmlns="4873beb7-5857-4685-be1f-d57550cc96cc" xsi:nil="true"/>
-    <CrawlForDependencies xmlns="4873beb7-5857-4685-be1f-d57550cc96cc">false</CrawlForDependencies>
-    <InternalTagsTaxHTField0 xmlns="4873beb7-5857-4685-be1f-d57550cc96cc">
-      <Terms xmlns="http://schemas.microsoft.com/office/infopath/2007/PartnerControls"/>
-    </InternalTagsTaxHTField0>
-    <LastHandOff xmlns="4873beb7-5857-4685-be1f-d57550cc96cc" xsi:nil="true"/>
-    <Milestone xmlns="4873beb7-5857-4685-be1f-d57550cc96cc" xsi:nil="true"/>
-    <OriginalRelease xmlns="4873beb7-5857-4685-be1f-d57550cc96cc">15</OriginalRelease>
-    <RecommendationsModifier xmlns="4873beb7-5857-4685-be1f-d57550cc96cc" xsi:nil="true"/>
-    <ScenarioTagsTaxHTField0 xmlns="4873beb7-5857-4685-be1f-d57550cc96cc">
-      <Terms xmlns="http://schemas.microsoft.com/office/infopath/2007/PartnerControls"/>
-    </ScenarioTagsTaxHTField0>
-    <UANotes xmlns="4873beb7-5857-4685-be1f-d57550cc96cc" xsi:nil="true"/>
-  </documentManagement>
-</p:properties>
+<file path=customXml/itemProps2.xml><?xml version="1.0" encoding="utf-8"?>
+<ds:datastoreItem xmlns:ds="http://schemas.openxmlformats.org/officeDocument/2006/customXml" ds:itemID="{8CDDBB83-77C1-4099-A0AA-289882E745E2}">
+  <ds:schemaRefs>
+    <ds:schemaRef ds:uri="http://schemas.microsoft.com/office/infopath/2007/PartnerControls"/>
+    <ds:schemaRef ds:uri="http://schemas.microsoft.com/office/2006/documentManagement/types"/>
+    <ds:schemaRef ds:uri="http://purl.org/dc/elements/1.1/"/>
+    <ds:schemaRef ds:uri="http://www.w3.org/XML/1998/namespace"/>
+    <ds:schemaRef ds:uri="http://purl.org/dc/dcmitype/"/>
+    <ds:schemaRef ds:uri="http://purl.org/dc/terms/"/>
+    <ds:schemaRef ds:uri="http://schemas.openxmlformats.org/package/2006/metadata/core-properties"/>
+    <ds:schemaRef ds:uri="4873beb7-5857-4685-be1f-d57550cc96cc"/>
+    <ds:schemaRef ds:uri="http://schemas.microsoft.com/office/2006/metadata/properties"/>
+  </ds:schemaRefs>
+</ds:datastoreItem>
 </file>
 
-<file path=customXml/itemProps1.xml><?xml version="1.0" encoding="utf-8"?>
+<file path=customXml/itemProps3.xml><?xml version="1.0" encoding="utf-8"?>
 <ds:datastoreItem xmlns:ds="http://schemas.openxmlformats.org/officeDocument/2006/customXml" ds:itemID="{28C8B9CA-0273-4370-889A-FC05DA5C2FA5}">
   <ds:schemaRefs>
     <ds:schemaRef ds:uri="http://schemas.microsoft.com/office/2006/metadata/contentType"/>
@@ -34957,28 +34712,4 @@
     <ds:schemaRef ds:uri="http://schemas.microsoft.com/internal/obd"/>
   </ds:schemaRefs>
 </ds:datastoreItem>
-</file>
-
-<file path=customXml/itemProps2.xml><?xml version="1.0" encoding="utf-8"?>
-<ds:datastoreItem xmlns:ds="http://schemas.openxmlformats.org/officeDocument/2006/customXml" ds:itemID="{561E720F-F05D-4536-9C34-0CFCED65D3B7}">
-  <ds:schemaRefs>
-    <ds:schemaRef ds:uri="http://schemas.microsoft.com/sharepoint/v3/contenttype/forms"/>
-  </ds:schemaRefs>
-</ds:datastoreItem>
-</file>
-
-<file path=customXml/itemProps3.xml><?xml version="1.0" encoding="utf-8"?>
-<ds:datastoreItem xmlns:ds="http://schemas.openxmlformats.org/officeDocument/2006/customXml" ds:itemID="{8CDDBB83-77C1-4099-A0AA-289882E745E2}">
-  <ds:schemaRefs>
-    <ds:schemaRef ds:uri="http://schemas.microsoft.com/office/infopath/2007/PartnerControls"/>
-    <ds:schemaRef ds:uri="http://schemas.microsoft.com/office/2006/documentManagement/types"/>
-    <ds:schemaRef ds:uri="http://purl.org/dc/elements/1.1/"/>
-    <ds:schemaRef ds:uri="http://www.w3.org/XML/1998/namespace"/>
-    <ds:schemaRef ds:uri="http://purl.org/dc/dcmitype/"/>
-    <ds:schemaRef ds:uri="http://purl.org/dc/terms/"/>
-    <ds:schemaRef ds:uri="http://schemas.openxmlformats.org/package/2006/metadata/core-properties"/>
-    <ds:schemaRef ds:uri="4873beb7-5857-4685-be1f-d57550cc96cc"/>
-    <ds:schemaRef ds:uri="http://schemas.microsoft.com/office/2006/metadata/properties"/>
-  </ds:schemaRefs>
-</ds:datastoreItem>
 </file>